--- a/data/mota-data.pptx
+++ b/data/mota-data.pptx
@@ -6,6 +6,8 @@
   </p:sldMasterIdLst>
   <p:sldIdLst>
     <p:sldId id="256" r:id="rId2"/>
+    <p:sldId id="257" r:id="rId3"/>
+    <p:sldId id="258" r:id="rId4"/>
   </p:sldIdLst>
   <p:sldSz cx="12192000" cy="6858000"/>
   <p:notesSz cx="6858000" cy="9144000"/>
@@ -259,7 +261,7 @@
           <a:p>
             <a:fld id="{2336080D-4972-4869-AA6E-74024D92DE7F}" type="datetimeFigureOut">
               <a:rPr lang="zh-CN" altLang="en-US" smtClean="0"/>
-              <a:t>2024/3/13</a:t>
+              <a:t>2024/3/22</a:t>
             </a:fld>
             <a:endParaRPr lang="zh-CN" altLang="en-US"/>
           </a:p>
@@ -457,7 +459,7 @@
           <a:p>
             <a:fld id="{2336080D-4972-4869-AA6E-74024D92DE7F}" type="datetimeFigureOut">
               <a:rPr lang="zh-CN" altLang="en-US" smtClean="0"/>
-              <a:t>2024/3/13</a:t>
+              <a:t>2024/3/22</a:t>
             </a:fld>
             <a:endParaRPr lang="zh-CN" altLang="en-US"/>
           </a:p>
@@ -665,7 +667,7 @@
           <a:p>
             <a:fld id="{2336080D-4972-4869-AA6E-74024D92DE7F}" type="datetimeFigureOut">
               <a:rPr lang="zh-CN" altLang="en-US" smtClean="0"/>
-              <a:t>2024/3/13</a:t>
+              <a:t>2024/3/22</a:t>
             </a:fld>
             <a:endParaRPr lang="zh-CN" altLang="en-US"/>
           </a:p>
@@ -863,7 +865,7 @@
           <a:p>
             <a:fld id="{2336080D-4972-4869-AA6E-74024D92DE7F}" type="datetimeFigureOut">
               <a:rPr lang="zh-CN" altLang="en-US" smtClean="0"/>
-              <a:t>2024/3/13</a:t>
+              <a:t>2024/3/22</a:t>
             </a:fld>
             <a:endParaRPr lang="zh-CN" altLang="en-US"/>
           </a:p>
@@ -1138,7 +1140,7 @@
           <a:p>
             <a:fld id="{2336080D-4972-4869-AA6E-74024D92DE7F}" type="datetimeFigureOut">
               <a:rPr lang="zh-CN" altLang="en-US" smtClean="0"/>
-              <a:t>2024/3/13</a:t>
+              <a:t>2024/3/22</a:t>
             </a:fld>
             <a:endParaRPr lang="zh-CN" altLang="en-US"/>
           </a:p>
@@ -1403,7 +1405,7 @@
           <a:p>
             <a:fld id="{2336080D-4972-4869-AA6E-74024D92DE7F}" type="datetimeFigureOut">
               <a:rPr lang="zh-CN" altLang="en-US" smtClean="0"/>
-              <a:t>2024/3/13</a:t>
+              <a:t>2024/3/22</a:t>
             </a:fld>
             <a:endParaRPr lang="zh-CN" altLang="en-US"/>
           </a:p>
@@ -1815,7 +1817,7 @@
           <a:p>
             <a:fld id="{2336080D-4972-4869-AA6E-74024D92DE7F}" type="datetimeFigureOut">
               <a:rPr lang="zh-CN" altLang="en-US" smtClean="0"/>
-              <a:t>2024/3/13</a:t>
+              <a:t>2024/3/22</a:t>
             </a:fld>
             <a:endParaRPr lang="zh-CN" altLang="en-US"/>
           </a:p>
@@ -1956,7 +1958,7 @@
           <a:p>
             <a:fld id="{2336080D-4972-4869-AA6E-74024D92DE7F}" type="datetimeFigureOut">
               <a:rPr lang="zh-CN" altLang="en-US" smtClean="0"/>
-              <a:t>2024/3/13</a:t>
+              <a:t>2024/3/22</a:t>
             </a:fld>
             <a:endParaRPr lang="zh-CN" altLang="en-US"/>
           </a:p>
@@ -2069,7 +2071,7 @@
           <a:p>
             <a:fld id="{2336080D-4972-4869-AA6E-74024D92DE7F}" type="datetimeFigureOut">
               <a:rPr lang="zh-CN" altLang="en-US" smtClean="0"/>
-              <a:t>2024/3/13</a:t>
+              <a:t>2024/3/22</a:t>
             </a:fld>
             <a:endParaRPr lang="zh-CN" altLang="en-US"/>
           </a:p>
@@ -2380,7 +2382,7 @@
           <a:p>
             <a:fld id="{2336080D-4972-4869-AA6E-74024D92DE7F}" type="datetimeFigureOut">
               <a:rPr lang="zh-CN" altLang="en-US" smtClean="0"/>
-              <a:t>2024/3/13</a:t>
+              <a:t>2024/3/22</a:t>
             </a:fld>
             <a:endParaRPr lang="zh-CN" altLang="en-US"/>
           </a:p>
@@ -2668,7 +2670,7 @@
           <a:p>
             <a:fld id="{2336080D-4972-4869-AA6E-74024D92DE7F}" type="datetimeFigureOut">
               <a:rPr lang="zh-CN" altLang="en-US" smtClean="0"/>
-              <a:t>2024/3/13</a:t>
+              <a:t>2024/3/22</a:t>
             </a:fld>
             <a:endParaRPr lang="zh-CN" altLang="en-US"/>
           </a:p>
@@ -2909,7 +2911,7 @@
           <a:p>
             <a:fld id="{2336080D-4972-4869-AA6E-74024D92DE7F}" type="datetimeFigureOut">
               <a:rPr lang="zh-CN" altLang="en-US" smtClean="0"/>
-              <a:t>2024/3/13</a:t>
+              <a:t>2024/3/22</a:t>
             </a:fld>
             <a:endParaRPr lang="zh-CN" altLang="en-US"/>
           </a:p>
@@ -5294,10 +5296,4744 @@
           </a:p>
         </p:txBody>
       </p:sp>
+      <p:sp>
+        <p:nvSpPr>
+          <p:cNvPr id="48" name="文本框 47">
+            <a:extLst>
+              <a:ext uri="{FF2B5EF4-FFF2-40B4-BE49-F238E27FC236}">
+                <a16:creationId xmlns:a16="http://schemas.microsoft.com/office/drawing/2014/main" id="{FA0B1EC2-70CF-4ADC-B510-F187E0B366A9}"/>
+              </a:ext>
+            </a:extLst>
+          </p:cNvPr>
+          <p:cNvSpPr txBox="1"/>
+          <p:nvPr/>
+        </p:nvSpPr>
+        <p:spPr>
+          <a:xfrm>
+            <a:off x="7897090" y="4389106"/>
+            <a:ext cx="3902607" cy="1107996"/>
+          </a:xfrm>
+          <a:prstGeom prst="rect">
+            <a:avLst/>
+          </a:prstGeom>
+          <a:noFill/>
+        </p:spPr>
+        <p:txBody>
+          <a:bodyPr wrap="square" rtlCol="0">
+            <a:spAutoFit/>
+          </a:bodyPr>
+          <a:lstStyle/>
+          <a:p>
+            <a:r>
+              <a:rPr lang="en-US" altLang="zh-CN" sz="6600" b="1" dirty="0">
+                <a:latin typeface="宋体" panose="02010600030101010101" pitchFamily="2" charset="-122"/>
+                <a:ea typeface="宋体" panose="02010600030101010101" pitchFamily="2" charset="-122"/>
+              </a:rPr>
+              <a:t>END 35</a:t>
+            </a:r>
+            <a:endParaRPr lang="zh-CN" altLang="en-US" sz="6600" b="1" dirty="0">
+              <a:latin typeface="宋体" panose="02010600030101010101" pitchFamily="2" charset="-122"/>
+              <a:ea typeface="宋体" panose="02010600030101010101" pitchFamily="2" charset="-122"/>
+            </a:endParaRPr>
+          </a:p>
+        </p:txBody>
+      </p:sp>
+      <p:pic>
+        <p:nvPicPr>
+          <p:cNvPr id="49" name="图片 48">
+            <a:extLst>
+              <a:ext uri="{FF2B5EF4-FFF2-40B4-BE49-F238E27FC236}">
+                <a16:creationId xmlns:a16="http://schemas.microsoft.com/office/drawing/2014/main" id="{6513AD48-2F90-49BB-8135-D48238374DB8}"/>
+              </a:ext>
+            </a:extLst>
+          </p:cNvPr>
+          <p:cNvPicPr/>
+          <p:nvPr/>
+        </p:nvPicPr>
+        <p:blipFill>
+          <a:blip r:embed="rId10"/>
+          <a:srcRect/>
+          <a:stretch>
+            <a:fillRect/>
+          </a:stretch>
+        </p:blipFill>
+        <p:spPr bwMode="auto">
+          <a:xfrm>
+            <a:off x="7734459" y="3504571"/>
+            <a:ext cx="3810000" cy="400050"/>
+          </a:xfrm>
+          <a:prstGeom prst="rect">
+            <a:avLst/>
+          </a:prstGeom>
+          <a:noFill/>
+          <a:ln w="9525">
+            <a:noFill/>
+            <a:miter lim="800000"/>
+            <a:headEnd/>
+            <a:tailEnd/>
+          </a:ln>
+        </p:spPr>
+      </p:pic>
     </p:spTree>
     <p:extLst>
       <p:ext uri="{BB962C8B-B14F-4D97-AF65-F5344CB8AC3E}">
         <p14:creationId xmlns:p14="http://schemas.microsoft.com/office/powerpoint/2010/main" val="1404934777"/>
+      </p:ext>
+    </p:extLst>
+  </p:cSld>
+  <p:clrMapOvr>
+    <a:masterClrMapping/>
+  </p:clrMapOvr>
+</p:sld>
+</file>
+
+<file path=ppt/slides/slide2.xml><?xml version="1.0" encoding="utf-8"?>
+<p:sld xmlns:a="http://schemas.openxmlformats.org/drawingml/2006/main" xmlns:r="http://schemas.openxmlformats.org/officeDocument/2006/relationships" xmlns:p="http://schemas.openxmlformats.org/presentationml/2006/main">
+  <p:cSld>
+    <p:spTree>
+      <p:nvGrpSpPr>
+        <p:cNvPr id="1" name=""/>
+        <p:cNvGrpSpPr/>
+        <p:nvPr/>
+      </p:nvGrpSpPr>
+      <p:grpSpPr>
+        <a:xfrm>
+          <a:off x="0" y="0"/>
+          <a:ext cx="0" cy="0"/>
+          <a:chOff x="0" y="0"/>
+          <a:chExt cx="0" cy="0"/>
+        </a:xfrm>
+      </p:grpSpPr>
+      <p:sp>
+        <p:nvSpPr>
+          <p:cNvPr id="5" name="文本框 4">
+            <a:extLst>
+              <a:ext uri="{FF2B5EF4-FFF2-40B4-BE49-F238E27FC236}">
+                <a16:creationId xmlns:a16="http://schemas.microsoft.com/office/drawing/2014/main" id="{164751C7-1A9D-4235-B1BF-03057FA4ED6D}"/>
+              </a:ext>
+            </a:extLst>
+          </p:cNvPr>
+          <p:cNvSpPr txBox="1"/>
+          <p:nvPr/>
+        </p:nvSpPr>
+        <p:spPr>
+          <a:xfrm>
+            <a:off x="2235687" y="577516"/>
+            <a:ext cx="476888" cy="400110"/>
+          </a:xfrm>
+          <a:prstGeom prst="rect">
+            <a:avLst/>
+          </a:prstGeom>
+          <a:noFill/>
+        </p:spPr>
+        <p:txBody>
+          <a:bodyPr wrap="square" rtlCol="0">
+            <a:spAutoFit/>
+          </a:bodyPr>
+          <a:lstStyle/>
+          <a:p>
+            <a:r>
+              <a:rPr lang="en-US" altLang="zh-CN" sz="2000" b="1" dirty="0">
+                <a:solidFill>
+                  <a:schemeClr val="bg1"/>
+                </a:solidFill>
+                <a:latin typeface="宋体" panose="02010600030101010101" pitchFamily="2" charset="-122"/>
+                <a:ea typeface="宋体" panose="02010600030101010101" pitchFamily="2" charset="-122"/>
+              </a:rPr>
+              <a:t>3</a:t>
+            </a:r>
+            <a:endParaRPr lang="zh-CN" altLang="en-US" sz="2000" b="1" dirty="0">
+              <a:solidFill>
+                <a:schemeClr val="bg1"/>
+              </a:solidFill>
+              <a:latin typeface="宋体" panose="02010600030101010101" pitchFamily="2" charset="-122"/>
+              <a:ea typeface="宋体" panose="02010600030101010101" pitchFamily="2" charset="-122"/>
+            </a:endParaRPr>
+          </a:p>
+        </p:txBody>
+      </p:sp>
+      <p:sp>
+        <p:nvSpPr>
+          <p:cNvPr id="6" name="文本框 5">
+            <a:extLst>
+              <a:ext uri="{FF2B5EF4-FFF2-40B4-BE49-F238E27FC236}">
+                <a16:creationId xmlns:a16="http://schemas.microsoft.com/office/drawing/2014/main" id="{E04FF660-E511-4032-A8DF-D40D10F3BBA7}"/>
+              </a:ext>
+            </a:extLst>
+          </p:cNvPr>
+          <p:cNvSpPr txBox="1"/>
+          <p:nvPr/>
+        </p:nvSpPr>
+        <p:spPr>
+          <a:xfrm>
+            <a:off x="3556244" y="577516"/>
+            <a:ext cx="476888" cy="400110"/>
+          </a:xfrm>
+          <a:prstGeom prst="rect">
+            <a:avLst/>
+          </a:prstGeom>
+          <a:noFill/>
+        </p:spPr>
+        <p:txBody>
+          <a:bodyPr wrap="square" rtlCol="0">
+            <a:spAutoFit/>
+          </a:bodyPr>
+          <a:lstStyle/>
+          <a:p>
+            <a:r>
+              <a:rPr lang="en-US" altLang="zh-CN" sz="2000" b="1" dirty="0">
+                <a:solidFill>
+                  <a:schemeClr val="bg1"/>
+                </a:solidFill>
+                <a:latin typeface="宋体" panose="02010600030101010101" pitchFamily="2" charset="-122"/>
+                <a:ea typeface="宋体" panose="02010600030101010101" pitchFamily="2" charset="-122"/>
+              </a:rPr>
+              <a:t>1</a:t>
+            </a:r>
+            <a:endParaRPr lang="zh-CN" altLang="en-US" sz="2000" b="1" dirty="0">
+              <a:solidFill>
+                <a:schemeClr val="bg1"/>
+              </a:solidFill>
+              <a:latin typeface="宋体" panose="02010600030101010101" pitchFamily="2" charset="-122"/>
+              <a:ea typeface="宋体" panose="02010600030101010101" pitchFamily="2" charset="-122"/>
+            </a:endParaRPr>
+          </a:p>
+        </p:txBody>
+      </p:sp>
+      <p:sp>
+        <p:nvSpPr>
+          <p:cNvPr id="7" name="文本框 6">
+            <a:extLst>
+              <a:ext uri="{FF2B5EF4-FFF2-40B4-BE49-F238E27FC236}">
+                <a16:creationId xmlns:a16="http://schemas.microsoft.com/office/drawing/2014/main" id="{8B9EB7FE-DDEA-4635-99B1-360BDD44B3A1}"/>
+              </a:ext>
+            </a:extLst>
+          </p:cNvPr>
+          <p:cNvSpPr txBox="1"/>
+          <p:nvPr/>
+        </p:nvSpPr>
+        <p:spPr>
+          <a:xfrm>
+            <a:off x="2895965" y="577516"/>
+            <a:ext cx="476888" cy="400110"/>
+          </a:xfrm>
+          <a:prstGeom prst="rect">
+            <a:avLst/>
+          </a:prstGeom>
+          <a:noFill/>
+        </p:spPr>
+        <p:txBody>
+          <a:bodyPr wrap="square" rtlCol="0">
+            <a:spAutoFit/>
+          </a:bodyPr>
+          <a:lstStyle/>
+          <a:p>
+            <a:r>
+              <a:rPr lang="en-US" altLang="zh-CN" sz="2000" b="1" dirty="0">
+                <a:solidFill>
+                  <a:schemeClr val="bg1"/>
+                </a:solidFill>
+                <a:latin typeface="宋体" panose="02010600030101010101" pitchFamily="2" charset="-122"/>
+                <a:ea typeface="宋体" panose="02010600030101010101" pitchFamily="2" charset="-122"/>
+              </a:rPr>
+              <a:t>2</a:t>
+            </a:r>
+            <a:endParaRPr lang="zh-CN" altLang="en-US" sz="2000" b="1" dirty="0">
+              <a:solidFill>
+                <a:schemeClr val="bg1"/>
+              </a:solidFill>
+              <a:latin typeface="宋体" panose="02010600030101010101" pitchFamily="2" charset="-122"/>
+              <a:ea typeface="宋体" panose="02010600030101010101" pitchFamily="2" charset="-122"/>
+            </a:endParaRPr>
+          </a:p>
+        </p:txBody>
+      </p:sp>
+      <p:sp>
+        <p:nvSpPr>
+          <p:cNvPr id="8" name="文本框 7">
+            <a:extLst>
+              <a:ext uri="{FF2B5EF4-FFF2-40B4-BE49-F238E27FC236}">
+                <a16:creationId xmlns:a16="http://schemas.microsoft.com/office/drawing/2014/main" id="{DFFDF249-DA66-4115-86C4-8B467C849A8E}"/>
+              </a:ext>
+            </a:extLst>
+          </p:cNvPr>
+          <p:cNvSpPr txBox="1"/>
+          <p:nvPr/>
+        </p:nvSpPr>
+        <p:spPr>
+          <a:xfrm>
+            <a:off x="1428660" y="536302"/>
+            <a:ext cx="476888" cy="400110"/>
+          </a:xfrm>
+          <a:prstGeom prst="rect">
+            <a:avLst/>
+          </a:prstGeom>
+          <a:noFill/>
+        </p:spPr>
+        <p:txBody>
+          <a:bodyPr wrap="square" rtlCol="0">
+            <a:spAutoFit/>
+          </a:bodyPr>
+          <a:lstStyle/>
+          <a:p>
+            <a:r>
+              <a:rPr lang="en-US" altLang="zh-CN" sz="2000" b="1" dirty="0">
+                <a:solidFill>
+                  <a:schemeClr val="bg1"/>
+                </a:solidFill>
+                <a:latin typeface="宋体" panose="02010600030101010101" pitchFamily="2" charset="-122"/>
+                <a:ea typeface="宋体" panose="02010600030101010101" pitchFamily="2" charset="-122"/>
+              </a:rPr>
+              <a:t>4</a:t>
+            </a:r>
+            <a:endParaRPr lang="zh-CN" altLang="en-US" sz="2000" b="1" dirty="0">
+              <a:solidFill>
+                <a:schemeClr val="bg1"/>
+              </a:solidFill>
+              <a:latin typeface="宋体" panose="02010600030101010101" pitchFamily="2" charset="-122"/>
+              <a:ea typeface="宋体" panose="02010600030101010101" pitchFamily="2" charset="-122"/>
+            </a:endParaRPr>
+          </a:p>
+        </p:txBody>
+      </p:sp>
+      <p:sp>
+        <p:nvSpPr>
+          <p:cNvPr id="9" name="文本框 8">
+            <a:extLst>
+              <a:ext uri="{FF2B5EF4-FFF2-40B4-BE49-F238E27FC236}">
+                <a16:creationId xmlns:a16="http://schemas.microsoft.com/office/drawing/2014/main" id="{108BB65B-63AB-4A62-967A-FCC96AE6198F}"/>
+              </a:ext>
+            </a:extLst>
+          </p:cNvPr>
+          <p:cNvSpPr txBox="1"/>
+          <p:nvPr/>
+        </p:nvSpPr>
+        <p:spPr>
+          <a:xfrm>
+            <a:off x="3611480" y="3659569"/>
+            <a:ext cx="476888" cy="400110"/>
+          </a:xfrm>
+          <a:prstGeom prst="rect">
+            <a:avLst/>
+          </a:prstGeom>
+          <a:noFill/>
+        </p:spPr>
+        <p:txBody>
+          <a:bodyPr wrap="square" rtlCol="0">
+            <a:spAutoFit/>
+          </a:bodyPr>
+          <a:lstStyle/>
+          <a:p>
+            <a:r>
+              <a:rPr lang="en-US" altLang="zh-CN" sz="2000" b="1" dirty="0">
+                <a:solidFill>
+                  <a:schemeClr val="bg1"/>
+                </a:solidFill>
+                <a:latin typeface="宋体" panose="02010600030101010101" pitchFamily="2" charset="-122"/>
+                <a:ea typeface="宋体" panose="02010600030101010101" pitchFamily="2" charset="-122"/>
+              </a:rPr>
+              <a:t>5</a:t>
+            </a:r>
+            <a:endParaRPr lang="zh-CN" altLang="en-US" sz="2000" b="1" dirty="0">
+              <a:solidFill>
+                <a:schemeClr val="bg1"/>
+              </a:solidFill>
+              <a:latin typeface="宋体" panose="02010600030101010101" pitchFamily="2" charset="-122"/>
+              <a:ea typeface="宋体" panose="02010600030101010101" pitchFamily="2" charset="-122"/>
+            </a:endParaRPr>
+          </a:p>
+        </p:txBody>
+      </p:sp>
+      <p:sp>
+        <p:nvSpPr>
+          <p:cNvPr id="10" name="文本框 9">
+            <a:extLst>
+              <a:ext uri="{FF2B5EF4-FFF2-40B4-BE49-F238E27FC236}">
+                <a16:creationId xmlns:a16="http://schemas.microsoft.com/office/drawing/2014/main" id="{03B97691-1DA7-48FB-9230-35A7DF64FC79}"/>
+              </a:ext>
+            </a:extLst>
+          </p:cNvPr>
+          <p:cNvSpPr txBox="1"/>
+          <p:nvPr/>
+        </p:nvSpPr>
+        <p:spPr>
+          <a:xfrm>
+            <a:off x="4959382" y="3659569"/>
+            <a:ext cx="476888" cy="400110"/>
+          </a:xfrm>
+          <a:prstGeom prst="rect">
+            <a:avLst/>
+          </a:prstGeom>
+          <a:noFill/>
+        </p:spPr>
+        <p:txBody>
+          <a:bodyPr wrap="square" rtlCol="0">
+            <a:spAutoFit/>
+          </a:bodyPr>
+          <a:lstStyle/>
+          <a:p>
+            <a:r>
+              <a:rPr lang="en-US" altLang="zh-CN" sz="2000" b="1" dirty="0">
+                <a:solidFill>
+                  <a:schemeClr val="bg1"/>
+                </a:solidFill>
+                <a:latin typeface="宋体" panose="02010600030101010101" pitchFamily="2" charset="-122"/>
+                <a:ea typeface="宋体" panose="02010600030101010101" pitchFamily="2" charset="-122"/>
+              </a:rPr>
+              <a:t>7</a:t>
+            </a:r>
+            <a:endParaRPr lang="zh-CN" altLang="en-US" sz="2000" b="1" dirty="0">
+              <a:solidFill>
+                <a:schemeClr val="bg1"/>
+              </a:solidFill>
+              <a:latin typeface="宋体" panose="02010600030101010101" pitchFamily="2" charset="-122"/>
+              <a:ea typeface="宋体" panose="02010600030101010101" pitchFamily="2" charset="-122"/>
+            </a:endParaRPr>
+          </a:p>
+        </p:txBody>
+      </p:sp>
+      <p:sp>
+        <p:nvSpPr>
+          <p:cNvPr id="11" name="文本框 10">
+            <a:extLst>
+              <a:ext uri="{FF2B5EF4-FFF2-40B4-BE49-F238E27FC236}">
+                <a16:creationId xmlns:a16="http://schemas.microsoft.com/office/drawing/2014/main" id="{4AA6654A-15BC-4FE5-933C-335BF6014653}"/>
+              </a:ext>
+            </a:extLst>
+          </p:cNvPr>
+          <p:cNvSpPr txBox="1"/>
+          <p:nvPr/>
+        </p:nvSpPr>
+        <p:spPr>
+          <a:xfrm>
+            <a:off x="6184597" y="2672652"/>
+            <a:ext cx="476888" cy="400110"/>
+          </a:xfrm>
+          <a:prstGeom prst="rect">
+            <a:avLst/>
+          </a:prstGeom>
+          <a:noFill/>
+        </p:spPr>
+        <p:txBody>
+          <a:bodyPr wrap="square" rtlCol="0">
+            <a:spAutoFit/>
+          </a:bodyPr>
+          <a:lstStyle/>
+          <a:p>
+            <a:r>
+              <a:rPr lang="en-US" altLang="zh-CN" sz="2000" b="1" dirty="0">
+                <a:solidFill>
+                  <a:schemeClr val="bg1"/>
+                </a:solidFill>
+                <a:latin typeface="宋体" panose="02010600030101010101" pitchFamily="2" charset="-122"/>
+                <a:ea typeface="宋体" panose="02010600030101010101" pitchFamily="2" charset="-122"/>
+              </a:rPr>
+              <a:t>9</a:t>
+            </a:r>
+            <a:endParaRPr lang="zh-CN" altLang="en-US" sz="2000" b="1" dirty="0">
+              <a:solidFill>
+                <a:schemeClr val="bg1"/>
+              </a:solidFill>
+              <a:latin typeface="宋体" panose="02010600030101010101" pitchFamily="2" charset="-122"/>
+              <a:ea typeface="宋体" panose="02010600030101010101" pitchFamily="2" charset="-122"/>
+            </a:endParaRPr>
+          </a:p>
+        </p:txBody>
+      </p:sp>
+      <p:sp>
+        <p:nvSpPr>
+          <p:cNvPr id="12" name="文本框 11">
+            <a:extLst>
+              <a:ext uri="{FF2B5EF4-FFF2-40B4-BE49-F238E27FC236}">
+                <a16:creationId xmlns:a16="http://schemas.microsoft.com/office/drawing/2014/main" id="{437D5A28-F1DE-42CD-8A6C-44BF4C9ED349}"/>
+              </a:ext>
+            </a:extLst>
+          </p:cNvPr>
+          <p:cNvSpPr txBox="1"/>
+          <p:nvPr/>
+        </p:nvSpPr>
+        <p:spPr>
+          <a:xfrm>
+            <a:off x="2628917" y="1355087"/>
+            <a:ext cx="476888" cy="400110"/>
+          </a:xfrm>
+          <a:prstGeom prst="rect">
+            <a:avLst/>
+          </a:prstGeom>
+          <a:noFill/>
+        </p:spPr>
+        <p:txBody>
+          <a:bodyPr wrap="square" rtlCol="0">
+            <a:spAutoFit/>
+          </a:bodyPr>
+          <a:lstStyle/>
+          <a:p>
+            <a:r>
+              <a:rPr lang="en-US" altLang="zh-CN" sz="2000" b="1" dirty="0">
+                <a:solidFill>
+                  <a:schemeClr val="bg1"/>
+                </a:solidFill>
+                <a:latin typeface="宋体" panose="02010600030101010101" pitchFamily="2" charset="-122"/>
+                <a:ea typeface="宋体" panose="02010600030101010101" pitchFamily="2" charset="-122"/>
+              </a:rPr>
+              <a:t>10</a:t>
+            </a:r>
+            <a:endParaRPr lang="zh-CN" altLang="en-US" sz="2000" b="1" dirty="0">
+              <a:solidFill>
+                <a:schemeClr val="bg1"/>
+              </a:solidFill>
+              <a:latin typeface="宋体" panose="02010600030101010101" pitchFamily="2" charset="-122"/>
+              <a:ea typeface="宋体" panose="02010600030101010101" pitchFamily="2" charset="-122"/>
+            </a:endParaRPr>
+          </a:p>
+        </p:txBody>
+      </p:sp>
+      <p:sp>
+        <p:nvSpPr>
+          <p:cNvPr id="13" name="文本框 12">
+            <a:extLst>
+              <a:ext uri="{FF2B5EF4-FFF2-40B4-BE49-F238E27FC236}">
+                <a16:creationId xmlns:a16="http://schemas.microsoft.com/office/drawing/2014/main" id="{81EEA72E-D2EB-4CE7-9ECE-2B5A0E7A7B49}"/>
+              </a:ext>
+            </a:extLst>
+          </p:cNvPr>
+          <p:cNvSpPr txBox="1"/>
+          <p:nvPr/>
+        </p:nvSpPr>
+        <p:spPr>
+          <a:xfrm>
+            <a:off x="45678" y="2974784"/>
+            <a:ext cx="476888" cy="400110"/>
+          </a:xfrm>
+          <a:prstGeom prst="rect">
+            <a:avLst/>
+          </a:prstGeom>
+          <a:noFill/>
+        </p:spPr>
+        <p:txBody>
+          <a:bodyPr wrap="square" rtlCol="0">
+            <a:spAutoFit/>
+          </a:bodyPr>
+          <a:lstStyle/>
+          <a:p>
+            <a:r>
+              <a:rPr lang="en-US" altLang="zh-CN" sz="2000" b="1" dirty="0">
+                <a:solidFill>
+                  <a:schemeClr val="bg1"/>
+                </a:solidFill>
+                <a:latin typeface="宋体" panose="02010600030101010101" pitchFamily="2" charset="-122"/>
+                <a:ea typeface="宋体" panose="02010600030101010101" pitchFamily="2" charset="-122"/>
+              </a:rPr>
+              <a:t>18</a:t>
+            </a:r>
+            <a:endParaRPr lang="zh-CN" altLang="en-US" sz="2000" b="1" dirty="0">
+              <a:solidFill>
+                <a:schemeClr val="bg1"/>
+              </a:solidFill>
+              <a:latin typeface="宋体" panose="02010600030101010101" pitchFamily="2" charset="-122"/>
+              <a:ea typeface="宋体" panose="02010600030101010101" pitchFamily="2" charset="-122"/>
+            </a:endParaRPr>
+          </a:p>
+        </p:txBody>
+      </p:sp>
+      <p:sp>
+        <p:nvSpPr>
+          <p:cNvPr id="14" name="文本框 13">
+            <a:extLst>
+              <a:ext uri="{FF2B5EF4-FFF2-40B4-BE49-F238E27FC236}">
+                <a16:creationId xmlns:a16="http://schemas.microsoft.com/office/drawing/2014/main" id="{A6D6023A-C995-487B-9F74-C97810855DAB}"/>
+              </a:ext>
+            </a:extLst>
+          </p:cNvPr>
+          <p:cNvSpPr txBox="1"/>
+          <p:nvPr/>
+        </p:nvSpPr>
+        <p:spPr>
+          <a:xfrm>
+            <a:off x="1379256" y="3241541"/>
+            <a:ext cx="476888" cy="400110"/>
+          </a:xfrm>
+          <a:prstGeom prst="rect">
+            <a:avLst/>
+          </a:prstGeom>
+          <a:noFill/>
+        </p:spPr>
+        <p:txBody>
+          <a:bodyPr wrap="square" rtlCol="0">
+            <a:spAutoFit/>
+          </a:bodyPr>
+          <a:lstStyle/>
+          <a:p>
+            <a:r>
+              <a:rPr lang="en-US" altLang="zh-CN" sz="2000" b="1" dirty="0">
+                <a:solidFill>
+                  <a:schemeClr val="bg1"/>
+                </a:solidFill>
+                <a:latin typeface="宋体" panose="02010600030101010101" pitchFamily="2" charset="-122"/>
+                <a:ea typeface="宋体" panose="02010600030101010101" pitchFamily="2" charset="-122"/>
+              </a:rPr>
+              <a:t>17</a:t>
+            </a:r>
+            <a:endParaRPr lang="zh-CN" altLang="en-US" sz="2000" b="1" dirty="0">
+              <a:solidFill>
+                <a:schemeClr val="bg1"/>
+              </a:solidFill>
+              <a:latin typeface="宋体" panose="02010600030101010101" pitchFamily="2" charset="-122"/>
+              <a:ea typeface="宋体" panose="02010600030101010101" pitchFamily="2" charset="-122"/>
+            </a:endParaRPr>
+          </a:p>
+        </p:txBody>
+      </p:sp>
+      <p:sp>
+        <p:nvSpPr>
+          <p:cNvPr id="15" name="文本框 14">
+            <a:extLst>
+              <a:ext uri="{FF2B5EF4-FFF2-40B4-BE49-F238E27FC236}">
+                <a16:creationId xmlns:a16="http://schemas.microsoft.com/office/drawing/2014/main" id="{354ADDEB-A15C-4656-84EB-803B68B53285}"/>
+              </a:ext>
+            </a:extLst>
+          </p:cNvPr>
+          <p:cNvSpPr txBox="1"/>
+          <p:nvPr/>
+        </p:nvSpPr>
+        <p:spPr>
+          <a:xfrm>
+            <a:off x="1323109" y="5082679"/>
+            <a:ext cx="476888" cy="400110"/>
+          </a:xfrm>
+          <a:prstGeom prst="rect">
+            <a:avLst/>
+          </a:prstGeom>
+          <a:noFill/>
+        </p:spPr>
+        <p:txBody>
+          <a:bodyPr wrap="square" rtlCol="0">
+            <a:spAutoFit/>
+          </a:bodyPr>
+          <a:lstStyle/>
+          <a:p>
+            <a:r>
+              <a:rPr lang="en-US" altLang="zh-CN" sz="2000" b="1" dirty="0">
+                <a:solidFill>
+                  <a:schemeClr val="bg1"/>
+                </a:solidFill>
+                <a:latin typeface="宋体" panose="02010600030101010101" pitchFamily="2" charset="-122"/>
+                <a:ea typeface="宋体" panose="02010600030101010101" pitchFamily="2" charset="-122"/>
+              </a:rPr>
+              <a:t>22</a:t>
+            </a:r>
+            <a:endParaRPr lang="zh-CN" altLang="en-US" sz="2000" b="1" dirty="0">
+              <a:solidFill>
+                <a:schemeClr val="bg1"/>
+              </a:solidFill>
+              <a:latin typeface="宋体" panose="02010600030101010101" pitchFamily="2" charset="-122"/>
+              <a:ea typeface="宋体" panose="02010600030101010101" pitchFamily="2" charset="-122"/>
+            </a:endParaRPr>
+          </a:p>
+        </p:txBody>
+      </p:sp>
+      <p:sp>
+        <p:nvSpPr>
+          <p:cNvPr id="16" name="文本框 15">
+            <a:extLst>
+              <a:ext uri="{FF2B5EF4-FFF2-40B4-BE49-F238E27FC236}">
+                <a16:creationId xmlns:a16="http://schemas.microsoft.com/office/drawing/2014/main" id="{BFA909D4-22A0-4CAE-A349-47BFFA20B55D}"/>
+              </a:ext>
+            </a:extLst>
+          </p:cNvPr>
+          <p:cNvSpPr txBox="1"/>
+          <p:nvPr/>
+        </p:nvSpPr>
+        <p:spPr>
+          <a:xfrm>
+            <a:off x="6937675" y="5767590"/>
+            <a:ext cx="476888" cy="400110"/>
+          </a:xfrm>
+          <a:prstGeom prst="rect">
+            <a:avLst/>
+          </a:prstGeom>
+          <a:noFill/>
+        </p:spPr>
+        <p:txBody>
+          <a:bodyPr wrap="square" rtlCol="0">
+            <a:spAutoFit/>
+          </a:bodyPr>
+          <a:lstStyle/>
+          <a:p>
+            <a:r>
+              <a:rPr lang="en-US" altLang="zh-CN" sz="2000" b="1" dirty="0">
+                <a:solidFill>
+                  <a:schemeClr val="bg1"/>
+                </a:solidFill>
+                <a:latin typeface="宋体" panose="02010600030101010101" pitchFamily="2" charset="-122"/>
+                <a:ea typeface="宋体" panose="02010600030101010101" pitchFamily="2" charset="-122"/>
+              </a:rPr>
+              <a:t>29</a:t>
+            </a:r>
+            <a:endParaRPr lang="zh-CN" altLang="en-US" sz="2000" b="1" dirty="0">
+              <a:solidFill>
+                <a:schemeClr val="bg1"/>
+              </a:solidFill>
+              <a:latin typeface="宋体" panose="02010600030101010101" pitchFamily="2" charset="-122"/>
+              <a:ea typeface="宋体" panose="02010600030101010101" pitchFamily="2" charset="-122"/>
+            </a:endParaRPr>
+          </a:p>
+        </p:txBody>
+      </p:sp>
+      <p:sp>
+        <p:nvSpPr>
+          <p:cNvPr id="17" name="文本框 16">
+            <a:extLst>
+              <a:ext uri="{FF2B5EF4-FFF2-40B4-BE49-F238E27FC236}">
+                <a16:creationId xmlns:a16="http://schemas.microsoft.com/office/drawing/2014/main" id="{85A18CD2-EEBD-4BAE-8BEE-A5F49796C826}"/>
+              </a:ext>
+            </a:extLst>
+          </p:cNvPr>
+          <p:cNvSpPr txBox="1"/>
+          <p:nvPr/>
+        </p:nvSpPr>
+        <p:spPr>
+          <a:xfrm>
+            <a:off x="4285431" y="3659569"/>
+            <a:ext cx="476888" cy="400110"/>
+          </a:xfrm>
+          <a:prstGeom prst="rect">
+            <a:avLst/>
+          </a:prstGeom>
+          <a:noFill/>
+        </p:spPr>
+        <p:txBody>
+          <a:bodyPr wrap="square" rtlCol="0">
+            <a:spAutoFit/>
+          </a:bodyPr>
+          <a:lstStyle/>
+          <a:p>
+            <a:r>
+              <a:rPr lang="en-US" altLang="zh-CN" sz="2000" b="1" dirty="0">
+                <a:solidFill>
+                  <a:schemeClr val="bg1"/>
+                </a:solidFill>
+                <a:latin typeface="宋体" panose="02010600030101010101" pitchFamily="2" charset="-122"/>
+                <a:ea typeface="宋体" panose="02010600030101010101" pitchFamily="2" charset="-122"/>
+              </a:rPr>
+              <a:t>6</a:t>
+            </a:r>
+            <a:endParaRPr lang="zh-CN" altLang="en-US" sz="2000" b="1" dirty="0">
+              <a:solidFill>
+                <a:schemeClr val="bg1"/>
+              </a:solidFill>
+              <a:latin typeface="宋体" panose="02010600030101010101" pitchFamily="2" charset="-122"/>
+              <a:ea typeface="宋体" panose="02010600030101010101" pitchFamily="2" charset="-122"/>
+            </a:endParaRPr>
+          </a:p>
+        </p:txBody>
+      </p:sp>
+      <p:sp>
+        <p:nvSpPr>
+          <p:cNvPr id="18" name="文本框 17">
+            <a:extLst>
+              <a:ext uri="{FF2B5EF4-FFF2-40B4-BE49-F238E27FC236}">
+                <a16:creationId xmlns:a16="http://schemas.microsoft.com/office/drawing/2014/main" id="{D928ED6B-09BD-4E71-B195-3CBC6E313BC1}"/>
+              </a:ext>
+            </a:extLst>
+          </p:cNvPr>
+          <p:cNvSpPr txBox="1"/>
+          <p:nvPr/>
+        </p:nvSpPr>
+        <p:spPr>
+          <a:xfrm>
+            <a:off x="989415" y="1379580"/>
+            <a:ext cx="476888" cy="400110"/>
+          </a:xfrm>
+          <a:prstGeom prst="rect">
+            <a:avLst/>
+          </a:prstGeom>
+          <a:noFill/>
+        </p:spPr>
+        <p:txBody>
+          <a:bodyPr wrap="square" rtlCol="0">
+            <a:spAutoFit/>
+          </a:bodyPr>
+          <a:lstStyle/>
+          <a:p>
+            <a:r>
+              <a:rPr lang="en-US" altLang="zh-CN" sz="2000" b="1" dirty="0">
+                <a:solidFill>
+                  <a:schemeClr val="bg1"/>
+                </a:solidFill>
+                <a:latin typeface="宋体" panose="02010600030101010101" pitchFamily="2" charset="-122"/>
+                <a:ea typeface="宋体" panose="02010600030101010101" pitchFamily="2" charset="-122"/>
+              </a:rPr>
+              <a:t>11</a:t>
+            </a:r>
+            <a:endParaRPr lang="zh-CN" altLang="en-US" sz="2000" b="1" dirty="0">
+              <a:solidFill>
+                <a:schemeClr val="bg1"/>
+              </a:solidFill>
+              <a:latin typeface="宋体" panose="02010600030101010101" pitchFamily="2" charset="-122"/>
+              <a:ea typeface="宋体" panose="02010600030101010101" pitchFamily="2" charset="-122"/>
+            </a:endParaRPr>
+          </a:p>
+        </p:txBody>
+      </p:sp>
+      <p:sp>
+        <p:nvSpPr>
+          <p:cNvPr id="19" name="文本框 18">
+            <a:extLst>
+              <a:ext uri="{FF2B5EF4-FFF2-40B4-BE49-F238E27FC236}">
+                <a16:creationId xmlns:a16="http://schemas.microsoft.com/office/drawing/2014/main" id="{381680D2-E4D4-4770-993F-09060789BD00}"/>
+              </a:ext>
+            </a:extLst>
+          </p:cNvPr>
+          <p:cNvSpPr txBox="1"/>
+          <p:nvPr/>
+        </p:nvSpPr>
+        <p:spPr>
+          <a:xfrm>
+            <a:off x="1503242" y="2220018"/>
+            <a:ext cx="476888" cy="400110"/>
+          </a:xfrm>
+          <a:prstGeom prst="rect">
+            <a:avLst/>
+          </a:prstGeom>
+          <a:noFill/>
+        </p:spPr>
+        <p:txBody>
+          <a:bodyPr wrap="square" rtlCol="0">
+            <a:spAutoFit/>
+          </a:bodyPr>
+          <a:lstStyle/>
+          <a:p>
+            <a:r>
+              <a:rPr lang="en-US" altLang="zh-CN" sz="2000" b="1" dirty="0">
+                <a:solidFill>
+                  <a:schemeClr val="bg1"/>
+                </a:solidFill>
+                <a:latin typeface="宋体" panose="02010600030101010101" pitchFamily="2" charset="-122"/>
+                <a:ea typeface="宋体" panose="02010600030101010101" pitchFamily="2" charset="-122"/>
+              </a:rPr>
+              <a:t>15</a:t>
+            </a:r>
+            <a:endParaRPr lang="zh-CN" altLang="en-US" sz="2000" b="1" dirty="0">
+              <a:solidFill>
+                <a:schemeClr val="bg1"/>
+              </a:solidFill>
+              <a:latin typeface="宋体" panose="02010600030101010101" pitchFamily="2" charset="-122"/>
+              <a:ea typeface="宋体" panose="02010600030101010101" pitchFamily="2" charset="-122"/>
+            </a:endParaRPr>
+          </a:p>
+        </p:txBody>
+      </p:sp>
+      <p:sp>
+        <p:nvSpPr>
+          <p:cNvPr id="20" name="文本框 19">
+            <a:extLst>
+              <a:ext uri="{FF2B5EF4-FFF2-40B4-BE49-F238E27FC236}">
+                <a16:creationId xmlns:a16="http://schemas.microsoft.com/office/drawing/2014/main" id="{374DBEDB-863E-4667-ABC8-FB79E5F9CBF4}"/>
+              </a:ext>
+            </a:extLst>
+          </p:cNvPr>
+          <p:cNvSpPr txBox="1"/>
+          <p:nvPr/>
+        </p:nvSpPr>
+        <p:spPr>
+          <a:xfrm>
+            <a:off x="1273457" y="4459933"/>
+            <a:ext cx="476888" cy="400110"/>
+          </a:xfrm>
+          <a:prstGeom prst="rect">
+            <a:avLst/>
+          </a:prstGeom>
+          <a:noFill/>
+        </p:spPr>
+        <p:txBody>
+          <a:bodyPr wrap="square" rtlCol="0">
+            <a:spAutoFit/>
+          </a:bodyPr>
+          <a:lstStyle/>
+          <a:p>
+            <a:r>
+              <a:rPr lang="en-US" altLang="zh-CN" sz="2000" b="1" dirty="0">
+                <a:solidFill>
+                  <a:schemeClr val="bg1"/>
+                </a:solidFill>
+                <a:latin typeface="宋体" panose="02010600030101010101" pitchFamily="2" charset="-122"/>
+                <a:ea typeface="宋体" panose="02010600030101010101" pitchFamily="2" charset="-122"/>
+              </a:rPr>
+              <a:t>21</a:t>
+            </a:r>
+            <a:endParaRPr lang="zh-CN" altLang="en-US" sz="2000" b="1" dirty="0">
+              <a:solidFill>
+                <a:schemeClr val="bg1"/>
+              </a:solidFill>
+              <a:latin typeface="宋体" panose="02010600030101010101" pitchFamily="2" charset="-122"/>
+              <a:ea typeface="宋体" panose="02010600030101010101" pitchFamily="2" charset="-122"/>
+            </a:endParaRPr>
+          </a:p>
+        </p:txBody>
+      </p:sp>
+      <p:sp>
+        <p:nvSpPr>
+          <p:cNvPr id="21" name="文本框 20">
+            <a:extLst>
+              <a:ext uri="{FF2B5EF4-FFF2-40B4-BE49-F238E27FC236}">
+                <a16:creationId xmlns:a16="http://schemas.microsoft.com/office/drawing/2014/main" id="{25912A75-6095-406F-B145-CF5B6E7EBD97}"/>
+              </a:ext>
+            </a:extLst>
+          </p:cNvPr>
+          <p:cNvSpPr txBox="1"/>
+          <p:nvPr/>
+        </p:nvSpPr>
+        <p:spPr>
+          <a:xfrm>
+            <a:off x="6737047" y="4862582"/>
+            <a:ext cx="476888" cy="400110"/>
+          </a:xfrm>
+          <a:prstGeom prst="rect">
+            <a:avLst/>
+          </a:prstGeom>
+          <a:noFill/>
+        </p:spPr>
+        <p:txBody>
+          <a:bodyPr wrap="square" rtlCol="0">
+            <a:spAutoFit/>
+          </a:bodyPr>
+          <a:lstStyle/>
+          <a:p>
+            <a:r>
+              <a:rPr lang="en-US" altLang="zh-CN" sz="2000" b="1" dirty="0">
+                <a:solidFill>
+                  <a:schemeClr val="bg1"/>
+                </a:solidFill>
+                <a:latin typeface="宋体" panose="02010600030101010101" pitchFamily="2" charset="-122"/>
+                <a:ea typeface="宋体" panose="02010600030101010101" pitchFamily="2" charset="-122"/>
+              </a:rPr>
+              <a:t>28</a:t>
+            </a:r>
+            <a:endParaRPr lang="zh-CN" altLang="en-US" sz="2000" b="1" dirty="0">
+              <a:solidFill>
+                <a:schemeClr val="bg1"/>
+              </a:solidFill>
+              <a:latin typeface="宋体" panose="02010600030101010101" pitchFamily="2" charset="-122"/>
+              <a:ea typeface="宋体" panose="02010600030101010101" pitchFamily="2" charset="-122"/>
+            </a:endParaRPr>
+          </a:p>
+        </p:txBody>
+      </p:sp>
+      <p:sp>
+        <p:nvSpPr>
+          <p:cNvPr id="29" name="文本框 28">
+            <a:extLst>
+              <a:ext uri="{FF2B5EF4-FFF2-40B4-BE49-F238E27FC236}">
+                <a16:creationId xmlns:a16="http://schemas.microsoft.com/office/drawing/2014/main" id="{2D9B83E3-39E6-4D1F-AFB9-1EAB1EBE8793}"/>
+              </a:ext>
+            </a:extLst>
+          </p:cNvPr>
+          <p:cNvSpPr txBox="1"/>
+          <p:nvPr/>
+        </p:nvSpPr>
+        <p:spPr>
+          <a:xfrm>
+            <a:off x="5707709" y="3631351"/>
+            <a:ext cx="476888" cy="400110"/>
+          </a:xfrm>
+          <a:prstGeom prst="rect">
+            <a:avLst/>
+          </a:prstGeom>
+          <a:noFill/>
+        </p:spPr>
+        <p:txBody>
+          <a:bodyPr wrap="square" rtlCol="0">
+            <a:spAutoFit/>
+          </a:bodyPr>
+          <a:lstStyle/>
+          <a:p>
+            <a:r>
+              <a:rPr lang="en-US" altLang="zh-CN" sz="2000" b="1" dirty="0">
+                <a:solidFill>
+                  <a:schemeClr val="bg1"/>
+                </a:solidFill>
+                <a:latin typeface="宋体" panose="02010600030101010101" pitchFamily="2" charset="-122"/>
+                <a:ea typeface="宋体" panose="02010600030101010101" pitchFamily="2" charset="-122"/>
+              </a:rPr>
+              <a:t>8</a:t>
+            </a:r>
+            <a:endParaRPr lang="zh-CN" altLang="en-US" sz="2000" b="1" dirty="0">
+              <a:solidFill>
+                <a:schemeClr val="bg1"/>
+              </a:solidFill>
+              <a:latin typeface="宋体" panose="02010600030101010101" pitchFamily="2" charset="-122"/>
+              <a:ea typeface="宋体" panose="02010600030101010101" pitchFamily="2" charset="-122"/>
+            </a:endParaRPr>
+          </a:p>
+        </p:txBody>
+      </p:sp>
+      <p:sp>
+        <p:nvSpPr>
+          <p:cNvPr id="30" name="文本框 29">
+            <a:extLst>
+              <a:ext uri="{FF2B5EF4-FFF2-40B4-BE49-F238E27FC236}">
+                <a16:creationId xmlns:a16="http://schemas.microsoft.com/office/drawing/2014/main" id="{907954A4-0CF7-48BB-97A7-A5394DA2D023}"/>
+              </a:ext>
+            </a:extLst>
+          </p:cNvPr>
+          <p:cNvSpPr txBox="1"/>
+          <p:nvPr/>
+        </p:nvSpPr>
+        <p:spPr>
+          <a:xfrm>
+            <a:off x="161128" y="762182"/>
+            <a:ext cx="476888" cy="400110"/>
+          </a:xfrm>
+          <a:prstGeom prst="rect">
+            <a:avLst/>
+          </a:prstGeom>
+          <a:noFill/>
+        </p:spPr>
+        <p:txBody>
+          <a:bodyPr wrap="square" rtlCol="0">
+            <a:spAutoFit/>
+          </a:bodyPr>
+          <a:lstStyle/>
+          <a:p>
+            <a:r>
+              <a:rPr lang="en-US" altLang="zh-CN" sz="2000" b="1" dirty="0">
+                <a:solidFill>
+                  <a:schemeClr val="bg1"/>
+                </a:solidFill>
+                <a:latin typeface="宋体" panose="02010600030101010101" pitchFamily="2" charset="-122"/>
+                <a:ea typeface="宋体" panose="02010600030101010101" pitchFamily="2" charset="-122"/>
+              </a:rPr>
+              <a:t>12</a:t>
+            </a:r>
+            <a:endParaRPr lang="zh-CN" altLang="en-US" sz="2000" b="1" dirty="0">
+              <a:solidFill>
+                <a:schemeClr val="bg1"/>
+              </a:solidFill>
+              <a:latin typeface="宋体" panose="02010600030101010101" pitchFamily="2" charset="-122"/>
+              <a:ea typeface="宋体" panose="02010600030101010101" pitchFamily="2" charset="-122"/>
+            </a:endParaRPr>
+          </a:p>
+        </p:txBody>
+      </p:sp>
+      <p:sp>
+        <p:nvSpPr>
+          <p:cNvPr id="31" name="文本框 30">
+            <a:extLst>
+              <a:ext uri="{FF2B5EF4-FFF2-40B4-BE49-F238E27FC236}">
+                <a16:creationId xmlns:a16="http://schemas.microsoft.com/office/drawing/2014/main" id="{6DA66A48-15C9-4A37-A285-5C9907754236}"/>
+              </a:ext>
+            </a:extLst>
+          </p:cNvPr>
+          <p:cNvSpPr txBox="1"/>
+          <p:nvPr/>
+        </p:nvSpPr>
+        <p:spPr>
+          <a:xfrm>
+            <a:off x="45678" y="2324887"/>
+            <a:ext cx="476888" cy="400110"/>
+          </a:xfrm>
+          <a:prstGeom prst="rect">
+            <a:avLst/>
+          </a:prstGeom>
+          <a:noFill/>
+        </p:spPr>
+        <p:txBody>
+          <a:bodyPr wrap="square" rtlCol="0">
+            <a:spAutoFit/>
+          </a:bodyPr>
+          <a:lstStyle/>
+          <a:p>
+            <a:r>
+              <a:rPr lang="en-US" altLang="zh-CN" sz="2000" b="1" dirty="0">
+                <a:solidFill>
+                  <a:schemeClr val="bg1"/>
+                </a:solidFill>
+                <a:latin typeface="宋体" panose="02010600030101010101" pitchFamily="2" charset="-122"/>
+                <a:ea typeface="宋体" panose="02010600030101010101" pitchFamily="2" charset="-122"/>
+              </a:rPr>
+              <a:t>13</a:t>
+            </a:r>
+            <a:endParaRPr lang="zh-CN" altLang="en-US" sz="2000" b="1" dirty="0">
+              <a:solidFill>
+                <a:schemeClr val="bg1"/>
+              </a:solidFill>
+              <a:latin typeface="宋体" panose="02010600030101010101" pitchFamily="2" charset="-122"/>
+              <a:ea typeface="宋体" panose="02010600030101010101" pitchFamily="2" charset="-122"/>
+            </a:endParaRPr>
+          </a:p>
+        </p:txBody>
+      </p:sp>
+      <p:sp>
+        <p:nvSpPr>
+          <p:cNvPr id="32" name="文本框 31">
+            <a:extLst>
+              <a:ext uri="{FF2B5EF4-FFF2-40B4-BE49-F238E27FC236}">
+                <a16:creationId xmlns:a16="http://schemas.microsoft.com/office/drawing/2014/main" id="{1F852A5C-9B49-4ADC-8C04-6445ECECF055}"/>
+              </a:ext>
+            </a:extLst>
+          </p:cNvPr>
+          <p:cNvSpPr txBox="1"/>
+          <p:nvPr/>
+        </p:nvSpPr>
+        <p:spPr>
+          <a:xfrm>
+            <a:off x="633025" y="1577646"/>
+            <a:ext cx="476888" cy="400110"/>
+          </a:xfrm>
+          <a:prstGeom prst="rect">
+            <a:avLst/>
+          </a:prstGeom>
+          <a:noFill/>
+        </p:spPr>
+        <p:txBody>
+          <a:bodyPr wrap="square" rtlCol="0">
+            <a:spAutoFit/>
+          </a:bodyPr>
+          <a:lstStyle/>
+          <a:p>
+            <a:r>
+              <a:rPr lang="en-US" altLang="zh-CN" sz="2000" b="1" dirty="0">
+                <a:solidFill>
+                  <a:schemeClr val="bg1"/>
+                </a:solidFill>
+                <a:latin typeface="宋体" panose="02010600030101010101" pitchFamily="2" charset="-122"/>
+                <a:ea typeface="宋体" panose="02010600030101010101" pitchFamily="2" charset="-122"/>
+              </a:rPr>
+              <a:t>14</a:t>
+            </a:r>
+            <a:endParaRPr lang="zh-CN" altLang="en-US" sz="2000" b="1" dirty="0">
+              <a:solidFill>
+                <a:schemeClr val="bg1"/>
+              </a:solidFill>
+              <a:latin typeface="宋体" panose="02010600030101010101" pitchFamily="2" charset="-122"/>
+              <a:ea typeface="宋体" panose="02010600030101010101" pitchFamily="2" charset="-122"/>
+            </a:endParaRPr>
+          </a:p>
+        </p:txBody>
+      </p:sp>
+      <p:sp>
+        <p:nvSpPr>
+          <p:cNvPr id="33" name="文本框 32">
+            <a:extLst>
+              <a:ext uri="{FF2B5EF4-FFF2-40B4-BE49-F238E27FC236}">
+                <a16:creationId xmlns:a16="http://schemas.microsoft.com/office/drawing/2014/main" id="{EF2122E5-C669-4E24-AF1B-7530D88AAB11}"/>
+              </a:ext>
+            </a:extLst>
+          </p:cNvPr>
+          <p:cNvSpPr txBox="1"/>
+          <p:nvPr/>
+        </p:nvSpPr>
+        <p:spPr>
+          <a:xfrm>
+            <a:off x="1273457" y="2631266"/>
+            <a:ext cx="476888" cy="400110"/>
+          </a:xfrm>
+          <a:prstGeom prst="rect">
+            <a:avLst/>
+          </a:prstGeom>
+          <a:noFill/>
+        </p:spPr>
+        <p:txBody>
+          <a:bodyPr wrap="square" rtlCol="0">
+            <a:spAutoFit/>
+          </a:bodyPr>
+          <a:lstStyle/>
+          <a:p>
+            <a:r>
+              <a:rPr lang="en-US" altLang="zh-CN" sz="2000" b="1" dirty="0">
+                <a:solidFill>
+                  <a:schemeClr val="bg1"/>
+                </a:solidFill>
+                <a:latin typeface="宋体" panose="02010600030101010101" pitchFamily="2" charset="-122"/>
+                <a:ea typeface="宋体" panose="02010600030101010101" pitchFamily="2" charset="-122"/>
+              </a:rPr>
+              <a:t>16</a:t>
+            </a:r>
+            <a:endParaRPr lang="zh-CN" altLang="en-US" sz="2000" b="1" dirty="0">
+              <a:solidFill>
+                <a:schemeClr val="bg1"/>
+              </a:solidFill>
+              <a:latin typeface="宋体" panose="02010600030101010101" pitchFamily="2" charset="-122"/>
+              <a:ea typeface="宋体" panose="02010600030101010101" pitchFamily="2" charset="-122"/>
+            </a:endParaRPr>
+          </a:p>
+        </p:txBody>
+      </p:sp>
+      <p:sp>
+        <p:nvSpPr>
+          <p:cNvPr id="34" name="文本框 33">
+            <a:extLst>
+              <a:ext uri="{FF2B5EF4-FFF2-40B4-BE49-F238E27FC236}">
+                <a16:creationId xmlns:a16="http://schemas.microsoft.com/office/drawing/2014/main" id="{8A2D5B92-E62B-4199-BB49-D05AF965FB73}"/>
+              </a:ext>
+            </a:extLst>
+          </p:cNvPr>
+          <p:cNvSpPr txBox="1"/>
+          <p:nvPr/>
+        </p:nvSpPr>
+        <p:spPr>
+          <a:xfrm>
+            <a:off x="134785" y="4093140"/>
+            <a:ext cx="476888" cy="400110"/>
+          </a:xfrm>
+          <a:prstGeom prst="rect">
+            <a:avLst/>
+          </a:prstGeom>
+          <a:noFill/>
+        </p:spPr>
+        <p:txBody>
+          <a:bodyPr wrap="square" rtlCol="0">
+            <a:spAutoFit/>
+          </a:bodyPr>
+          <a:lstStyle/>
+          <a:p>
+            <a:r>
+              <a:rPr lang="en-US" altLang="zh-CN" sz="2000" b="1" dirty="0">
+                <a:solidFill>
+                  <a:schemeClr val="bg1"/>
+                </a:solidFill>
+                <a:latin typeface="宋体" panose="02010600030101010101" pitchFamily="2" charset="-122"/>
+                <a:ea typeface="宋体" panose="02010600030101010101" pitchFamily="2" charset="-122"/>
+              </a:rPr>
+              <a:t>19</a:t>
+            </a:r>
+            <a:endParaRPr lang="zh-CN" altLang="en-US" sz="2000" b="1" dirty="0">
+              <a:solidFill>
+                <a:schemeClr val="bg1"/>
+              </a:solidFill>
+              <a:latin typeface="宋体" panose="02010600030101010101" pitchFamily="2" charset="-122"/>
+              <a:ea typeface="宋体" panose="02010600030101010101" pitchFamily="2" charset="-122"/>
+            </a:endParaRPr>
+          </a:p>
+        </p:txBody>
+      </p:sp>
+      <p:sp>
+        <p:nvSpPr>
+          <p:cNvPr id="35" name="文本框 34">
+            <a:extLst>
+              <a:ext uri="{FF2B5EF4-FFF2-40B4-BE49-F238E27FC236}">
+                <a16:creationId xmlns:a16="http://schemas.microsoft.com/office/drawing/2014/main" id="{01EEB9B6-7676-4869-91FE-B709DC52D85E}"/>
+              </a:ext>
+            </a:extLst>
+          </p:cNvPr>
+          <p:cNvSpPr txBox="1"/>
+          <p:nvPr/>
+        </p:nvSpPr>
+        <p:spPr>
+          <a:xfrm>
+            <a:off x="1591586" y="4025454"/>
+            <a:ext cx="476888" cy="400110"/>
+          </a:xfrm>
+          <a:prstGeom prst="rect">
+            <a:avLst/>
+          </a:prstGeom>
+          <a:noFill/>
+        </p:spPr>
+        <p:txBody>
+          <a:bodyPr wrap="square" rtlCol="0">
+            <a:spAutoFit/>
+          </a:bodyPr>
+          <a:lstStyle/>
+          <a:p>
+            <a:r>
+              <a:rPr lang="en-US" altLang="zh-CN" sz="2000" b="1" dirty="0">
+                <a:solidFill>
+                  <a:schemeClr val="bg1"/>
+                </a:solidFill>
+                <a:latin typeface="宋体" panose="02010600030101010101" pitchFamily="2" charset="-122"/>
+                <a:ea typeface="宋体" panose="02010600030101010101" pitchFamily="2" charset="-122"/>
+              </a:rPr>
+              <a:t>20</a:t>
+            </a:r>
+            <a:endParaRPr lang="zh-CN" altLang="en-US" sz="2000" b="1" dirty="0">
+              <a:solidFill>
+                <a:schemeClr val="bg1"/>
+              </a:solidFill>
+              <a:latin typeface="宋体" panose="02010600030101010101" pitchFamily="2" charset="-122"/>
+              <a:ea typeface="宋体" panose="02010600030101010101" pitchFamily="2" charset="-122"/>
+            </a:endParaRPr>
+          </a:p>
+        </p:txBody>
+      </p:sp>
+      <p:sp>
+        <p:nvSpPr>
+          <p:cNvPr id="36" name="文本框 35">
+            <a:extLst>
+              <a:ext uri="{FF2B5EF4-FFF2-40B4-BE49-F238E27FC236}">
+                <a16:creationId xmlns:a16="http://schemas.microsoft.com/office/drawing/2014/main" id="{BA280475-292D-4FD9-831A-24BE0EE71178}"/>
+              </a:ext>
+            </a:extLst>
+          </p:cNvPr>
+          <p:cNvSpPr txBox="1"/>
+          <p:nvPr/>
+        </p:nvSpPr>
+        <p:spPr>
+          <a:xfrm>
+            <a:off x="81099" y="5279123"/>
+            <a:ext cx="476888" cy="400110"/>
+          </a:xfrm>
+          <a:prstGeom prst="rect">
+            <a:avLst/>
+          </a:prstGeom>
+          <a:noFill/>
+        </p:spPr>
+        <p:txBody>
+          <a:bodyPr wrap="square" rtlCol="0">
+            <a:spAutoFit/>
+          </a:bodyPr>
+          <a:lstStyle/>
+          <a:p>
+            <a:r>
+              <a:rPr lang="en-US" altLang="zh-CN" sz="2000" b="1" dirty="0">
+                <a:solidFill>
+                  <a:schemeClr val="bg1"/>
+                </a:solidFill>
+                <a:latin typeface="宋体" panose="02010600030101010101" pitchFamily="2" charset="-122"/>
+                <a:ea typeface="宋体" panose="02010600030101010101" pitchFamily="2" charset="-122"/>
+              </a:rPr>
+              <a:t>23</a:t>
+            </a:r>
+            <a:endParaRPr lang="zh-CN" altLang="en-US" sz="2000" b="1" dirty="0">
+              <a:solidFill>
+                <a:schemeClr val="bg1"/>
+              </a:solidFill>
+              <a:latin typeface="宋体" panose="02010600030101010101" pitchFamily="2" charset="-122"/>
+              <a:ea typeface="宋体" panose="02010600030101010101" pitchFamily="2" charset="-122"/>
+            </a:endParaRPr>
+          </a:p>
+        </p:txBody>
+      </p:sp>
+      <p:sp>
+        <p:nvSpPr>
+          <p:cNvPr id="37" name="文本框 36">
+            <a:extLst>
+              <a:ext uri="{FF2B5EF4-FFF2-40B4-BE49-F238E27FC236}">
+                <a16:creationId xmlns:a16="http://schemas.microsoft.com/office/drawing/2014/main" id="{24B43AA8-C16D-467E-A1E1-1CBE26BB44A6}"/>
+              </a:ext>
+            </a:extLst>
+          </p:cNvPr>
+          <p:cNvSpPr txBox="1"/>
+          <p:nvPr/>
+        </p:nvSpPr>
+        <p:spPr>
+          <a:xfrm>
+            <a:off x="358554" y="6192512"/>
+            <a:ext cx="476888" cy="400110"/>
+          </a:xfrm>
+          <a:prstGeom prst="rect">
+            <a:avLst/>
+          </a:prstGeom>
+          <a:noFill/>
+        </p:spPr>
+        <p:txBody>
+          <a:bodyPr wrap="square" rtlCol="0">
+            <a:spAutoFit/>
+          </a:bodyPr>
+          <a:lstStyle/>
+          <a:p>
+            <a:r>
+              <a:rPr lang="en-US" altLang="zh-CN" sz="2000" b="1" dirty="0">
+                <a:solidFill>
+                  <a:schemeClr val="bg1"/>
+                </a:solidFill>
+                <a:latin typeface="宋体" panose="02010600030101010101" pitchFamily="2" charset="-122"/>
+                <a:ea typeface="宋体" panose="02010600030101010101" pitchFamily="2" charset="-122"/>
+              </a:rPr>
+              <a:t>24</a:t>
+            </a:r>
+            <a:endParaRPr lang="zh-CN" altLang="en-US" sz="2000" b="1" dirty="0">
+              <a:solidFill>
+                <a:schemeClr val="bg1"/>
+              </a:solidFill>
+              <a:latin typeface="宋体" panose="02010600030101010101" pitchFamily="2" charset="-122"/>
+              <a:ea typeface="宋体" panose="02010600030101010101" pitchFamily="2" charset="-122"/>
+            </a:endParaRPr>
+          </a:p>
+        </p:txBody>
+      </p:sp>
+      <p:sp>
+        <p:nvSpPr>
+          <p:cNvPr id="38" name="文本框 37">
+            <a:extLst>
+              <a:ext uri="{FF2B5EF4-FFF2-40B4-BE49-F238E27FC236}">
+                <a16:creationId xmlns:a16="http://schemas.microsoft.com/office/drawing/2014/main" id="{6D248D0B-EEA9-4D37-BE65-12441874475C}"/>
+              </a:ext>
+            </a:extLst>
+          </p:cNvPr>
+          <p:cNvSpPr txBox="1"/>
+          <p:nvPr/>
+        </p:nvSpPr>
+        <p:spPr>
+          <a:xfrm>
+            <a:off x="1036039" y="5527951"/>
+            <a:ext cx="476888" cy="400110"/>
+          </a:xfrm>
+          <a:prstGeom prst="rect">
+            <a:avLst/>
+          </a:prstGeom>
+          <a:noFill/>
+        </p:spPr>
+        <p:txBody>
+          <a:bodyPr wrap="square" rtlCol="0">
+            <a:spAutoFit/>
+          </a:bodyPr>
+          <a:lstStyle/>
+          <a:p>
+            <a:r>
+              <a:rPr lang="en-US" altLang="zh-CN" sz="2000" b="1" dirty="0">
+                <a:solidFill>
+                  <a:schemeClr val="bg1"/>
+                </a:solidFill>
+                <a:latin typeface="宋体" panose="02010600030101010101" pitchFamily="2" charset="-122"/>
+                <a:ea typeface="宋体" panose="02010600030101010101" pitchFamily="2" charset="-122"/>
+              </a:rPr>
+              <a:t>25</a:t>
+            </a:r>
+            <a:endParaRPr lang="zh-CN" altLang="en-US" sz="2000" b="1" dirty="0">
+              <a:solidFill>
+                <a:schemeClr val="bg1"/>
+              </a:solidFill>
+              <a:latin typeface="宋体" panose="02010600030101010101" pitchFamily="2" charset="-122"/>
+              <a:ea typeface="宋体" panose="02010600030101010101" pitchFamily="2" charset="-122"/>
+            </a:endParaRPr>
+          </a:p>
+        </p:txBody>
+      </p:sp>
+      <p:sp>
+        <p:nvSpPr>
+          <p:cNvPr id="39" name="文本框 38">
+            <a:extLst>
+              <a:ext uri="{FF2B5EF4-FFF2-40B4-BE49-F238E27FC236}">
+                <a16:creationId xmlns:a16="http://schemas.microsoft.com/office/drawing/2014/main" id="{EECE0356-C783-41FA-A231-AC04583D3C06}"/>
+              </a:ext>
+            </a:extLst>
+          </p:cNvPr>
+          <p:cNvSpPr txBox="1"/>
+          <p:nvPr/>
+        </p:nvSpPr>
+        <p:spPr>
+          <a:xfrm>
+            <a:off x="1569346" y="5967645"/>
+            <a:ext cx="476888" cy="400110"/>
+          </a:xfrm>
+          <a:prstGeom prst="rect">
+            <a:avLst/>
+          </a:prstGeom>
+          <a:noFill/>
+        </p:spPr>
+        <p:txBody>
+          <a:bodyPr wrap="square" rtlCol="0">
+            <a:spAutoFit/>
+          </a:bodyPr>
+          <a:lstStyle/>
+          <a:p>
+            <a:r>
+              <a:rPr lang="en-US" altLang="zh-CN" sz="2000" b="1" dirty="0">
+                <a:solidFill>
+                  <a:schemeClr val="bg1"/>
+                </a:solidFill>
+                <a:latin typeface="宋体" panose="02010600030101010101" pitchFamily="2" charset="-122"/>
+                <a:ea typeface="宋体" panose="02010600030101010101" pitchFamily="2" charset="-122"/>
+              </a:rPr>
+              <a:t>26</a:t>
+            </a:r>
+            <a:endParaRPr lang="zh-CN" altLang="en-US" sz="2000" b="1" dirty="0">
+              <a:solidFill>
+                <a:schemeClr val="bg1"/>
+              </a:solidFill>
+              <a:latin typeface="宋体" panose="02010600030101010101" pitchFamily="2" charset="-122"/>
+              <a:ea typeface="宋体" panose="02010600030101010101" pitchFamily="2" charset="-122"/>
+            </a:endParaRPr>
+          </a:p>
+        </p:txBody>
+      </p:sp>
+      <p:sp>
+        <p:nvSpPr>
+          <p:cNvPr id="40" name="文本框 39">
+            <a:extLst>
+              <a:ext uri="{FF2B5EF4-FFF2-40B4-BE49-F238E27FC236}">
+                <a16:creationId xmlns:a16="http://schemas.microsoft.com/office/drawing/2014/main" id="{6B360B82-C95D-416A-957A-7D6D28DCE047}"/>
+              </a:ext>
+            </a:extLst>
+          </p:cNvPr>
+          <p:cNvSpPr txBox="1"/>
+          <p:nvPr/>
+        </p:nvSpPr>
+        <p:spPr>
+          <a:xfrm>
+            <a:off x="5614351" y="6292420"/>
+            <a:ext cx="476888" cy="400110"/>
+          </a:xfrm>
+          <a:prstGeom prst="rect">
+            <a:avLst/>
+          </a:prstGeom>
+          <a:noFill/>
+        </p:spPr>
+        <p:txBody>
+          <a:bodyPr wrap="square" rtlCol="0">
+            <a:spAutoFit/>
+          </a:bodyPr>
+          <a:lstStyle/>
+          <a:p>
+            <a:r>
+              <a:rPr lang="en-US" altLang="zh-CN" sz="2000" b="1" dirty="0">
+                <a:solidFill>
+                  <a:schemeClr val="bg1"/>
+                </a:solidFill>
+                <a:latin typeface="宋体" panose="02010600030101010101" pitchFamily="2" charset="-122"/>
+                <a:ea typeface="宋体" panose="02010600030101010101" pitchFamily="2" charset="-122"/>
+              </a:rPr>
+              <a:t>27</a:t>
+            </a:r>
+            <a:endParaRPr lang="zh-CN" altLang="en-US" sz="2000" b="1" dirty="0">
+              <a:solidFill>
+                <a:schemeClr val="bg1"/>
+              </a:solidFill>
+              <a:latin typeface="宋体" panose="02010600030101010101" pitchFamily="2" charset="-122"/>
+              <a:ea typeface="宋体" panose="02010600030101010101" pitchFamily="2" charset="-122"/>
+            </a:endParaRPr>
+          </a:p>
+        </p:txBody>
+      </p:sp>
+      <p:sp>
+        <p:nvSpPr>
+          <p:cNvPr id="41" name="文本框 40">
+            <a:extLst>
+              <a:ext uri="{FF2B5EF4-FFF2-40B4-BE49-F238E27FC236}">
+                <a16:creationId xmlns:a16="http://schemas.microsoft.com/office/drawing/2014/main" id="{185BF26F-8425-441C-B260-FBB8C481A6B7}"/>
+              </a:ext>
+            </a:extLst>
+          </p:cNvPr>
+          <p:cNvSpPr txBox="1"/>
+          <p:nvPr/>
+        </p:nvSpPr>
+        <p:spPr>
+          <a:xfrm>
+            <a:off x="3728775" y="1364191"/>
+            <a:ext cx="476888" cy="400110"/>
+          </a:xfrm>
+          <a:prstGeom prst="rect">
+            <a:avLst/>
+          </a:prstGeom>
+          <a:noFill/>
+        </p:spPr>
+        <p:txBody>
+          <a:bodyPr wrap="square" rtlCol="0">
+            <a:spAutoFit/>
+          </a:bodyPr>
+          <a:lstStyle/>
+          <a:p>
+            <a:r>
+              <a:rPr lang="en-US" altLang="zh-CN" sz="2000" b="1" dirty="0">
+                <a:solidFill>
+                  <a:schemeClr val="bg1"/>
+                </a:solidFill>
+                <a:latin typeface="宋体" panose="02010600030101010101" pitchFamily="2" charset="-122"/>
+                <a:ea typeface="宋体" panose="02010600030101010101" pitchFamily="2" charset="-122"/>
+              </a:rPr>
+              <a:t>31</a:t>
+            </a:r>
+            <a:endParaRPr lang="zh-CN" altLang="en-US" sz="2000" b="1" dirty="0">
+              <a:solidFill>
+                <a:schemeClr val="bg1"/>
+              </a:solidFill>
+              <a:latin typeface="宋体" panose="02010600030101010101" pitchFamily="2" charset="-122"/>
+              <a:ea typeface="宋体" panose="02010600030101010101" pitchFamily="2" charset="-122"/>
+            </a:endParaRPr>
+          </a:p>
+        </p:txBody>
+      </p:sp>
+      <p:sp>
+        <p:nvSpPr>
+          <p:cNvPr id="42" name="文本框 41">
+            <a:extLst>
+              <a:ext uri="{FF2B5EF4-FFF2-40B4-BE49-F238E27FC236}">
+                <a16:creationId xmlns:a16="http://schemas.microsoft.com/office/drawing/2014/main" id="{E6E43B97-C35B-4E62-B5C3-395BF6C29A0C}"/>
+              </a:ext>
+            </a:extLst>
+          </p:cNvPr>
+          <p:cNvSpPr txBox="1"/>
+          <p:nvPr/>
+        </p:nvSpPr>
+        <p:spPr>
+          <a:xfrm>
+            <a:off x="4815251" y="1738513"/>
+            <a:ext cx="476888" cy="400110"/>
+          </a:xfrm>
+          <a:prstGeom prst="rect">
+            <a:avLst/>
+          </a:prstGeom>
+          <a:noFill/>
+        </p:spPr>
+        <p:txBody>
+          <a:bodyPr wrap="square" rtlCol="0">
+            <a:spAutoFit/>
+          </a:bodyPr>
+          <a:lstStyle/>
+          <a:p>
+            <a:r>
+              <a:rPr lang="en-US" altLang="zh-CN" sz="2000" b="1" dirty="0">
+                <a:solidFill>
+                  <a:schemeClr val="bg1"/>
+                </a:solidFill>
+                <a:latin typeface="宋体" panose="02010600030101010101" pitchFamily="2" charset="-122"/>
+                <a:ea typeface="宋体" panose="02010600030101010101" pitchFamily="2" charset="-122"/>
+              </a:rPr>
+              <a:t>35</a:t>
+            </a:r>
+            <a:endParaRPr lang="zh-CN" altLang="en-US" sz="2000" b="1" dirty="0">
+              <a:solidFill>
+                <a:schemeClr val="bg1"/>
+              </a:solidFill>
+              <a:latin typeface="宋体" panose="02010600030101010101" pitchFamily="2" charset="-122"/>
+              <a:ea typeface="宋体" panose="02010600030101010101" pitchFamily="2" charset="-122"/>
+            </a:endParaRPr>
+          </a:p>
+        </p:txBody>
+      </p:sp>
+      <p:sp>
+        <p:nvSpPr>
+          <p:cNvPr id="43" name="文本框 42">
+            <a:extLst>
+              <a:ext uri="{FF2B5EF4-FFF2-40B4-BE49-F238E27FC236}">
+                <a16:creationId xmlns:a16="http://schemas.microsoft.com/office/drawing/2014/main" id="{17910738-CF95-4464-8D4A-F01CA5E868FA}"/>
+              </a:ext>
+            </a:extLst>
+          </p:cNvPr>
+          <p:cNvSpPr txBox="1"/>
+          <p:nvPr/>
+        </p:nvSpPr>
+        <p:spPr>
+          <a:xfrm>
+            <a:off x="6053586" y="1397498"/>
+            <a:ext cx="476888" cy="400110"/>
+          </a:xfrm>
+          <a:prstGeom prst="rect">
+            <a:avLst/>
+          </a:prstGeom>
+          <a:noFill/>
+        </p:spPr>
+        <p:txBody>
+          <a:bodyPr wrap="square" rtlCol="0">
+            <a:spAutoFit/>
+          </a:bodyPr>
+          <a:lstStyle/>
+          <a:p>
+            <a:r>
+              <a:rPr lang="en-US" altLang="zh-CN" sz="2000" b="1" dirty="0">
+                <a:solidFill>
+                  <a:schemeClr val="bg1"/>
+                </a:solidFill>
+                <a:latin typeface="宋体" panose="02010600030101010101" pitchFamily="2" charset="-122"/>
+                <a:ea typeface="宋体" panose="02010600030101010101" pitchFamily="2" charset="-122"/>
+              </a:rPr>
+              <a:t>33</a:t>
+            </a:r>
+            <a:endParaRPr lang="zh-CN" altLang="en-US" sz="2000" b="1" dirty="0">
+              <a:solidFill>
+                <a:schemeClr val="bg1"/>
+              </a:solidFill>
+              <a:latin typeface="宋体" panose="02010600030101010101" pitchFamily="2" charset="-122"/>
+              <a:ea typeface="宋体" panose="02010600030101010101" pitchFamily="2" charset="-122"/>
+            </a:endParaRPr>
+          </a:p>
+        </p:txBody>
+      </p:sp>
+      <p:sp>
+        <p:nvSpPr>
+          <p:cNvPr id="44" name="文本框 43">
+            <a:extLst>
+              <a:ext uri="{FF2B5EF4-FFF2-40B4-BE49-F238E27FC236}">
+                <a16:creationId xmlns:a16="http://schemas.microsoft.com/office/drawing/2014/main" id="{205A3273-00C4-440D-AC72-AD1EBD2E474D}"/>
+              </a:ext>
+            </a:extLst>
+          </p:cNvPr>
+          <p:cNvSpPr txBox="1"/>
+          <p:nvPr/>
+        </p:nvSpPr>
+        <p:spPr>
+          <a:xfrm>
+            <a:off x="6209698" y="5902962"/>
+            <a:ext cx="476888" cy="400110"/>
+          </a:xfrm>
+          <a:prstGeom prst="rect">
+            <a:avLst/>
+          </a:prstGeom>
+          <a:noFill/>
+        </p:spPr>
+        <p:txBody>
+          <a:bodyPr wrap="square" rtlCol="0">
+            <a:spAutoFit/>
+          </a:bodyPr>
+          <a:lstStyle/>
+          <a:p>
+            <a:r>
+              <a:rPr lang="en-US" altLang="zh-CN" sz="2000" b="1" dirty="0">
+                <a:solidFill>
+                  <a:schemeClr val="bg1"/>
+                </a:solidFill>
+                <a:latin typeface="宋体" panose="02010600030101010101" pitchFamily="2" charset="-122"/>
+                <a:ea typeface="宋体" panose="02010600030101010101" pitchFamily="2" charset="-122"/>
+              </a:rPr>
+              <a:t>30</a:t>
+            </a:r>
+            <a:endParaRPr lang="zh-CN" altLang="en-US" sz="2000" b="1" dirty="0">
+              <a:solidFill>
+                <a:schemeClr val="bg1"/>
+              </a:solidFill>
+              <a:latin typeface="宋体" panose="02010600030101010101" pitchFamily="2" charset="-122"/>
+              <a:ea typeface="宋体" panose="02010600030101010101" pitchFamily="2" charset="-122"/>
+            </a:endParaRPr>
+          </a:p>
+        </p:txBody>
+      </p:sp>
+      <p:sp>
+        <p:nvSpPr>
+          <p:cNvPr id="45" name="文本框 44">
+            <a:extLst>
+              <a:ext uri="{FF2B5EF4-FFF2-40B4-BE49-F238E27FC236}">
+                <a16:creationId xmlns:a16="http://schemas.microsoft.com/office/drawing/2014/main" id="{D7A07D73-97B5-4EC5-855E-39A09BA4101E}"/>
+              </a:ext>
+            </a:extLst>
+          </p:cNvPr>
+          <p:cNvSpPr txBox="1"/>
+          <p:nvPr/>
+        </p:nvSpPr>
+        <p:spPr>
+          <a:xfrm>
+            <a:off x="3705338" y="1993223"/>
+            <a:ext cx="476888" cy="400110"/>
+          </a:xfrm>
+          <a:prstGeom prst="rect">
+            <a:avLst/>
+          </a:prstGeom>
+          <a:noFill/>
+        </p:spPr>
+        <p:txBody>
+          <a:bodyPr wrap="square" rtlCol="0">
+            <a:spAutoFit/>
+          </a:bodyPr>
+          <a:lstStyle/>
+          <a:p>
+            <a:r>
+              <a:rPr lang="en-US" altLang="zh-CN" sz="2000" b="1" dirty="0">
+                <a:solidFill>
+                  <a:schemeClr val="bg1"/>
+                </a:solidFill>
+                <a:latin typeface="宋体" panose="02010600030101010101" pitchFamily="2" charset="-122"/>
+                <a:ea typeface="宋体" panose="02010600030101010101" pitchFamily="2" charset="-122"/>
+              </a:rPr>
+              <a:t>32</a:t>
+            </a:r>
+            <a:endParaRPr lang="zh-CN" altLang="en-US" sz="2000" b="1" dirty="0">
+              <a:solidFill>
+                <a:schemeClr val="bg1"/>
+              </a:solidFill>
+              <a:latin typeface="宋体" panose="02010600030101010101" pitchFamily="2" charset="-122"/>
+              <a:ea typeface="宋体" panose="02010600030101010101" pitchFamily="2" charset="-122"/>
+            </a:endParaRPr>
+          </a:p>
+        </p:txBody>
+      </p:sp>
+      <p:sp>
+        <p:nvSpPr>
+          <p:cNvPr id="46" name="文本框 45">
+            <a:extLst>
+              <a:ext uri="{FF2B5EF4-FFF2-40B4-BE49-F238E27FC236}">
+                <a16:creationId xmlns:a16="http://schemas.microsoft.com/office/drawing/2014/main" id="{501C456B-7158-40B7-BC59-B5A111967885}"/>
+              </a:ext>
+            </a:extLst>
+          </p:cNvPr>
+          <p:cNvSpPr txBox="1"/>
+          <p:nvPr/>
+        </p:nvSpPr>
+        <p:spPr>
+          <a:xfrm>
+            <a:off x="6063750" y="1990606"/>
+            <a:ext cx="476888" cy="400110"/>
+          </a:xfrm>
+          <a:prstGeom prst="rect">
+            <a:avLst/>
+          </a:prstGeom>
+          <a:noFill/>
+        </p:spPr>
+        <p:txBody>
+          <a:bodyPr wrap="square" rtlCol="0">
+            <a:spAutoFit/>
+          </a:bodyPr>
+          <a:lstStyle/>
+          <a:p>
+            <a:r>
+              <a:rPr lang="en-US" altLang="zh-CN" sz="2000" b="1" dirty="0">
+                <a:solidFill>
+                  <a:schemeClr val="bg1"/>
+                </a:solidFill>
+                <a:latin typeface="宋体" panose="02010600030101010101" pitchFamily="2" charset="-122"/>
+                <a:ea typeface="宋体" panose="02010600030101010101" pitchFamily="2" charset="-122"/>
+              </a:rPr>
+              <a:t>34</a:t>
+            </a:r>
+            <a:endParaRPr lang="zh-CN" altLang="en-US" sz="2000" b="1" dirty="0">
+              <a:solidFill>
+                <a:schemeClr val="bg1"/>
+              </a:solidFill>
+              <a:latin typeface="宋体" panose="02010600030101010101" pitchFamily="2" charset="-122"/>
+              <a:ea typeface="宋体" panose="02010600030101010101" pitchFamily="2" charset="-122"/>
+            </a:endParaRPr>
+          </a:p>
+        </p:txBody>
+      </p:sp>
+      <p:pic>
+        <p:nvPicPr>
+          <p:cNvPr id="47" name="图片 46">
+            <a:extLst>
+              <a:ext uri="{FF2B5EF4-FFF2-40B4-BE49-F238E27FC236}">
+                <a16:creationId xmlns:a16="http://schemas.microsoft.com/office/drawing/2014/main" id="{763041B9-3A83-43C8-AFCC-72F66D1332F7}"/>
+              </a:ext>
+            </a:extLst>
+          </p:cNvPr>
+          <p:cNvPicPr/>
+          <p:nvPr/>
+        </p:nvPicPr>
+        <p:blipFill>
+          <a:blip r:embed="rId2"/>
+          <a:srcRect/>
+          <a:stretch>
+            <a:fillRect/>
+          </a:stretch>
+        </p:blipFill>
+        <p:spPr bwMode="auto">
+          <a:xfrm>
+            <a:off x="-4440" y="6514"/>
+            <a:ext cx="7639024" cy="6844257"/>
+          </a:xfrm>
+          <a:prstGeom prst="rect">
+            <a:avLst/>
+          </a:prstGeom>
+          <a:noFill/>
+          <a:ln w="9525">
+            <a:noFill/>
+            <a:miter lim="800000"/>
+            <a:headEnd/>
+            <a:tailEnd/>
+          </a:ln>
+        </p:spPr>
+      </p:pic>
+      <p:pic>
+        <p:nvPicPr>
+          <p:cNvPr id="48" name="图片 47">
+            <a:extLst>
+              <a:ext uri="{FF2B5EF4-FFF2-40B4-BE49-F238E27FC236}">
+                <a16:creationId xmlns:a16="http://schemas.microsoft.com/office/drawing/2014/main" id="{2D9E8913-4AE9-4998-B620-586054CAE33D}"/>
+              </a:ext>
+            </a:extLst>
+          </p:cNvPr>
+          <p:cNvPicPr/>
+          <p:nvPr/>
+        </p:nvPicPr>
+        <p:blipFill>
+          <a:blip r:embed="rId3"/>
+          <a:srcRect/>
+          <a:stretch>
+            <a:fillRect/>
+          </a:stretch>
+        </p:blipFill>
+        <p:spPr bwMode="auto">
+          <a:xfrm>
+            <a:off x="7669973" y="90320"/>
+            <a:ext cx="4381364" cy="583448"/>
+          </a:xfrm>
+          <a:prstGeom prst="rect">
+            <a:avLst/>
+          </a:prstGeom>
+          <a:noFill/>
+          <a:ln w="9525">
+            <a:noFill/>
+            <a:miter lim="800000"/>
+            <a:headEnd/>
+            <a:tailEnd/>
+          </a:ln>
+        </p:spPr>
+      </p:pic>
+      <p:pic>
+        <p:nvPicPr>
+          <p:cNvPr id="49" name="图片 48">
+            <a:extLst>
+              <a:ext uri="{FF2B5EF4-FFF2-40B4-BE49-F238E27FC236}">
+                <a16:creationId xmlns:a16="http://schemas.microsoft.com/office/drawing/2014/main" id="{D768D949-BE55-48E0-80A3-1563BABAC81D}"/>
+              </a:ext>
+            </a:extLst>
+          </p:cNvPr>
+          <p:cNvPicPr/>
+          <p:nvPr/>
+        </p:nvPicPr>
+        <p:blipFill>
+          <a:blip r:embed="rId4"/>
+          <a:srcRect/>
+          <a:stretch>
+            <a:fillRect/>
+          </a:stretch>
+        </p:blipFill>
+        <p:spPr bwMode="auto">
+          <a:xfrm>
+            <a:off x="7675959" y="702781"/>
+            <a:ext cx="4375378" cy="540034"/>
+          </a:xfrm>
+          <a:prstGeom prst="rect">
+            <a:avLst/>
+          </a:prstGeom>
+          <a:noFill/>
+          <a:ln w="9525">
+            <a:noFill/>
+            <a:miter lim="800000"/>
+            <a:headEnd/>
+            <a:tailEnd/>
+          </a:ln>
+        </p:spPr>
+      </p:pic>
+      <p:sp>
+        <p:nvSpPr>
+          <p:cNvPr id="50" name="文本框 49">
+            <a:extLst>
+              <a:ext uri="{FF2B5EF4-FFF2-40B4-BE49-F238E27FC236}">
+                <a16:creationId xmlns:a16="http://schemas.microsoft.com/office/drawing/2014/main" id="{12A33FB6-265D-4696-9F6C-0120C43DB187}"/>
+              </a:ext>
+            </a:extLst>
+          </p:cNvPr>
+          <p:cNvSpPr txBox="1"/>
+          <p:nvPr/>
+        </p:nvSpPr>
+        <p:spPr>
+          <a:xfrm>
+            <a:off x="1973751" y="3259459"/>
+            <a:ext cx="476888" cy="400110"/>
+          </a:xfrm>
+          <a:prstGeom prst="rect">
+            <a:avLst/>
+          </a:prstGeom>
+          <a:noFill/>
+        </p:spPr>
+        <p:txBody>
+          <a:bodyPr wrap="square" rtlCol="0">
+            <a:spAutoFit/>
+          </a:bodyPr>
+          <a:lstStyle/>
+          <a:p>
+            <a:r>
+              <a:rPr lang="en-US" altLang="zh-CN" sz="2000" b="1" dirty="0">
+                <a:solidFill>
+                  <a:schemeClr val="bg1"/>
+                </a:solidFill>
+                <a:latin typeface="宋体" panose="02010600030101010101" pitchFamily="2" charset="-122"/>
+                <a:ea typeface="宋体" panose="02010600030101010101" pitchFamily="2" charset="-122"/>
+              </a:rPr>
+              <a:t>57</a:t>
+            </a:r>
+            <a:endParaRPr lang="zh-CN" altLang="en-US" sz="2000" b="1" dirty="0">
+              <a:solidFill>
+                <a:schemeClr val="bg1"/>
+              </a:solidFill>
+              <a:latin typeface="宋体" panose="02010600030101010101" pitchFamily="2" charset="-122"/>
+              <a:ea typeface="宋体" panose="02010600030101010101" pitchFamily="2" charset="-122"/>
+            </a:endParaRPr>
+          </a:p>
+        </p:txBody>
+      </p:sp>
+      <p:sp>
+        <p:nvSpPr>
+          <p:cNvPr id="51" name="文本框 50">
+            <a:extLst>
+              <a:ext uri="{FF2B5EF4-FFF2-40B4-BE49-F238E27FC236}">
+                <a16:creationId xmlns:a16="http://schemas.microsoft.com/office/drawing/2014/main" id="{ED8D10EC-E253-4319-A42F-32F330C803A9}"/>
+              </a:ext>
+            </a:extLst>
+          </p:cNvPr>
+          <p:cNvSpPr txBox="1"/>
+          <p:nvPr/>
+        </p:nvSpPr>
+        <p:spPr>
+          <a:xfrm>
+            <a:off x="1732883" y="1555790"/>
+            <a:ext cx="476888" cy="400110"/>
+          </a:xfrm>
+          <a:prstGeom prst="rect">
+            <a:avLst/>
+          </a:prstGeom>
+          <a:noFill/>
+        </p:spPr>
+        <p:txBody>
+          <a:bodyPr wrap="square" rtlCol="0">
+            <a:spAutoFit/>
+          </a:bodyPr>
+          <a:lstStyle/>
+          <a:p>
+            <a:r>
+              <a:rPr lang="en-US" altLang="zh-CN" sz="2000" b="1" dirty="0">
+                <a:solidFill>
+                  <a:schemeClr val="bg1"/>
+                </a:solidFill>
+                <a:latin typeface="宋体" panose="02010600030101010101" pitchFamily="2" charset="-122"/>
+                <a:ea typeface="宋体" panose="02010600030101010101" pitchFamily="2" charset="-122"/>
+              </a:rPr>
+              <a:t>36</a:t>
+            </a:r>
+            <a:endParaRPr lang="zh-CN" altLang="en-US" sz="2000" b="1" dirty="0">
+              <a:solidFill>
+                <a:schemeClr val="bg1"/>
+              </a:solidFill>
+              <a:latin typeface="宋体" panose="02010600030101010101" pitchFamily="2" charset="-122"/>
+              <a:ea typeface="宋体" panose="02010600030101010101" pitchFamily="2" charset="-122"/>
+            </a:endParaRPr>
+          </a:p>
+        </p:txBody>
+      </p:sp>
+      <p:sp>
+        <p:nvSpPr>
+          <p:cNvPr id="52" name="文本框 51">
+            <a:extLst>
+              <a:ext uri="{FF2B5EF4-FFF2-40B4-BE49-F238E27FC236}">
+                <a16:creationId xmlns:a16="http://schemas.microsoft.com/office/drawing/2014/main" id="{176F7FD2-BCC7-45E1-B506-F66B5C40CBAD}"/>
+              </a:ext>
+            </a:extLst>
+          </p:cNvPr>
+          <p:cNvSpPr txBox="1"/>
+          <p:nvPr/>
+        </p:nvSpPr>
+        <p:spPr>
+          <a:xfrm>
+            <a:off x="1723410" y="713932"/>
+            <a:ext cx="476888" cy="400110"/>
+          </a:xfrm>
+          <a:prstGeom prst="rect">
+            <a:avLst/>
+          </a:prstGeom>
+          <a:noFill/>
+        </p:spPr>
+        <p:txBody>
+          <a:bodyPr wrap="square" rtlCol="0">
+            <a:spAutoFit/>
+          </a:bodyPr>
+          <a:lstStyle/>
+          <a:p>
+            <a:r>
+              <a:rPr lang="en-US" altLang="zh-CN" sz="2000" b="1" dirty="0">
+                <a:solidFill>
+                  <a:schemeClr val="bg1"/>
+                </a:solidFill>
+                <a:latin typeface="宋体" panose="02010600030101010101" pitchFamily="2" charset="-122"/>
+                <a:ea typeface="宋体" panose="02010600030101010101" pitchFamily="2" charset="-122"/>
+              </a:rPr>
+              <a:t>37</a:t>
+            </a:r>
+            <a:endParaRPr lang="zh-CN" altLang="en-US" sz="2000" b="1" dirty="0">
+              <a:solidFill>
+                <a:schemeClr val="bg1"/>
+              </a:solidFill>
+              <a:latin typeface="宋体" panose="02010600030101010101" pitchFamily="2" charset="-122"/>
+              <a:ea typeface="宋体" panose="02010600030101010101" pitchFamily="2" charset="-122"/>
+            </a:endParaRPr>
+          </a:p>
+        </p:txBody>
+      </p:sp>
+      <p:sp>
+        <p:nvSpPr>
+          <p:cNvPr id="53" name="文本框 52">
+            <a:extLst>
+              <a:ext uri="{FF2B5EF4-FFF2-40B4-BE49-F238E27FC236}">
+                <a16:creationId xmlns:a16="http://schemas.microsoft.com/office/drawing/2014/main" id="{1CBC6BB2-4F88-434E-9BC4-74AE09371FC7}"/>
+              </a:ext>
+            </a:extLst>
+          </p:cNvPr>
+          <p:cNvSpPr txBox="1"/>
+          <p:nvPr/>
+        </p:nvSpPr>
+        <p:spPr>
+          <a:xfrm>
+            <a:off x="1997243" y="4433887"/>
+            <a:ext cx="476888" cy="400110"/>
+          </a:xfrm>
+          <a:prstGeom prst="rect">
+            <a:avLst/>
+          </a:prstGeom>
+          <a:noFill/>
+        </p:spPr>
+        <p:txBody>
+          <a:bodyPr wrap="square" rtlCol="0">
+            <a:spAutoFit/>
+          </a:bodyPr>
+          <a:lstStyle/>
+          <a:p>
+            <a:r>
+              <a:rPr lang="en-US" altLang="zh-CN" sz="2000" b="1" dirty="0">
+                <a:solidFill>
+                  <a:schemeClr val="bg1"/>
+                </a:solidFill>
+                <a:latin typeface="宋体" panose="02010600030101010101" pitchFamily="2" charset="-122"/>
+                <a:ea typeface="宋体" panose="02010600030101010101" pitchFamily="2" charset="-122"/>
+              </a:rPr>
+              <a:t>38</a:t>
+            </a:r>
+            <a:endParaRPr lang="zh-CN" altLang="en-US" sz="2000" b="1" dirty="0">
+              <a:solidFill>
+                <a:schemeClr val="bg1"/>
+              </a:solidFill>
+              <a:latin typeface="宋体" panose="02010600030101010101" pitchFamily="2" charset="-122"/>
+              <a:ea typeface="宋体" panose="02010600030101010101" pitchFamily="2" charset="-122"/>
+            </a:endParaRPr>
+          </a:p>
+        </p:txBody>
+      </p:sp>
+      <p:sp>
+        <p:nvSpPr>
+          <p:cNvPr id="54" name="文本框 53">
+            <a:extLst>
+              <a:ext uri="{FF2B5EF4-FFF2-40B4-BE49-F238E27FC236}">
+                <a16:creationId xmlns:a16="http://schemas.microsoft.com/office/drawing/2014/main" id="{314A1901-AF8C-4F63-955B-9FD06C80F07E}"/>
+              </a:ext>
+            </a:extLst>
+          </p:cNvPr>
+          <p:cNvSpPr txBox="1"/>
+          <p:nvPr/>
+        </p:nvSpPr>
+        <p:spPr>
+          <a:xfrm>
+            <a:off x="1723410" y="5305315"/>
+            <a:ext cx="476888" cy="400110"/>
+          </a:xfrm>
+          <a:prstGeom prst="rect">
+            <a:avLst/>
+          </a:prstGeom>
+          <a:noFill/>
+        </p:spPr>
+        <p:txBody>
+          <a:bodyPr wrap="square" rtlCol="0">
+            <a:spAutoFit/>
+          </a:bodyPr>
+          <a:lstStyle/>
+          <a:p>
+            <a:r>
+              <a:rPr lang="en-US" altLang="zh-CN" sz="2000" b="1" dirty="0">
+                <a:solidFill>
+                  <a:schemeClr val="bg1"/>
+                </a:solidFill>
+                <a:latin typeface="宋体" panose="02010600030101010101" pitchFamily="2" charset="-122"/>
+                <a:ea typeface="宋体" panose="02010600030101010101" pitchFamily="2" charset="-122"/>
+              </a:rPr>
+              <a:t>39</a:t>
+            </a:r>
+            <a:endParaRPr lang="zh-CN" altLang="en-US" sz="2000" b="1" dirty="0">
+              <a:solidFill>
+                <a:schemeClr val="bg1"/>
+              </a:solidFill>
+              <a:latin typeface="宋体" panose="02010600030101010101" pitchFamily="2" charset="-122"/>
+              <a:ea typeface="宋体" panose="02010600030101010101" pitchFamily="2" charset="-122"/>
+            </a:endParaRPr>
+          </a:p>
+        </p:txBody>
+      </p:sp>
+      <p:sp>
+        <p:nvSpPr>
+          <p:cNvPr id="55" name="文本框 54">
+            <a:extLst>
+              <a:ext uri="{FF2B5EF4-FFF2-40B4-BE49-F238E27FC236}">
+                <a16:creationId xmlns:a16="http://schemas.microsoft.com/office/drawing/2014/main" id="{E0F2AA36-7087-4C56-B3D6-B5CE1B5254CC}"/>
+              </a:ext>
+            </a:extLst>
+          </p:cNvPr>
+          <p:cNvSpPr txBox="1"/>
+          <p:nvPr/>
+        </p:nvSpPr>
+        <p:spPr>
+          <a:xfrm>
+            <a:off x="1603720" y="6382665"/>
+            <a:ext cx="476888" cy="400110"/>
+          </a:xfrm>
+          <a:prstGeom prst="rect">
+            <a:avLst/>
+          </a:prstGeom>
+          <a:noFill/>
+        </p:spPr>
+        <p:txBody>
+          <a:bodyPr wrap="square" rtlCol="0">
+            <a:spAutoFit/>
+          </a:bodyPr>
+          <a:lstStyle/>
+          <a:p>
+            <a:r>
+              <a:rPr lang="en-US" altLang="zh-CN" sz="2000" b="1" dirty="0">
+                <a:solidFill>
+                  <a:schemeClr val="bg1"/>
+                </a:solidFill>
+                <a:latin typeface="宋体" panose="02010600030101010101" pitchFamily="2" charset="-122"/>
+                <a:ea typeface="宋体" panose="02010600030101010101" pitchFamily="2" charset="-122"/>
+              </a:rPr>
+              <a:t>40</a:t>
+            </a:r>
+            <a:endParaRPr lang="zh-CN" altLang="en-US" sz="2000" b="1" dirty="0">
+              <a:solidFill>
+                <a:schemeClr val="bg1"/>
+              </a:solidFill>
+              <a:latin typeface="宋体" panose="02010600030101010101" pitchFamily="2" charset="-122"/>
+              <a:ea typeface="宋体" panose="02010600030101010101" pitchFamily="2" charset="-122"/>
+            </a:endParaRPr>
+          </a:p>
+        </p:txBody>
+      </p:sp>
+      <p:sp>
+        <p:nvSpPr>
+          <p:cNvPr id="56" name="文本框 55">
+            <a:extLst>
+              <a:ext uri="{FF2B5EF4-FFF2-40B4-BE49-F238E27FC236}">
+                <a16:creationId xmlns:a16="http://schemas.microsoft.com/office/drawing/2014/main" id="{3BEC16D8-3016-4D58-9955-F45920CDF237}"/>
+              </a:ext>
+            </a:extLst>
+          </p:cNvPr>
+          <p:cNvSpPr txBox="1"/>
+          <p:nvPr/>
+        </p:nvSpPr>
+        <p:spPr>
+          <a:xfrm>
+            <a:off x="3723385" y="2874384"/>
+            <a:ext cx="476888" cy="400110"/>
+          </a:xfrm>
+          <a:prstGeom prst="rect">
+            <a:avLst/>
+          </a:prstGeom>
+          <a:noFill/>
+        </p:spPr>
+        <p:txBody>
+          <a:bodyPr wrap="square" rtlCol="0">
+            <a:spAutoFit/>
+          </a:bodyPr>
+          <a:lstStyle/>
+          <a:p>
+            <a:r>
+              <a:rPr lang="en-US" altLang="zh-CN" sz="2000" b="1" dirty="0">
+                <a:solidFill>
+                  <a:schemeClr val="bg1"/>
+                </a:solidFill>
+                <a:latin typeface="宋体" panose="02010600030101010101" pitchFamily="2" charset="-122"/>
+                <a:ea typeface="宋体" panose="02010600030101010101" pitchFamily="2" charset="-122"/>
+              </a:rPr>
+              <a:t>41</a:t>
+            </a:r>
+            <a:endParaRPr lang="zh-CN" altLang="en-US" sz="2000" b="1" dirty="0">
+              <a:solidFill>
+                <a:schemeClr val="bg1"/>
+              </a:solidFill>
+              <a:latin typeface="宋体" panose="02010600030101010101" pitchFamily="2" charset="-122"/>
+              <a:ea typeface="宋体" panose="02010600030101010101" pitchFamily="2" charset="-122"/>
+            </a:endParaRPr>
+          </a:p>
+        </p:txBody>
+      </p:sp>
+      <p:sp>
+        <p:nvSpPr>
+          <p:cNvPr id="57" name="文本框 56">
+            <a:extLst>
+              <a:ext uri="{FF2B5EF4-FFF2-40B4-BE49-F238E27FC236}">
+                <a16:creationId xmlns:a16="http://schemas.microsoft.com/office/drawing/2014/main" id="{840D10BD-9B26-47F1-93A6-A36E9219C32E}"/>
+              </a:ext>
+            </a:extLst>
+          </p:cNvPr>
+          <p:cNvSpPr txBox="1"/>
+          <p:nvPr/>
+        </p:nvSpPr>
+        <p:spPr>
+          <a:xfrm>
+            <a:off x="3172155" y="1464867"/>
+            <a:ext cx="476888" cy="400110"/>
+          </a:xfrm>
+          <a:prstGeom prst="rect">
+            <a:avLst/>
+          </a:prstGeom>
+          <a:noFill/>
+        </p:spPr>
+        <p:txBody>
+          <a:bodyPr wrap="square" rtlCol="0">
+            <a:spAutoFit/>
+          </a:bodyPr>
+          <a:lstStyle/>
+          <a:p>
+            <a:r>
+              <a:rPr lang="en-US" altLang="zh-CN" sz="2000" b="1" dirty="0">
+                <a:solidFill>
+                  <a:schemeClr val="bg1"/>
+                </a:solidFill>
+                <a:latin typeface="宋体" panose="02010600030101010101" pitchFamily="2" charset="-122"/>
+                <a:ea typeface="宋体" panose="02010600030101010101" pitchFamily="2" charset="-122"/>
+              </a:rPr>
+              <a:t>42</a:t>
+            </a:r>
+            <a:endParaRPr lang="zh-CN" altLang="en-US" sz="2000" b="1" dirty="0">
+              <a:solidFill>
+                <a:schemeClr val="bg1"/>
+              </a:solidFill>
+              <a:latin typeface="宋体" panose="02010600030101010101" pitchFamily="2" charset="-122"/>
+              <a:ea typeface="宋体" panose="02010600030101010101" pitchFamily="2" charset="-122"/>
+            </a:endParaRPr>
+          </a:p>
+        </p:txBody>
+      </p:sp>
+      <p:sp>
+        <p:nvSpPr>
+          <p:cNvPr id="58" name="文本框 57">
+            <a:extLst>
+              <a:ext uri="{FF2B5EF4-FFF2-40B4-BE49-F238E27FC236}">
+                <a16:creationId xmlns:a16="http://schemas.microsoft.com/office/drawing/2014/main" id="{8307E2CA-BCC2-414F-865C-CA191B605D16}"/>
+              </a:ext>
+            </a:extLst>
+          </p:cNvPr>
+          <p:cNvSpPr txBox="1"/>
+          <p:nvPr/>
+        </p:nvSpPr>
+        <p:spPr>
+          <a:xfrm>
+            <a:off x="3105805" y="313822"/>
+            <a:ext cx="476888" cy="400110"/>
+          </a:xfrm>
+          <a:prstGeom prst="rect">
+            <a:avLst/>
+          </a:prstGeom>
+          <a:noFill/>
+        </p:spPr>
+        <p:txBody>
+          <a:bodyPr wrap="square" rtlCol="0">
+            <a:spAutoFit/>
+          </a:bodyPr>
+          <a:lstStyle/>
+          <a:p>
+            <a:r>
+              <a:rPr lang="en-US" altLang="zh-CN" sz="2000" b="1" dirty="0">
+                <a:solidFill>
+                  <a:schemeClr val="bg1"/>
+                </a:solidFill>
+                <a:latin typeface="宋体" panose="02010600030101010101" pitchFamily="2" charset="-122"/>
+                <a:ea typeface="宋体" panose="02010600030101010101" pitchFamily="2" charset="-122"/>
+              </a:rPr>
+              <a:t>43</a:t>
+            </a:r>
+            <a:endParaRPr lang="zh-CN" altLang="en-US" sz="2000" b="1" dirty="0">
+              <a:solidFill>
+                <a:schemeClr val="bg1"/>
+              </a:solidFill>
+              <a:latin typeface="宋体" panose="02010600030101010101" pitchFamily="2" charset="-122"/>
+              <a:ea typeface="宋体" panose="02010600030101010101" pitchFamily="2" charset="-122"/>
+            </a:endParaRPr>
+          </a:p>
+        </p:txBody>
+      </p:sp>
+      <p:sp>
+        <p:nvSpPr>
+          <p:cNvPr id="59" name="文本框 58">
+            <a:extLst>
+              <a:ext uri="{FF2B5EF4-FFF2-40B4-BE49-F238E27FC236}">
+                <a16:creationId xmlns:a16="http://schemas.microsoft.com/office/drawing/2014/main" id="{2C0902BE-7953-492B-8AAF-067D0EE9D26A}"/>
+              </a:ext>
+            </a:extLst>
+          </p:cNvPr>
+          <p:cNvSpPr txBox="1"/>
+          <p:nvPr/>
+        </p:nvSpPr>
+        <p:spPr>
+          <a:xfrm>
+            <a:off x="3794688" y="4293195"/>
+            <a:ext cx="476888" cy="400110"/>
+          </a:xfrm>
+          <a:prstGeom prst="rect">
+            <a:avLst/>
+          </a:prstGeom>
+          <a:noFill/>
+        </p:spPr>
+        <p:txBody>
+          <a:bodyPr wrap="square" rtlCol="0">
+            <a:spAutoFit/>
+          </a:bodyPr>
+          <a:lstStyle/>
+          <a:p>
+            <a:r>
+              <a:rPr lang="en-US" altLang="zh-CN" sz="2000" b="1" dirty="0">
+                <a:solidFill>
+                  <a:schemeClr val="bg1"/>
+                </a:solidFill>
+                <a:latin typeface="宋体" panose="02010600030101010101" pitchFamily="2" charset="-122"/>
+                <a:ea typeface="宋体" panose="02010600030101010101" pitchFamily="2" charset="-122"/>
+              </a:rPr>
+              <a:t>44</a:t>
+            </a:r>
+            <a:endParaRPr lang="zh-CN" altLang="en-US" sz="2000" b="1" dirty="0">
+              <a:solidFill>
+                <a:schemeClr val="bg1"/>
+              </a:solidFill>
+              <a:latin typeface="宋体" panose="02010600030101010101" pitchFamily="2" charset="-122"/>
+              <a:ea typeface="宋体" panose="02010600030101010101" pitchFamily="2" charset="-122"/>
+            </a:endParaRPr>
+          </a:p>
+        </p:txBody>
+      </p:sp>
+      <p:sp>
+        <p:nvSpPr>
+          <p:cNvPr id="60" name="文本框 59">
+            <a:extLst>
+              <a:ext uri="{FF2B5EF4-FFF2-40B4-BE49-F238E27FC236}">
+                <a16:creationId xmlns:a16="http://schemas.microsoft.com/office/drawing/2014/main" id="{AC99217A-776C-46AF-9E00-BC3A94BB885C}"/>
+              </a:ext>
+            </a:extLst>
+          </p:cNvPr>
+          <p:cNvSpPr txBox="1"/>
+          <p:nvPr/>
+        </p:nvSpPr>
+        <p:spPr>
+          <a:xfrm>
+            <a:off x="3266120" y="5474435"/>
+            <a:ext cx="476888" cy="400110"/>
+          </a:xfrm>
+          <a:prstGeom prst="rect">
+            <a:avLst/>
+          </a:prstGeom>
+          <a:noFill/>
+        </p:spPr>
+        <p:txBody>
+          <a:bodyPr wrap="square" rtlCol="0">
+            <a:spAutoFit/>
+          </a:bodyPr>
+          <a:lstStyle/>
+          <a:p>
+            <a:r>
+              <a:rPr lang="en-US" altLang="zh-CN" sz="2000" b="1" dirty="0">
+                <a:solidFill>
+                  <a:schemeClr val="bg1"/>
+                </a:solidFill>
+                <a:latin typeface="宋体" panose="02010600030101010101" pitchFamily="2" charset="-122"/>
+                <a:ea typeface="宋体" panose="02010600030101010101" pitchFamily="2" charset="-122"/>
+              </a:rPr>
+              <a:t>45</a:t>
+            </a:r>
+            <a:endParaRPr lang="zh-CN" altLang="en-US" sz="2000" b="1" dirty="0">
+              <a:solidFill>
+                <a:schemeClr val="bg1"/>
+              </a:solidFill>
+              <a:latin typeface="宋体" panose="02010600030101010101" pitchFamily="2" charset="-122"/>
+              <a:ea typeface="宋体" panose="02010600030101010101" pitchFamily="2" charset="-122"/>
+            </a:endParaRPr>
+          </a:p>
+        </p:txBody>
+      </p:sp>
+      <p:sp>
+        <p:nvSpPr>
+          <p:cNvPr id="61" name="文本框 60">
+            <a:extLst>
+              <a:ext uri="{FF2B5EF4-FFF2-40B4-BE49-F238E27FC236}">
+                <a16:creationId xmlns:a16="http://schemas.microsoft.com/office/drawing/2014/main" id="{D8194699-2DE2-41F4-8288-FB6983EE1444}"/>
+              </a:ext>
+            </a:extLst>
+          </p:cNvPr>
+          <p:cNvSpPr txBox="1"/>
+          <p:nvPr/>
+        </p:nvSpPr>
+        <p:spPr>
+          <a:xfrm>
+            <a:off x="5134547" y="2563528"/>
+            <a:ext cx="476888" cy="400110"/>
+          </a:xfrm>
+          <a:prstGeom prst="rect">
+            <a:avLst/>
+          </a:prstGeom>
+          <a:noFill/>
+        </p:spPr>
+        <p:txBody>
+          <a:bodyPr wrap="square" rtlCol="0">
+            <a:spAutoFit/>
+          </a:bodyPr>
+          <a:lstStyle/>
+          <a:p>
+            <a:r>
+              <a:rPr lang="en-US" altLang="zh-CN" sz="2000" b="1" dirty="0">
+                <a:solidFill>
+                  <a:schemeClr val="bg1"/>
+                </a:solidFill>
+                <a:latin typeface="宋体" panose="02010600030101010101" pitchFamily="2" charset="-122"/>
+                <a:ea typeface="宋体" panose="02010600030101010101" pitchFamily="2" charset="-122"/>
+              </a:rPr>
+              <a:t>46</a:t>
+            </a:r>
+            <a:endParaRPr lang="zh-CN" altLang="en-US" sz="2000" b="1" dirty="0">
+              <a:solidFill>
+                <a:schemeClr val="bg1"/>
+              </a:solidFill>
+              <a:latin typeface="宋体" panose="02010600030101010101" pitchFamily="2" charset="-122"/>
+              <a:ea typeface="宋体" panose="02010600030101010101" pitchFamily="2" charset="-122"/>
+            </a:endParaRPr>
+          </a:p>
+        </p:txBody>
+      </p:sp>
+      <p:sp>
+        <p:nvSpPr>
+          <p:cNvPr id="62" name="文本框 61">
+            <a:extLst>
+              <a:ext uri="{FF2B5EF4-FFF2-40B4-BE49-F238E27FC236}">
+                <a16:creationId xmlns:a16="http://schemas.microsoft.com/office/drawing/2014/main" id="{5E670C2B-935F-4DC9-9270-DFFD16C046C4}"/>
+              </a:ext>
+            </a:extLst>
+          </p:cNvPr>
+          <p:cNvSpPr txBox="1"/>
+          <p:nvPr/>
+        </p:nvSpPr>
+        <p:spPr>
+          <a:xfrm>
+            <a:off x="6530474" y="1864977"/>
+            <a:ext cx="476888" cy="400110"/>
+          </a:xfrm>
+          <a:prstGeom prst="rect">
+            <a:avLst/>
+          </a:prstGeom>
+          <a:noFill/>
+        </p:spPr>
+        <p:txBody>
+          <a:bodyPr wrap="square" rtlCol="0">
+            <a:spAutoFit/>
+          </a:bodyPr>
+          <a:lstStyle/>
+          <a:p>
+            <a:r>
+              <a:rPr lang="en-US" altLang="zh-CN" sz="2000" b="1" dirty="0">
+                <a:solidFill>
+                  <a:schemeClr val="bg1"/>
+                </a:solidFill>
+                <a:latin typeface="宋体" panose="02010600030101010101" pitchFamily="2" charset="-122"/>
+                <a:ea typeface="宋体" panose="02010600030101010101" pitchFamily="2" charset="-122"/>
+              </a:rPr>
+              <a:t>47</a:t>
+            </a:r>
+            <a:endParaRPr lang="zh-CN" altLang="en-US" sz="2000" b="1" dirty="0">
+              <a:solidFill>
+                <a:schemeClr val="bg1"/>
+              </a:solidFill>
+              <a:latin typeface="宋体" panose="02010600030101010101" pitchFamily="2" charset="-122"/>
+              <a:ea typeface="宋体" panose="02010600030101010101" pitchFamily="2" charset="-122"/>
+            </a:endParaRPr>
+          </a:p>
+        </p:txBody>
+      </p:sp>
+      <p:sp>
+        <p:nvSpPr>
+          <p:cNvPr id="63" name="文本框 62">
+            <a:extLst>
+              <a:ext uri="{FF2B5EF4-FFF2-40B4-BE49-F238E27FC236}">
+                <a16:creationId xmlns:a16="http://schemas.microsoft.com/office/drawing/2014/main" id="{1A697C64-78A9-431C-829E-BC9FB6443B59}"/>
+              </a:ext>
+            </a:extLst>
+          </p:cNvPr>
+          <p:cNvSpPr txBox="1"/>
+          <p:nvPr/>
+        </p:nvSpPr>
+        <p:spPr>
+          <a:xfrm>
+            <a:off x="6952427" y="1338403"/>
+            <a:ext cx="476888" cy="400110"/>
+          </a:xfrm>
+          <a:prstGeom prst="rect">
+            <a:avLst/>
+          </a:prstGeom>
+          <a:noFill/>
+        </p:spPr>
+        <p:txBody>
+          <a:bodyPr wrap="square" rtlCol="0">
+            <a:spAutoFit/>
+          </a:bodyPr>
+          <a:lstStyle/>
+          <a:p>
+            <a:r>
+              <a:rPr lang="en-US" altLang="zh-CN" sz="2000" b="1" dirty="0">
+                <a:solidFill>
+                  <a:schemeClr val="bg1"/>
+                </a:solidFill>
+                <a:latin typeface="宋体" panose="02010600030101010101" pitchFamily="2" charset="-122"/>
+                <a:ea typeface="宋体" panose="02010600030101010101" pitchFamily="2" charset="-122"/>
+              </a:rPr>
+              <a:t>48</a:t>
+            </a:r>
+            <a:endParaRPr lang="zh-CN" altLang="en-US" sz="2000" b="1" dirty="0">
+              <a:solidFill>
+                <a:schemeClr val="bg1"/>
+              </a:solidFill>
+              <a:latin typeface="宋体" panose="02010600030101010101" pitchFamily="2" charset="-122"/>
+              <a:ea typeface="宋体" panose="02010600030101010101" pitchFamily="2" charset="-122"/>
+            </a:endParaRPr>
+          </a:p>
+        </p:txBody>
+      </p:sp>
+      <p:sp>
+        <p:nvSpPr>
+          <p:cNvPr id="64" name="文本框 63">
+            <a:extLst>
+              <a:ext uri="{FF2B5EF4-FFF2-40B4-BE49-F238E27FC236}">
+                <a16:creationId xmlns:a16="http://schemas.microsoft.com/office/drawing/2014/main" id="{607DB7AA-4E60-436E-932C-E890C4EC5B84}"/>
+              </a:ext>
+            </a:extLst>
+          </p:cNvPr>
+          <p:cNvSpPr txBox="1"/>
+          <p:nvPr/>
+        </p:nvSpPr>
+        <p:spPr>
+          <a:xfrm>
+            <a:off x="6936947" y="713932"/>
+            <a:ext cx="476888" cy="400110"/>
+          </a:xfrm>
+          <a:prstGeom prst="rect">
+            <a:avLst/>
+          </a:prstGeom>
+          <a:noFill/>
+        </p:spPr>
+        <p:txBody>
+          <a:bodyPr wrap="square" rtlCol="0">
+            <a:spAutoFit/>
+          </a:bodyPr>
+          <a:lstStyle/>
+          <a:p>
+            <a:r>
+              <a:rPr lang="en-US" altLang="zh-CN" sz="2000" b="1" dirty="0">
+                <a:solidFill>
+                  <a:schemeClr val="bg1"/>
+                </a:solidFill>
+                <a:latin typeface="宋体" panose="02010600030101010101" pitchFamily="2" charset="-122"/>
+                <a:ea typeface="宋体" panose="02010600030101010101" pitchFamily="2" charset="-122"/>
+              </a:rPr>
+              <a:t>49</a:t>
+            </a:r>
+            <a:endParaRPr lang="zh-CN" altLang="en-US" sz="2000" b="1" dirty="0">
+              <a:solidFill>
+                <a:schemeClr val="bg1"/>
+              </a:solidFill>
+              <a:latin typeface="宋体" panose="02010600030101010101" pitchFamily="2" charset="-122"/>
+              <a:ea typeface="宋体" panose="02010600030101010101" pitchFamily="2" charset="-122"/>
+            </a:endParaRPr>
+          </a:p>
+        </p:txBody>
+      </p:sp>
+      <p:sp>
+        <p:nvSpPr>
+          <p:cNvPr id="65" name="文本框 64">
+            <a:extLst>
+              <a:ext uri="{FF2B5EF4-FFF2-40B4-BE49-F238E27FC236}">
+                <a16:creationId xmlns:a16="http://schemas.microsoft.com/office/drawing/2014/main" id="{B3447AE4-9F73-4548-8A6E-6A0A3FA7EE14}"/>
+              </a:ext>
+            </a:extLst>
+          </p:cNvPr>
+          <p:cNvSpPr txBox="1"/>
+          <p:nvPr/>
+        </p:nvSpPr>
+        <p:spPr>
+          <a:xfrm>
+            <a:off x="5825306" y="3231241"/>
+            <a:ext cx="476888" cy="400110"/>
+          </a:xfrm>
+          <a:prstGeom prst="rect">
+            <a:avLst/>
+          </a:prstGeom>
+          <a:noFill/>
+        </p:spPr>
+        <p:txBody>
+          <a:bodyPr wrap="square" rtlCol="0">
+            <a:spAutoFit/>
+          </a:bodyPr>
+          <a:lstStyle/>
+          <a:p>
+            <a:r>
+              <a:rPr lang="en-US" altLang="zh-CN" sz="2000" b="1" dirty="0">
+                <a:solidFill>
+                  <a:schemeClr val="bg1"/>
+                </a:solidFill>
+                <a:latin typeface="宋体" panose="02010600030101010101" pitchFamily="2" charset="-122"/>
+                <a:ea typeface="宋体" panose="02010600030101010101" pitchFamily="2" charset="-122"/>
+              </a:rPr>
+              <a:t>54</a:t>
+            </a:r>
+            <a:endParaRPr lang="zh-CN" altLang="en-US" sz="2000" b="1" dirty="0">
+              <a:solidFill>
+                <a:schemeClr val="bg1"/>
+              </a:solidFill>
+              <a:latin typeface="宋体" panose="02010600030101010101" pitchFamily="2" charset="-122"/>
+              <a:ea typeface="宋体" panose="02010600030101010101" pitchFamily="2" charset="-122"/>
+            </a:endParaRPr>
+          </a:p>
+        </p:txBody>
+      </p:sp>
+      <p:sp>
+        <p:nvSpPr>
+          <p:cNvPr id="66" name="文本框 65">
+            <a:extLst>
+              <a:ext uri="{FF2B5EF4-FFF2-40B4-BE49-F238E27FC236}">
+                <a16:creationId xmlns:a16="http://schemas.microsoft.com/office/drawing/2014/main" id="{199D275A-39AC-4C44-9256-8965EF450264}"/>
+              </a:ext>
+            </a:extLst>
+          </p:cNvPr>
+          <p:cNvSpPr txBox="1"/>
+          <p:nvPr/>
+        </p:nvSpPr>
+        <p:spPr>
+          <a:xfrm>
+            <a:off x="6243731" y="3885008"/>
+            <a:ext cx="476888" cy="400110"/>
+          </a:xfrm>
+          <a:prstGeom prst="rect">
+            <a:avLst/>
+          </a:prstGeom>
+          <a:noFill/>
+        </p:spPr>
+        <p:txBody>
+          <a:bodyPr wrap="square" rtlCol="0">
+            <a:spAutoFit/>
+          </a:bodyPr>
+          <a:lstStyle/>
+          <a:p>
+            <a:r>
+              <a:rPr lang="en-US" altLang="zh-CN" sz="2000" b="1" dirty="0">
+                <a:solidFill>
+                  <a:schemeClr val="bg1"/>
+                </a:solidFill>
+                <a:latin typeface="宋体" panose="02010600030101010101" pitchFamily="2" charset="-122"/>
+                <a:ea typeface="宋体" panose="02010600030101010101" pitchFamily="2" charset="-122"/>
+              </a:rPr>
+              <a:t>55</a:t>
+            </a:r>
+            <a:endParaRPr lang="zh-CN" altLang="en-US" sz="2000" b="1" dirty="0">
+              <a:solidFill>
+                <a:schemeClr val="bg1"/>
+              </a:solidFill>
+              <a:latin typeface="宋体" panose="02010600030101010101" pitchFamily="2" charset="-122"/>
+              <a:ea typeface="宋体" panose="02010600030101010101" pitchFamily="2" charset="-122"/>
+            </a:endParaRPr>
+          </a:p>
+        </p:txBody>
+      </p:sp>
+      <p:sp>
+        <p:nvSpPr>
+          <p:cNvPr id="67" name="文本框 66">
+            <a:extLst>
+              <a:ext uri="{FF2B5EF4-FFF2-40B4-BE49-F238E27FC236}">
+                <a16:creationId xmlns:a16="http://schemas.microsoft.com/office/drawing/2014/main" id="{845EF7F4-0092-4BE5-B3D3-D4078C5F10EB}"/>
+              </a:ext>
+            </a:extLst>
+          </p:cNvPr>
+          <p:cNvSpPr txBox="1"/>
+          <p:nvPr/>
+        </p:nvSpPr>
+        <p:spPr>
+          <a:xfrm>
+            <a:off x="5063827" y="5767590"/>
+            <a:ext cx="476888" cy="400110"/>
+          </a:xfrm>
+          <a:prstGeom prst="rect">
+            <a:avLst/>
+          </a:prstGeom>
+          <a:noFill/>
+        </p:spPr>
+        <p:txBody>
+          <a:bodyPr wrap="square" rtlCol="0">
+            <a:spAutoFit/>
+          </a:bodyPr>
+          <a:lstStyle/>
+          <a:p>
+            <a:r>
+              <a:rPr lang="en-US" altLang="zh-CN" sz="2000" b="1" dirty="0">
+                <a:solidFill>
+                  <a:schemeClr val="bg1"/>
+                </a:solidFill>
+                <a:latin typeface="宋体" panose="02010600030101010101" pitchFamily="2" charset="-122"/>
+                <a:ea typeface="宋体" panose="02010600030101010101" pitchFamily="2" charset="-122"/>
+              </a:rPr>
+              <a:t>56</a:t>
+            </a:r>
+            <a:endParaRPr lang="zh-CN" altLang="en-US" sz="2000" b="1" dirty="0">
+              <a:solidFill>
+                <a:schemeClr val="bg1"/>
+              </a:solidFill>
+              <a:latin typeface="宋体" panose="02010600030101010101" pitchFamily="2" charset="-122"/>
+              <a:ea typeface="宋体" panose="02010600030101010101" pitchFamily="2" charset="-122"/>
+            </a:endParaRPr>
+          </a:p>
+        </p:txBody>
+      </p:sp>
+      <p:sp>
+        <p:nvSpPr>
+          <p:cNvPr id="68" name="文本框 67">
+            <a:extLst>
+              <a:ext uri="{FF2B5EF4-FFF2-40B4-BE49-F238E27FC236}">
+                <a16:creationId xmlns:a16="http://schemas.microsoft.com/office/drawing/2014/main" id="{58691223-E3B9-4324-8CD3-C56B2A58B87E}"/>
+              </a:ext>
+            </a:extLst>
+          </p:cNvPr>
+          <p:cNvSpPr txBox="1"/>
+          <p:nvPr/>
+        </p:nvSpPr>
+        <p:spPr>
+          <a:xfrm>
+            <a:off x="5614351" y="473713"/>
+            <a:ext cx="476888" cy="400110"/>
+          </a:xfrm>
+          <a:prstGeom prst="rect">
+            <a:avLst/>
+          </a:prstGeom>
+          <a:noFill/>
+        </p:spPr>
+        <p:txBody>
+          <a:bodyPr wrap="square" rtlCol="0">
+            <a:spAutoFit/>
+          </a:bodyPr>
+          <a:lstStyle/>
+          <a:p>
+            <a:r>
+              <a:rPr lang="en-US" altLang="zh-CN" sz="2000" b="1" dirty="0">
+                <a:solidFill>
+                  <a:schemeClr val="bg1"/>
+                </a:solidFill>
+                <a:latin typeface="宋体" panose="02010600030101010101" pitchFamily="2" charset="-122"/>
+                <a:ea typeface="宋体" panose="02010600030101010101" pitchFamily="2" charset="-122"/>
+              </a:rPr>
+              <a:t>50</a:t>
+            </a:r>
+            <a:endParaRPr lang="zh-CN" altLang="en-US" sz="2000" b="1" dirty="0">
+              <a:solidFill>
+                <a:schemeClr val="bg1"/>
+              </a:solidFill>
+              <a:latin typeface="宋体" panose="02010600030101010101" pitchFamily="2" charset="-122"/>
+              <a:ea typeface="宋体" panose="02010600030101010101" pitchFamily="2" charset="-122"/>
+            </a:endParaRPr>
+          </a:p>
+        </p:txBody>
+      </p:sp>
+      <p:sp>
+        <p:nvSpPr>
+          <p:cNvPr id="69" name="文本框 68">
+            <a:extLst>
+              <a:ext uri="{FF2B5EF4-FFF2-40B4-BE49-F238E27FC236}">
+                <a16:creationId xmlns:a16="http://schemas.microsoft.com/office/drawing/2014/main" id="{A40CF530-D353-4F31-89C2-A492754AD312}"/>
+              </a:ext>
+            </a:extLst>
+          </p:cNvPr>
+          <p:cNvSpPr txBox="1"/>
+          <p:nvPr/>
+        </p:nvSpPr>
+        <p:spPr>
+          <a:xfrm>
+            <a:off x="6952427" y="76619"/>
+            <a:ext cx="476888" cy="400110"/>
+          </a:xfrm>
+          <a:prstGeom prst="rect">
+            <a:avLst/>
+          </a:prstGeom>
+          <a:noFill/>
+        </p:spPr>
+        <p:txBody>
+          <a:bodyPr wrap="square" rtlCol="0">
+            <a:spAutoFit/>
+          </a:bodyPr>
+          <a:lstStyle/>
+          <a:p>
+            <a:r>
+              <a:rPr lang="en-US" altLang="zh-CN" sz="2000" b="1" dirty="0">
+                <a:solidFill>
+                  <a:schemeClr val="bg1"/>
+                </a:solidFill>
+                <a:latin typeface="宋体" panose="02010600030101010101" pitchFamily="2" charset="-122"/>
+                <a:ea typeface="宋体" panose="02010600030101010101" pitchFamily="2" charset="-122"/>
+              </a:rPr>
+              <a:t>51</a:t>
+            </a:r>
+            <a:endParaRPr lang="zh-CN" altLang="en-US" sz="2000" b="1" dirty="0">
+              <a:solidFill>
+                <a:schemeClr val="bg1"/>
+              </a:solidFill>
+              <a:latin typeface="宋体" panose="02010600030101010101" pitchFamily="2" charset="-122"/>
+              <a:ea typeface="宋体" panose="02010600030101010101" pitchFamily="2" charset="-122"/>
+            </a:endParaRPr>
+          </a:p>
+        </p:txBody>
+      </p:sp>
+      <p:sp>
+        <p:nvSpPr>
+          <p:cNvPr id="70" name="文本框 69">
+            <a:extLst>
+              <a:ext uri="{FF2B5EF4-FFF2-40B4-BE49-F238E27FC236}">
+                <a16:creationId xmlns:a16="http://schemas.microsoft.com/office/drawing/2014/main" id="{3EA7E5E5-1895-47F7-BDBA-79B1A7CC895F}"/>
+              </a:ext>
+            </a:extLst>
+          </p:cNvPr>
+          <p:cNvSpPr txBox="1"/>
+          <p:nvPr/>
+        </p:nvSpPr>
+        <p:spPr>
+          <a:xfrm>
+            <a:off x="5030397" y="997388"/>
+            <a:ext cx="476888" cy="400110"/>
+          </a:xfrm>
+          <a:prstGeom prst="rect">
+            <a:avLst/>
+          </a:prstGeom>
+          <a:noFill/>
+        </p:spPr>
+        <p:txBody>
+          <a:bodyPr wrap="square" rtlCol="0">
+            <a:spAutoFit/>
+          </a:bodyPr>
+          <a:lstStyle/>
+          <a:p>
+            <a:r>
+              <a:rPr lang="en-US" altLang="zh-CN" sz="2000" b="1" dirty="0">
+                <a:solidFill>
+                  <a:schemeClr val="bg1"/>
+                </a:solidFill>
+                <a:latin typeface="宋体" panose="02010600030101010101" pitchFamily="2" charset="-122"/>
+                <a:ea typeface="宋体" panose="02010600030101010101" pitchFamily="2" charset="-122"/>
+              </a:rPr>
+              <a:t>52</a:t>
+            </a:r>
+            <a:endParaRPr lang="zh-CN" altLang="en-US" sz="2000" b="1" dirty="0">
+              <a:solidFill>
+                <a:schemeClr val="bg1"/>
+              </a:solidFill>
+              <a:latin typeface="宋体" panose="02010600030101010101" pitchFamily="2" charset="-122"/>
+              <a:ea typeface="宋体" panose="02010600030101010101" pitchFamily="2" charset="-122"/>
+            </a:endParaRPr>
+          </a:p>
+        </p:txBody>
+      </p:sp>
+      <p:sp>
+        <p:nvSpPr>
+          <p:cNvPr id="71" name="文本框 70">
+            <a:extLst>
+              <a:ext uri="{FF2B5EF4-FFF2-40B4-BE49-F238E27FC236}">
+                <a16:creationId xmlns:a16="http://schemas.microsoft.com/office/drawing/2014/main" id="{7CBEA73C-D33A-43A5-8B71-DEEF7B239876}"/>
+              </a:ext>
+            </a:extLst>
+          </p:cNvPr>
+          <p:cNvSpPr txBox="1"/>
+          <p:nvPr/>
+        </p:nvSpPr>
+        <p:spPr>
+          <a:xfrm>
+            <a:off x="4302591" y="1004938"/>
+            <a:ext cx="476888" cy="400110"/>
+          </a:xfrm>
+          <a:prstGeom prst="rect">
+            <a:avLst/>
+          </a:prstGeom>
+          <a:noFill/>
+        </p:spPr>
+        <p:txBody>
+          <a:bodyPr wrap="square" rtlCol="0">
+            <a:spAutoFit/>
+          </a:bodyPr>
+          <a:lstStyle/>
+          <a:p>
+            <a:r>
+              <a:rPr lang="en-US" altLang="zh-CN" sz="2000" b="1" dirty="0">
+                <a:solidFill>
+                  <a:schemeClr val="bg1"/>
+                </a:solidFill>
+                <a:latin typeface="宋体" panose="02010600030101010101" pitchFamily="2" charset="-122"/>
+                <a:ea typeface="宋体" panose="02010600030101010101" pitchFamily="2" charset="-122"/>
+              </a:rPr>
+              <a:t>53</a:t>
+            </a:r>
+            <a:endParaRPr lang="zh-CN" altLang="en-US" sz="2000" b="1" dirty="0">
+              <a:solidFill>
+                <a:schemeClr val="bg1"/>
+              </a:solidFill>
+              <a:latin typeface="宋体" panose="02010600030101010101" pitchFamily="2" charset="-122"/>
+              <a:ea typeface="宋体" panose="02010600030101010101" pitchFamily="2" charset="-122"/>
+            </a:endParaRPr>
+          </a:p>
+        </p:txBody>
+      </p:sp>
+      <p:sp>
+        <p:nvSpPr>
+          <p:cNvPr id="72" name="文本框 71">
+            <a:extLst>
+              <a:ext uri="{FF2B5EF4-FFF2-40B4-BE49-F238E27FC236}">
+                <a16:creationId xmlns:a16="http://schemas.microsoft.com/office/drawing/2014/main" id="{9716B03E-FCAF-4248-ABEF-00B52060AD00}"/>
+              </a:ext>
+            </a:extLst>
+          </p:cNvPr>
+          <p:cNvSpPr txBox="1"/>
+          <p:nvPr/>
+        </p:nvSpPr>
+        <p:spPr>
+          <a:xfrm>
+            <a:off x="7897090" y="4389106"/>
+            <a:ext cx="3902607" cy="1107996"/>
+          </a:xfrm>
+          <a:prstGeom prst="rect">
+            <a:avLst/>
+          </a:prstGeom>
+          <a:noFill/>
+        </p:spPr>
+        <p:txBody>
+          <a:bodyPr wrap="square" rtlCol="0">
+            <a:spAutoFit/>
+          </a:bodyPr>
+          <a:lstStyle/>
+          <a:p>
+            <a:r>
+              <a:rPr lang="en-US" altLang="zh-CN" sz="6600" b="1" dirty="0">
+                <a:latin typeface="宋体" panose="02010600030101010101" pitchFamily="2" charset="-122"/>
+                <a:ea typeface="宋体" panose="02010600030101010101" pitchFamily="2" charset="-122"/>
+              </a:rPr>
+              <a:t>END 60</a:t>
+            </a:r>
+            <a:endParaRPr lang="zh-CN" altLang="en-US" sz="6600" b="1" dirty="0">
+              <a:latin typeface="宋体" panose="02010600030101010101" pitchFamily="2" charset="-122"/>
+              <a:ea typeface="宋体" panose="02010600030101010101" pitchFamily="2" charset="-122"/>
+            </a:endParaRPr>
+          </a:p>
+        </p:txBody>
+      </p:sp>
+      <p:sp>
+        <p:nvSpPr>
+          <p:cNvPr id="73" name="文本框 72">
+            <a:extLst>
+              <a:ext uri="{FF2B5EF4-FFF2-40B4-BE49-F238E27FC236}">
+                <a16:creationId xmlns:a16="http://schemas.microsoft.com/office/drawing/2014/main" id="{AEA8F778-6542-4178-8C6C-EDF5DFA1D533}"/>
+              </a:ext>
+            </a:extLst>
+          </p:cNvPr>
+          <p:cNvSpPr txBox="1"/>
+          <p:nvPr/>
+        </p:nvSpPr>
+        <p:spPr>
+          <a:xfrm>
+            <a:off x="2206045" y="197483"/>
+            <a:ext cx="476888" cy="400110"/>
+          </a:xfrm>
+          <a:prstGeom prst="rect">
+            <a:avLst/>
+          </a:prstGeom>
+          <a:noFill/>
+        </p:spPr>
+        <p:txBody>
+          <a:bodyPr wrap="square" rtlCol="0">
+            <a:spAutoFit/>
+          </a:bodyPr>
+          <a:lstStyle/>
+          <a:p>
+            <a:r>
+              <a:rPr lang="en-US" altLang="zh-CN" sz="2000" b="1" dirty="0">
+                <a:solidFill>
+                  <a:schemeClr val="bg1"/>
+                </a:solidFill>
+                <a:latin typeface="宋体" panose="02010600030101010101" pitchFamily="2" charset="-122"/>
+                <a:ea typeface="宋体" panose="02010600030101010101" pitchFamily="2" charset="-122"/>
+              </a:rPr>
+              <a:t>58</a:t>
+            </a:r>
+            <a:endParaRPr lang="zh-CN" altLang="en-US" sz="2000" b="1" dirty="0">
+              <a:solidFill>
+                <a:schemeClr val="bg1"/>
+              </a:solidFill>
+              <a:latin typeface="宋体" panose="02010600030101010101" pitchFamily="2" charset="-122"/>
+              <a:ea typeface="宋体" panose="02010600030101010101" pitchFamily="2" charset="-122"/>
+            </a:endParaRPr>
+          </a:p>
+        </p:txBody>
+      </p:sp>
+      <p:sp>
+        <p:nvSpPr>
+          <p:cNvPr id="74" name="文本框 73">
+            <a:extLst>
+              <a:ext uri="{FF2B5EF4-FFF2-40B4-BE49-F238E27FC236}">
+                <a16:creationId xmlns:a16="http://schemas.microsoft.com/office/drawing/2014/main" id="{746E6164-791B-44C4-834F-6EEFF22F0B4A}"/>
+              </a:ext>
+            </a:extLst>
+          </p:cNvPr>
+          <p:cNvSpPr txBox="1"/>
+          <p:nvPr/>
+        </p:nvSpPr>
+        <p:spPr>
+          <a:xfrm>
+            <a:off x="6385947" y="5763218"/>
+            <a:ext cx="476888" cy="400110"/>
+          </a:xfrm>
+          <a:prstGeom prst="rect">
+            <a:avLst/>
+          </a:prstGeom>
+          <a:noFill/>
+        </p:spPr>
+        <p:txBody>
+          <a:bodyPr wrap="square" rtlCol="0">
+            <a:spAutoFit/>
+          </a:bodyPr>
+          <a:lstStyle/>
+          <a:p>
+            <a:r>
+              <a:rPr lang="en-US" altLang="zh-CN" sz="2000" b="1" dirty="0">
+                <a:solidFill>
+                  <a:schemeClr val="bg1"/>
+                </a:solidFill>
+                <a:latin typeface="宋体" panose="02010600030101010101" pitchFamily="2" charset="-122"/>
+                <a:ea typeface="宋体" panose="02010600030101010101" pitchFamily="2" charset="-122"/>
+              </a:rPr>
+              <a:t>59</a:t>
+            </a:r>
+            <a:endParaRPr lang="zh-CN" altLang="en-US" sz="2000" b="1" dirty="0">
+              <a:solidFill>
+                <a:schemeClr val="bg1"/>
+              </a:solidFill>
+              <a:latin typeface="宋体" panose="02010600030101010101" pitchFamily="2" charset="-122"/>
+              <a:ea typeface="宋体" panose="02010600030101010101" pitchFamily="2" charset="-122"/>
+            </a:endParaRPr>
+          </a:p>
+        </p:txBody>
+      </p:sp>
+      <p:sp>
+        <p:nvSpPr>
+          <p:cNvPr id="75" name="文本框 74">
+            <a:extLst>
+              <a:ext uri="{FF2B5EF4-FFF2-40B4-BE49-F238E27FC236}">
+                <a16:creationId xmlns:a16="http://schemas.microsoft.com/office/drawing/2014/main" id="{632D3136-BEBF-4A55-9974-282C267405EB}"/>
+              </a:ext>
+            </a:extLst>
+          </p:cNvPr>
+          <p:cNvSpPr txBox="1"/>
+          <p:nvPr/>
+        </p:nvSpPr>
+        <p:spPr>
+          <a:xfrm>
+            <a:off x="794005" y="3344600"/>
+            <a:ext cx="476888" cy="400110"/>
+          </a:xfrm>
+          <a:prstGeom prst="rect">
+            <a:avLst/>
+          </a:prstGeom>
+          <a:noFill/>
+        </p:spPr>
+        <p:txBody>
+          <a:bodyPr wrap="square" rtlCol="0">
+            <a:spAutoFit/>
+          </a:bodyPr>
+          <a:lstStyle/>
+          <a:p>
+            <a:r>
+              <a:rPr lang="en-US" altLang="zh-CN" sz="2000" b="1" dirty="0">
+                <a:solidFill>
+                  <a:schemeClr val="bg1"/>
+                </a:solidFill>
+                <a:latin typeface="宋体" panose="02010600030101010101" pitchFamily="2" charset="-122"/>
+                <a:ea typeface="宋体" panose="02010600030101010101" pitchFamily="2" charset="-122"/>
+              </a:rPr>
+              <a:t>60</a:t>
+            </a:r>
+            <a:endParaRPr lang="zh-CN" altLang="en-US" sz="2000" b="1" dirty="0">
+              <a:solidFill>
+                <a:schemeClr val="bg1"/>
+              </a:solidFill>
+              <a:latin typeface="宋体" panose="02010600030101010101" pitchFamily="2" charset="-122"/>
+              <a:ea typeface="宋体" panose="02010600030101010101" pitchFamily="2" charset="-122"/>
+            </a:endParaRPr>
+          </a:p>
+        </p:txBody>
+      </p:sp>
+    </p:spTree>
+    <p:extLst>
+      <p:ext uri="{BB962C8B-B14F-4D97-AF65-F5344CB8AC3E}">
+        <p14:creationId xmlns:p14="http://schemas.microsoft.com/office/powerpoint/2010/main" val="3430951789"/>
+      </p:ext>
+    </p:extLst>
+  </p:cSld>
+  <p:clrMapOvr>
+    <a:masterClrMapping/>
+  </p:clrMapOvr>
+</p:sld>
+</file>
+
+<file path=ppt/slides/slide3.xml><?xml version="1.0" encoding="utf-8"?>
+<p:sld xmlns:a="http://schemas.openxmlformats.org/drawingml/2006/main" xmlns:r="http://schemas.openxmlformats.org/officeDocument/2006/relationships" xmlns:p="http://schemas.openxmlformats.org/presentationml/2006/main">
+  <p:cSld>
+    <p:spTree>
+      <p:nvGrpSpPr>
+        <p:cNvPr id="1" name=""/>
+        <p:cNvGrpSpPr/>
+        <p:nvPr/>
+      </p:nvGrpSpPr>
+      <p:grpSpPr>
+        <a:xfrm>
+          <a:off x="0" y="0"/>
+          <a:ext cx="0" cy="0"/>
+          <a:chOff x="0" y="0"/>
+          <a:chExt cx="0" cy="0"/>
+        </a:xfrm>
+      </p:grpSpPr>
+      <p:sp>
+        <p:nvSpPr>
+          <p:cNvPr id="72" name="文本框 71">
+            <a:extLst>
+              <a:ext uri="{FF2B5EF4-FFF2-40B4-BE49-F238E27FC236}">
+                <a16:creationId xmlns:a16="http://schemas.microsoft.com/office/drawing/2014/main" id="{9716B03E-FCAF-4248-ABEF-00B52060AD00}"/>
+              </a:ext>
+            </a:extLst>
+          </p:cNvPr>
+          <p:cNvSpPr txBox="1"/>
+          <p:nvPr/>
+        </p:nvSpPr>
+        <p:spPr>
+          <a:xfrm>
+            <a:off x="7897090" y="4389106"/>
+            <a:ext cx="3902607" cy="1107996"/>
+          </a:xfrm>
+          <a:prstGeom prst="rect">
+            <a:avLst/>
+          </a:prstGeom>
+          <a:noFill/>
+        </p:spPr>
+        <p:txBody>
+          <a:bodyPr wrap="square" rtlCol="0">
+            <a:spAutoFit/>
+          </a:bodyPr>
+          <a:lstStyle/>
+          <a:p>
+            <a:r>
+              <a:rPr lang="en-US" altLang="zh-CN" sz="6600" b="1" dirty="0">
+                <a:latin typeface="宋体" panose="02010600030101010101" pitchFamily="2" charset="-122"/>
+                <a:ea typeface="宋体" panose="02010600030101010101" pitchFamily="2" charset="-122"/>
+              </a:rPr>
+              <a:t>END 88</a:t>
+            </a:r>
+            <a:endParaRPr lang="zh-CN" altLang="en-US" sz="6600" b="1" dirty="0">
+              <a:latin typeface="宋体" panose="02010600030101010101" pitchFamily="2" charset="-122"/>
+              <a:ea typeface="宋体" panose="02010600030101010101" pitchFamily="2" charset="-122"/>
+            </a:endParaRPr>
+          </a:p>
+        </p:txBody>
+      </p:sp>
+      <p:pic>
+        <p:nvPicPr>
+          <p:cNvPr id="75" name="图片 74">
+            <a:extLst>
+              <a:ext uri="{FF2B5EF4-FFF2-40B4-BE49-F238E27FC236}">
+                <a16:creationId xmlns:a16="http://schemas.microsoft.com/office/drawing/2014/main" id="{A4A7EF18-EBA4-4965-B944-F18D3B0860FD}"/>
+              </a:ext>
+            </a:extLst>
+          </p:cNvPr>
+          <p:cNvPicPr/>
+          <p:nvPr/>
+        </p:nvPicPr>
+        <p:blipFill>
+          <a:blip r:embed="rId2"/>
+          <a:srcRect/>
+          <a:stretch>
+            <a:fillRect/>
+          </a:stretch>
+        </p:blipFill>
+        <p:spPr bwMode="auto">
+          <a:xfrm>
+            <a:off x="0" y="0"/>
+            <a:ext cx="7020000" cy="6858000"/>
+          </a:xfrm>
+          <a:prstGeom prst="rect">
+            <a:avLst/>
+          </a:prstGeom>
+          <a:noFill/>
+          <a:ln w="9525">
+            <a:noFill/>
+            <a:miter lim="800000"/>
+            <a:headEnd/>
+            <a:tailEnd/>
+          </a:ln>
+        </p:spPr>
+      </p:pic>
+      <p:sp>
+        <p:nvSpPr>
+          <p:cNvPr id="76" name="文本框 75">
+            <a:extLst>
+              <a:ext uri="{FF2B5EF4-FFF2-40B4-BE49-F238E27FC236}">
+                <a16:creationId xmlns:a16="http://schemas.microsoft.com/office/drawing/2014/main" id="{B013C7DC-CF78-42D3-99B5-DF3052C0A10C}"/>
+              </a:ext>
+            </a:extLst>
+          </p:cNvPr>
+          <p:cNvSpPr txBox="1"/>
+          <p:nvPr/>
+        </p:nvSpPr>
+        <p:spPr>
+          <a:xfrm>
+            <a:off x="2695668" y="5437583"/>
+            <a:ext cx="476888" cy="400110"/>
+          </a:xfrm>
+          <a:prstGeom prst="rect">
+            <a:avLst/>
+          </a:prstGeom>
+          <a:noFill/>
+        </p:spPr>
+        <p:txBody>
+          <a:bodyPr wrap="square" rtlCol="0">
+            <a:spAutoFit/>
+          </a:bodyPr>
+          <a:lstStyle/>
+          <a:p>
+            <a:r>
+              <a:rPr lang="en-US" altLang="zh-CN" sz="2000" b="1" dirty="0">
+                <a:solidFill>
+                  <a:schemeClr val="bg1"/>
+                </a:solidFill>
+                <a:latin typeface="宋体" panose="02010600030101010101" pitchFamily="2" charset="-122"/>
+                <a:ea typeface="宋体" panose="02010600030101010101" pitchFamily="2" charset="-122"/>
+              </a:rPr>
+              <a:t>88</a:t>
+            </a:r>
+            <a:endParaRPr lang="zh-CN" altLang="en-US" sz="2000" b="1" dirty="0">
+              <a:solidFill>
+                <a:schemeClr val="bg1"/>
+              </a:solidFill>
+              <a:latin typeface="宋体" panose="02010600030101010101" pitchFamily="2" charset="-122"/>
+              <a:ea typeface="宋体" panose="02010600030101010101" pitchFamily="2" charset="-122"/>
+            </a:endParaRPr>
+          </a:p>
+        </p:txBody>
+      </p:sp>
+      <p:sp>
+        <p:nvSpPr>
+          <p:cNvPr id="77" name="文本框 76">
+            <a:extLst>
+              <a:ext uri="{FF2B5EF4-FFF2-40B4-BE49-F238E27FC236}">
+                <a16:creationId xmlns:a16="http://schemas.microsoft.com/office/drawing/2014/main" id="{EAF03DE7-4A41-4199-9AB4-19ADA888A9EB}"/>
+              </a:ext>
+            </a:extLst>
+          </p:cNvPr>
+          <p:cNvSpPr txBox="1"/>
+          <p:nvPr/>
+        </p:nvSpPr>
+        <p:spPr>
+          <a:xfrm>
+            <a:off x="471581" y="3846908"/>
+            <a:ext cx="476888" cy="400110"/>
+          </a:xfrm>
+          <a:prstGeom prst="rect">
+            <a:avLst/>
+          </a:prstGeom>
+          <a:noFill/>
+        </p:spPr>
+        <p:txBody>
+          <a:bodyPr wrap="square" rtlCol="0">
+            <a:spAutoFit/>
+          </a:bodyPr>
+          <a:lstStyle/>
+          <a:p>
+            <a:r>
+              <a:rPr lang="en-US" altLang="zh-CN" sz="2000" b="1" dirty="0">
+                <a:solidFill>
+                  <a:schemeClr val="bg1"/>
+                </a:solidFill>
+                <a:latin typeface="宋体" panose="02010600030101010101" pitchFamily="2" charset="-122"/>
+                <a:ea typeface="宋体" panose="02010600030101010101" pitchFamily="2" charset="-122"/>
+              </a:rPr>
+              <a:t>61</a:t>
+            </a:r>
+            <a:endParaRPr lang="zh-CN" altLang="en-US" sz="2000" b="1" dirty="0">
+              <a:solidFill>
+                <a:schemeClr val="bg1"/>
+              </a:solidFill>
+              <a:latin typeface="宋体" panose="02010600030101010101" pitchFamily="2" charset="-122"/>
+              <a:ea typeface="宋体" panose="02010600030101010101" pitchFamily="2" charset="-122"/>
+            </a:endParaRPr>
+          </a:p>
+        </p:txBody>
+      </p:sp>
+      <p:sp>
+        <p:nvSpPr>
+          <p:cNvPr id="78" name="文本框 77">
+            <a:extLst>
+              <a:ext uri="{FF2B5EF4-FFF2-40B4-BE49-F238E27FC236}">
+                <a16:creationId xmlns:a16="http://schemas.microsoft.com/office/drawing/2014/main" id="{315C8DAC-BF2E-4FF8-AE99-98F7B17EC91F}"/>
+              </a:ext>
+            </a:extLst>
+          </p:cNvPr>
+          <p:cNvSpPr txBox="1"/>
+          <p:nvPr/>
+        </p:nvSpPr>
+        <p:spPr>
+          <a:xfrm>
+            <a:off x="514444" y="3228945"/>
+            <a:ext cx="476888" cy="400110"/>
+          </a:xfrm>
+          <a:prstGeom prst="rect">
+            <a:avLst/>
+          </a:prstGeom>
+          <a:noFill/>
+        </p:spPr>
+        <p:txBody>
+          <a:bodyPr wrap="square" rtlCol="0">
+            <a:spAutoFit/>
+          </a:bodyPr>
+          <a:lstStyle/>
+          <a:p>
+            <a:r>
+              <a:rPr lang="en-US" altLang="zh-CN" sz="2000" b="1" dirty="0">
+                <a:solidFill>
+                  <a:schemeClr val="bg1"/>
+                </a:solidFill>
+                <a:latin typeface="宋体" panose="02010600030101010101" pitchFamily="2" charset="-122"/>
+                <a:ea typeface="宋体" panose="02010600030101010101" pitchFamily="2" charset="-122"/>
+              </a:rPr>
+              <a:t>62</a:t>
+            </a:r>
+            <a:endParaRPr lang="zh-CN" altLang="en-US" sz="2000" b="1" dirty="0">
+              <a:solidFill>
+                <a:schemeClr val="bg1"/>
+              </a:solidFill>
+              <a:latin typeface="宋体" panose="02010600030101010101" pitchFamily="2" charset="-122"/>
+              <a:ea typeface="宋体" panose="02010600030101010101" pitchFamily="2" charset="-122"/>
+            </a:endParaRPr>
+          </a:p>
+        </p:txBody>
+      </p:sp>
+      <p:sp>
+        <p:nvSpPr>
+          <p:cNvPr id="79" name="文本框 78">
+            <a:extLst>
+              <a:ext uri="{FF2B5EF4-FFF2-40B4-BE49-F238E27FC236}">
+                <a16:creationId xmlns:a16="http://schemas.microsoft.com/office/drawing/2014/main" id="{4583EAC2-8A3B-4FE8-AEFB-0D5ACAA4DC1D}"/>
+              </a:ext>
+            </a:extLst>
+          </p:cNvPr>
+          <p:cNvSpPr txBox="1"/>
+          <p:nvPr/>
+        </p:nvSpPr>
+        <p:spPr>
+          <a:xfrm>
+            <a:off x="1705069" y="3223572"/>
+            <a:ext cx="476888" cy="400110"/>
+          </a:xfrm>
+          <a:prstGeom prst="rect">
+            <a:avLst/>
+          </a:prstGeom>
+          <a:noFill/>
+        </p:spPr>
+        <p:txBody>
+          <a:bodyPr wrap="square" rtlCol="0">
+            <a:spAutoFit/>
+          </a:bodyPr>
+          <a:lstStyle/>
+          <a:p>
+            <a:r>
+              <a:rPr lang="en-US" altLang="zh-CN" sz="2000" b="1" dirty="0">
+                <a:solidFill>
+                  <a:schemeClr val="bg1"/>
+                </a:solidFill>
+                <a:latin typeface="宋体" panose="02010600030101010101" pitchFamily="2" charset="-122"/>
+                <a:ea typeface="宋体" panose="02010600030101010101" pitchFamily="2" charset="-122"/>
+              </a:rPr>
+              <a:t>63</a:t>
+            </a:r>
+            <a:endParaRPr lang="zh-CN" altLang="en-US" sz="2000" b="1" dirty="0">
+              <a:solidFill>
+                <a:schemeClr val="bg1"/>
+              </a:solidFill>
+              <a:latin typeface="宋体" panose="02010600030101010101" pitchFamily="2" charset="-122"/>
+              <a:ea typeface="宋体" panose="02010600030101010101" pitchFamily="2" charset="-122"/>
+            </a:endParaRPr>
+          </a:p>
+        </p:txBody>
+      </p:sp>
+      <p:sp>
+        <p:nvSpPr>
+          <p:cNvPr id="80" name="文本框 79">
+            <a:extLst>
+              <a:ext uri="{FF2B5EF4-FFF2-40B4-BE49-F238E27FC236}">
+                <a16:creationId xmlns:a16="http://schemas.microsoft.com/office/drawing/2014/main" id="{43573FDB-8E18-43C1-AEDD-1A9E5868E5D9}"/>
+              </a:ext>
+            </a:extLst>
+          </p:cNvPr>
+          <p:cNvSpPr txBox="1"/>
+          <p:nvPr/>
+        </p:nvSpPr>
+        <p:spPr>
+          <a:xfrm>
+            <a:off x="2667178" y="3446798"/>
+            <a:ext cx="476888" cy="400110"/>
+          </a:xfrm>
+          <a:prstGeom prst="rect">
+            <a:avLst/>
+          </a:prstGeom>
+          <a:noFill/>
+        </p:spPr>
+        <p:txBody>
+          <a:bodyPr wrap="square" rtlCol="0">
+            <a:spAutoFit/>
+          </a:bodyPr>
+          <a:lstStyle/>
+          <a:p>
+            <a:r>
+              <a:rPr lang="en-US" altLang="zh-CN" sz="2000" b="1" dirty="0">
+                <a:solidFill>
+                  <a:schemeClr val="bg1"/>
+                </a:solidFill>
+                <a:latin typeface="宋体" panose="02010600030101010101" pitchFamily="2" charset="-122"/>
+                <a:ea typeface="宋体" panose="02010600030101010101" pitchFamily="2" charset="-122"/>
+              </a:rPr>
+              <a:t>64</a:t>
+            </a:r>
+            <a:endParaRPr lang="zh-CN" altLang="en-US" sz="2000" b="1" dirty="0">
+              <a:solidFill>
+                <a:schemeClr val="bg1"/>
+              </a:solidFill>
+              <a:latin typeface="宋体" panose="02010600030101010101" pitchFamily="2" charset="-122"/>
+              <a:ea typeface="宋体" panose="02010600030101010101" pitchFamily="2" charset="-122"/>
+            </a:endParaRPr>
+          </a:p>
+        </p:txBody>
+      </p:sp>
+      <p:sp>
+        <p:nvSpPr>
+          <p:cNvPr id="81" name="文本框 80">
+            <a:extLst>
+              <a:ext uri="{FF2B5EF4-FFF2-40B4-BE49-F238E27FC236}">
+                <a16:creationId xmlns:a16="http://schemas.microsoft.com/office/drawing/2014/main" id="{4B1E3AF3-151B-4752-8224-8285F442E2AD}"/>
+              </a:ext>
+            </a:extLst>
+          </p:cNvPr>
+          <p:cNvSpPr txBox="1"/>
+          <p:nvPr/>
+        </p:nvSpPr>
+        <p:spPr>
+          <a:xfrm>
+            <a:off x="3339488" y="3423627"/>
+            <a:ext cx="476888" cy="400110"/>
+          </a:xfrm>
+          <a:prstGeom prst="rect">
+            <a:avLst/>
+          </a:prstGeom>
+          <a:noFill/>
+        </p:spPr>
+        <p:txBody>
+          <a:bodyPr wrap="square" rtlCol="0">
+            <a:spAutoFit/>
+          </a:bodyPr>
+          <a:lstStyle/>
+          <a:p>
+            <a:r>
+              <a:rPr lang="en-US" altLang="zh-CN" sz="2000" b="1" dirty="0">
+                <a:solidFill>
+                  <a:schemeClr val="bg1"/>
+                </a:solidFill>
+                <a:latin typeface="宋体" panose="02010600030101010101" pitchFamily="2" charset="-122"/>
+                <a:ea typeface="宋体" panose="02010600030101010101" pitchFamily="2" charset="-122"/>
+              </a:rPr>
+              <a:t>65</a:t>
+            </a:r>
+            <a:endParaRPr lang="zh-CN" altLang="en-US" sz="2000" b="1" dirty="0">
+              <a:solidFill>
+                <a:schemeClr val="bg1"/>
+              </a:solidFill>
+              <a:latin typeface="宋体" panose="02010600030101010101" pitchFamily="2" charset="-122"/>
+              <a:ea typeface="宋体" panose="02010600030101010101" pitchFamily="2" charset="-122"/>
+            </a:endParaRPr>
+          </a:p>
+        </p:txBody>
+      </p:sp>
+      <p:sp>
+        <p:nvSpPr>
+          <p:cNvPr id="82" name="文本框 81">
+            <a:extLst>
+              <a:ext uri="{FF2B5EF4-FFF2-40B4-BE49-F238E27FC236}">
+                <a16:creationId xmlns:a16="http://schemas.microsoft.com/office/drawing/2014/main" id="{0C0B7F18-AA9D-4F18-B76B-64DFB112AF51}"/>
+              </a:ext>
+            </a:extLst>
+          </p:cNvPr>
+          <p:cNvSpPr txBox="1"/>
+          <p:nvPr/>
+        </p:nvSpPr>
+        <p:spPr>
+          <a:xfrm>
+            <a:off x="5619154" y="2485415"/>
+            <a:ext cx="476888" cy="400110"/>
+          </a:xfrm>
+          <a:prstGeom prst="rect">
+            <a:avLst/>
+          </a:prstGeom>
+          <a:noFill/>
+        </p:spPr>
+        <p:txBody>
+          <a:bodyPr wrap="square" rtlCol="0">
+            <a:spAutoFit/>
+          </a:bodyPr>
+          <a:lstStyle/>
+          <a:p>
+            <a:r>
+              <a:rPr lang="en-US" altLang="zh-CN" sz="2000" b="1" dirty="0">
+                <a:solidFill>
+                  <a:schemeClr val="bg1"/>
+                </a:solidFill>
+                <a:latin typeface="宋体" panose="02010600030101010101" pitchFamily="2" charset="-122"/>
+                <a:ea typeface="宋体" panose="02010600030101010101" pitchFamily="2" charset="-122"/>
+              </a:rPr>
+              <a:t>66</a:t>
+            </a:r>
+            <a:endParaRPr lang="zh-CN" altLang="en-US" sz="2000" b="1" dirty="0">
+              <a:solidFill>
+                <a:schemeClr val="bg1"/>
+              </a:solidFill>
+              <a:latin typeface="宋体" panose="02010600030101010101" pitchFamily="2" charset="-122"/>
+              <a:ea typeface="宋体" panose="02010600030101010101" pitchFamily="2" charset="-122"/>
+            </a:endParaRPr>
+          </a:p>
+        </p:txBody>
+      </p:sp>
+      <p:sp>
+        <p:nvSpPr>
+          <p:cNvPr id="83" name="文本框 82">
+            <a:extLst>
+              <a:ext uri="{FF2B5EF4-FFF2-40B4-BE49-F238E27FC236}">
+                <a16:creationId xmlns:a16="http://schemas.microsoft.com/office/drawing/2014/main" id="{4AE0F470-73C5-48CC-8B07-7BF04CBF7CEF}"/>
+              </a:ext>
+            </a:extLst>
+          </p:cNvPr>
+          <p:cNvSpPr txBox="1"/>
+          <p:nvPr/>
+        </p:nvSpPr>
+        <p:spPr>
+          <a:xfrm>
+            <a:off x="5895379" y="972798"/>
+            <a:ext cx="476888" cy="400110"/>
+          </a:xfrm>
+          <a:prstGeom prst="rect">
+            <a:avLst/>
+          </a:prstGeom>
+          <a:noFill/>
+        </p:spPr>
+        <p:txBody>
+          <a:bodyPr wrap="square" rtlCol="0">
+            <a:spAutoFit/>
+          </a:bodyPr>
+          <a:lstStyle/>
+          <a:p>
+            <a:r>
+              <a:rPr lang="en-US" altLang="zh-CN" sz="2000" b="1" dirty="0">
+                <a:solidFill>
+                  <a:schemeClr val="bg1"/>
+                </a:solidFill>
+                <a:latin typeface="宋体" panose="02010600030101010101" pitchFamily="2" charset="-122"/>
+                <a:ea typeface="宋体" panose="02010600030101010101" pitchFamily="2" charset="-122"/>
+              </a:rPr>
+              <a:t>67</a:t>
+            </a:r>
+            <a:endParaRPr lang="zh-CN" altLang="en-US" sz="2000" b="1" dirty="0">
+              <a:solidFill>
+                <a:schemeClr val="bg1"/>
+              </a:solidFill>
+              <a:latin typeface="宋体" panose="02010600030101010101" pitchFamily="2" charset="-122"/>
+              <a:ea typeface="宋体" panose="02010600030101010101" pitchFamily="2" charset="-122"/>
+            </a:endParaRPr>
+          </a:p>
+        </p:txBody>
+      </p:sp>
+      <p:sp>
+        <p:nvSpPr>
+          <p:cNvPr id="84" name="文本框 83">
+            <a:extLst>
+              <a:ext uri="{FF2B5EF4-FFF2-40B4-BE49-F238E27FC236}">
+                <a16:creationId xmlns:a16="http://schemas.microsoft.com/office/drawing/2014/main" id="{43DD372B-62F9-493B-936F-2E679458D5AC}"/>
+              </a:ext>
+            </a:extLst>
+          </p:cNvPr>
+          <p:cNvSpPr txBox="1"/>
+          <p:nvPr/>
+        </p:nvSpPr>
+        <p:spPr>
+          <a:xfrm>
+            <a:off x="6191848" y="2085305"/>
+            <a:ext cx="476888" cy="400110"/>
+          </a:xfrm>
+          <a:prstGeom prst="rect">
+            <a:avLst/>
+          </a:prstGeom>
+          <a:noFill/>
+        </p:spPr>
+        <p:txBody>
+          <a:bodyPr wrap="square" rtlCol="0">
+            <a:spAutoFit/>
+          </a:bodyPr>
+          <a:lstStyle/>
+          <a:p>
+            <a:r>
+              <a:rPr lang="en-US" altLang="zh-CN" sz="2000" b="1" dirty="0">
+                <a:solidFill>
+                  <a:schemeClr val="bg1"/>
+                </a:solidFill>
+                <a:latin typeface="宋体" panose="02010600030101010101" pitchFamily="2" charset="-122"/>
+                <a:ea typeface="宋体" panose="02010600030101010101" pitchFamily="2" charset="-122"/>
+              </a:rPr>
+              <a:t>68</a:t>
+            </a:r>
+            <a:endParaRPr lang="zh-CN" altLang="en-US" sz="2000" b="1" dirty="0">
+              <a:solidFill>
+                <a:schemeClr val="bg1"/>
+              </a:solidFill>
+              <a:latin typeface="宋体" panose="02010600030101010101" pitchFamily="2" charset="-122"/>
+              <a:ea typeface="宋体" panose="02010600030101010101" pitchFamily="2" charset="-122"/>
+            </a:endParaRPr>
+          </a:p>
+        </p:txBody>
+      </p:sp>
+      <p:sp>
+        <p:nvSpPr>
+          <p:cNvPr id="85" name="文本框 84">
+            <a:extLst>
+              <a:ext uri="{FF2B5EF4-FFF2-40B4-BE49-F238E27FC236}">
+                <a16:creationId xmlns:a16="http://schemas.microsoft.com/office/drawing/2014/main" id="{E4B0545F-8FD9-456F-B1CB-32A4CFA99D10}"/>
+              </a:ext>
+            </a:extLst>
+          </p:cNvPr>
+          <p:cNvSpPr txBox="1"/>
+          <p:nvPr/>
+        </p:nvSpPr>
+        <p:spPr>
+          <a:xfrm>
+            <a:off x="6191848" y="2692788"/>
+            <a:ext cx="476888" cy="400110"/>
+          </a:xfrm>
+          <a:prstGeom prst="rect">
+            <a:avLst/>
+          </a:prstGeom>
+          <a:noFill/>
+        </p:spPr>
+        <p:txBody>
+          <a:bodyPr wrap="square" rtlCol="0">
+            <a:spAutoFit/>
+          </a:bodyPr>
+          <a:lstStyle/>
+          <a:p>
+            <a:r>
+              <a:rPr lang="en-US" altLang="zh-CN" sz="2000" b="1" dirty="0">
+                <a:solidFill>
+                  <a:schemeClr val="bg1"/>
+                </a:solidFill>
+                <a:latin typeface="宋体" panose="02010600030101010101" pitchFamily="2" charset="-122"/>
+                <a:ea typeface="宋体" panose="02010600030101010101" pitchFamily="2" charset="-122"/>
+              </a:rPr>
+              <a:t>69</a:t>
+            </a:r>
+            <a:endParaRPr lang="zh-CN" altLang="en-US" sz="2000" b="1" dirty="0">
+              <a:solidFill>
+                <a:schemeClr val="bg1"/>
+              </a:solidFill>
+              <a:latin typeface="宋体" panose="02010600030101010101" pitchFamily="2" charset="-122"/>
+              <a:ea typeface="宋体" panose="02010600030101010101" pitchFamily="2" charset="-122"/>
+            </a:endParaRPr>
+          </a:p>
+        </p:txBody>
+      </p:sp>
+      <p:sp>
+        <p:nvSpPr>
+          <p:cNvPr id="86" name="文本框 85">
+            <a:extLst>
+              <a:ext uri="{FF2B5EF4-FFF2-40B4-BE49-F238E27FC236}">
+                <a16:creationId xmlns:a16="http://schemas.microsoft.com/office/drawing/2014/main" id="{84840387-2B8D-4575-A0E2-890944C9F566}"/>
+              </a:ext>
+            </a:extLst>
+          </p:cNvPr>
+          <p:cNvSpPr txBox="1"/>
+          <p:nvPr/>
+        </p:nvSpPr>
+        <p:spPr>
+          <a:xfrm>
+            <a:off x="6191848" y="3364993"/>
+            <a:ext cx="476888" cy="400110"/>
+          </a:xfrm>
+          <a:prstGeom prst="rect">
+            <a:avLst/>
+          </a:prstGeom>
+          <a:noFill/>
+        </p:spPr>
+        <p:txBody>
+          <a:bodyPr wrap="square" rtlCol="0">
+            <a:spAutoFit/>
+          </a:bodyPr>
+          <a:lstStyle/>
+          <a:p>
+            <a:r>
+              <a:rPr lang="en-US" altLang="zh-CN" sz="2000" b="1" dirty="0">
+                <a:solidFill>
+                  <a:schemeClr val="bg1"/>
+                </a:solidFill>
+                <a:latin typeface="宋体" panose="02010600030101010101" pitchFamily="2" charset="-122"/>
+                <a:ea typeface="宋体" panose="02010600030101010101" pitchFamily="2" charset="-122"/>
+              </a:rPr>
+              <a:t>70</a:t>
+            </a:r>
+            <a:endParaRPr lang="zh-CN" altLang="en-US" sz="2000" b="1" dirty="0">
+              <a:solidFill>
+                <a:schemeClr val="bg1"/>
+              </a:solidFill>
+              <a:latin typeface="宋体" panose="02010600030101010101" pitchFamily="2" charset="-122"/>
+              <a:ea typeface="宋体" panose="02010600030101010101" pitchFamily="2" charset="-122"/>
+            </a:endParaRPr>
+          </a:p>
+        </p:txBody>
+      </p:sp>
+      <p:sp>
+        <p:nvSpPr>
+          <p:cNvPr id="87" name="文本框 86">
+            <a:extLst>
+              <a:ext uri="{FF2B5EF4-FFF2-40B4-BE49-F238E27FC236}">
+                <a16:creationId xmlns:a16="http://schemas.microsoft.com/office/drawing/2014/main" id="{D85E9944-A8B4-44E8-9D71-B983968DB364}"/>
+              </a:ext>
+            </a:extLst>
+          </p:cNvPr>
+          <p:cNvSpPr txBox="1"/>
+          <p:nvPr/>
+        </p:nvSpPr>
+        <p:spPr>
+          <a:xfrm>
+            <a:off x="3577932" y="2217231"/>
+            <a:ext cx="476888" cy="400110"/>
+          </a:xfrm>
+          <a:prstGeom prst="rect">
+            <a:avLst/>
+          </a:prstGeom>
+          <a:noFill/>
+        </p:spPr>
+        <p:txBody>
+          <a:bodyPr wrap="square" rtlCol="0">
+            <a:spAutoFit/>
+          </a:bodyPr>
+          <a:lstStyle/>
+          <a:p>
+            <a:r>
+              <a:rPr lang="en-US" altLang="zh-CN" sz="2000" b="1" dirty="0">
+                <a:solidFill>
+                  <a:schemeClr val="bg1"/>
+                </a:solidFill>
+                <a:latin typeface="宋体" panose="02010600030101010101" pitchFamily="2" charset="-122"/>
+                <a:ea typeface="宋体" panose="02010600030101010101" pitchFamily="2" charset="-122"/>
+              </a:rPr>
+              <a:t>71</a:t>
+            </a:r>
+            <a:endParaRPr lang="zh-CN" altLang="en-US" sz="2000" b="1" dirty="0">
+              <a:solidFill>
+                <a:schemeClr val="bg1"/>
+              </a:solidFill>
+              <a:latin typeface="宋体" panose="02010600030101010101" pitchFamily="2" charset="-122"/>
+              <a:ea typeface="宋体" panose="02010600030101010101" pitchFamily="2" charset="-122"/>
+            </a:endParaRPr>
+          </a:p>
+        </p:txBody>
+      </p:sp>
+      <p:sp>
+        <p:nvSpPr>
+          <p:cNvPr id="88" name="文本框 87">
+            <a:extLst>
+              <a:ext uri="{FF2B5EF4-FFF2-40B4-BE49-F238E27FC236}">
+                <a16:creationId xmlns:a16="http://schemas.microsoft.com/office/drawing/2014/main" id="{14BD742E-925F-4A3C-A548-4C220DDE8DCE}"/>
+              </a:ext>
+            </a:extLst>
+          </p:cNvPr>
+          <p:cNvSpPr txBox="1"/>
+          <p:nvPr/>
+        </p:nvSpPr>
+        <p:spPr>
+          <a:xfrm>
+            <a:off x="1228181" y="1903630"/>
+            <a:ext cx="476888" cy="400110"/>
+          </a:xfrm>
+          <a:prstGeom prst="rect">
+            <a:avLst/>
+          </a:prstGeom>
+          <a:noFill/>
+        </p:spPr>
+        <p:txBody>
+          <a:bodyPr wrap="square" rtlCol="0">
+            <a:spAutoFit/>
+          </a:bodyPr>
+          <a:lstStyle/>
+          <a:p>
+            <a:r>
+              <a:rPr lang="en-US" altLang="zh-CN" sz="2000" b="1" dirty="0">
+                <a:solidFill>
+                  <a:schemeClr val="bg1"/>
+                </a:solidFill>
+                <a:latin typeface="宋体" panose="02010600030101010101" pitchFamily="2" charset="-122"/>
+                <a:ea typeface="宋体" panose="02010600030101010101" pitchFamily="2" charset="-122"/>
+              </a:rPr>
+              <a:t>72</a:t>
+            </a:r>
+            <a:endParaRPr lang="zh-CN" altLang="en-US" sz="2000" b="1" dirty="0">
+              <a:solidFill>
+                <a:schemeClr val="bg1"/>
+              </a:solidFill>
+              <a:latin typeface="宋体" panose="02010600030101010101" pitchFamily="2" charset="-122"/>
+              <a:ea typeface="宋体" panose="02010600030101010101" pitchFamily="2" charset="-122"/>
+            </a:endParaRPr>
+          </a:p>
+        </p:txBody>
+      </p:sp>
+      <p:sp>
+        <p:nvSpPr>
+          <p:cNvPr id="89" name="文本框 88">
+            <a:extLst>
+              <a:ext uri="{FF2B5EF4-FFF2-40B4-BE49-F238E27FC236}">
+                <a16:creationId xmlns:a16="http://schemas.microsoft.com/office/drawing/2014/main" id="{DA8C6375-68C4-4FB5-8084-2672616985CC}"/>
+              </a:ext>
+            </a:extLst>
+          </p:cNvPr>
+          <p:cNvSpPr txBox="1"/>
+          <p:nvPr/>
+        </p:nvSpPr>
+        <p:spPr>
+          <a:xfrm>
+            <a:off x="1219306" y="1298793"/>
+            <a:ext cx="476888" cy="400110"/>
+          </a:xfrm>
+          <a:prstGeom prst="rect">
+            <a:avLst/>
+          </a:prstGeom>
+          <a:noFill/>
+        </p:spPr>
+        <p:txBody>
+          <a:bodyPr wrap="square" rtlCol="0">
+            <a:spAutoFit/>
+          </a:bodyPr>
+          <a:lstStyle/>
+          <a:p>
+            <a:r>
+              <a:rPr lang="en-US" altLang="zh-CN" sz="2000" b="1" dirty="0">
+                <a:solidFill>
+                  <a:schemeClr val="bg1"/>
+                </a:solidFill>
+                <a:latin typeface="宋体" panose="02010600030101010101" pitchFamily="2" charset="-122"/>
+                <a:ea typeface="宋体" panose="02010600030101010101" pitchFamily="2" charset="-122"/>
+              </a:rPr>
+              <a:t>73</a:t>
+            </a:r>
+            <a:endParaRPr lang="zh-CN" altLang="en-US" sz="2000" b="1" dirty="0">
+              <a:solidFill>
+                <a:schemeClr val="bg1"/>
+              </a:solidFill>
+              <a:latin typeface="宋体" panose="02010600030101010101" pitchFamily="2" charset="-122"/>
+              <a:ea typeface="宋体" panose="02010600030101010101" pitchFamily="2" charset="-122"/>
+            </a:endParaRPr>
+          </a:p>
+        </p:txBody>
+      </p:sp>
+      <p:sp>
+        <p:nvSpPr>
+          <p:cNvPr id="90" name="文本框 89">
+            <a:extLst>
+              <a:ext uri="{FF2B5EF4-FFF2-40B4-BE49-F238E27FC236}">
+                <a16:creationId xmlns:a16="http://schemas.microsoft.com/office/drawing/2014/main" id="{24EEA2DF-D100-47DD-8508-53D3A3386002}"/>
+              </a:ext>
+            </a:extLst>
+          </p:cNvPr>
+          <p:cNvSpPr txBox="1"/>
+          <p:nvPr/>
+        </p:nvSpPr>
+        <p:spPr>
+          <a:xfrm>
+            <a:off x="980862" y="597277"/>
+            <a:ext cx="476888" cy="400110"/>
+          </a:xfrm>
+          <a:prstGeom prst="rect">
+            <a:avLst/>
+          </a:prstGeom>
+          <a:noFill/>
+        </p:spPr>
+        <p:txBody>
+          <a:bodyPr wrap="square" rtlCol="0">
+            <a:spAutoFit/>
+          </a:bodyPr>
+          <a:lstStyle/>
+          <a:p>
+            <a:r>
+              <a:rPr lang="en-US" altLang="zh-CN" sz="2000" b="1" dirty="0">
+                <a:solidFill>
+                  <a:schemeClr val="bg1"/>
+                </a:solidFill>
+                <a:latin typeface="宋体" panose="02010600030101010101" pitchFamily="2" charset="-122"/>
+                <a:ea typeface="宋体" panose="02010600030101010101" pitchFamily="2" charset="-122"/>
+              </a:rPr>
+              <a:t>74</a:t>
+            </a:r>
+            <a:endParaRPr lang="zh-CN" altLang="en-US" sz="2000" b="1" dirty="0">
+              <a:solidFill>
+                <a:schemeClr val="bg1"/>
+              </a:solidFill>
+              <a:latin typeface="宋体" panose="02010600030101010101" pitchFamily="2" charset="-122"/>
+              <a:ea typeface="宋体" panose="02010600030101010101" pitchFamily="2" charset="-122"/>
+            </a:endParaRPr>
+          </a:p>
+        </p:txBody>
+      </p:sp>
+      <p:sp>
+        <p:nvSpPr>
+          <p:cNvPr id="91" name="文本框 90">
+            <a:extLst>
+              <a:ext uri="{FF2B5EF4-FFF2-40B4-BE49-F238E27FC236}">
+                <a16:creationId xmlns:a16="http://schemas.microsoft.com/office/drawing/2014/main" id="{5FA2A7CB-8375-48D3-A92C-5CBD2267C22A}"/>
+              </a:ext>
+            </a:extLst>
+          </p:cNvPr>
+          <p:cNvSpPr txBox="1"/>
+          <p:nvPr/>
+        </p:nvSpPr>
+        <p:spPr>
+          <a:xfrm>
+            <a:off x="760864" y="351650"/>
+            <a:ext cx="476888" cy="400110"/>
+          </a:xfrm>
+          <a:prstGeom prst="rect">
+            <a:avLst/>
+          </a:prstGeom>
+          <a:noFill/>
+        </p:spPr>
+        <p:txBody>
+          <a:bodyPr wrap="square" rtlCol="0">
+            <a:spAutoFit/>
+          </a:bodyPr>
+          <a:lstStyle/>
+          <a:p>
+            <a:r>
+              <a:rPr lang="en-US" altLang="zh-CN" sz="2000" b="1" dirty="0">
+                <a:solidFill>
+                  <a:schemeClr val="bg1"/>
+                </a:solidFill>
+                <a:latin typeface="宋体" panose="02010600030101010101" pitchFamily="2" charset="-122"/>
+                <a:ea typeface="宋体" panose="02010600030101010101" pitchFamily="2" charset="-122"/>
+              </a:rPr>
+              <a:t>75</a:t>
+            </a:r>
+            <a:endParaRPr lang="zh-CN" altLang="en-US" sz="2000" b="1" dirty="0">
+              <a:solidFill>
+                <a:schemeClr val="bg1"/>
+              </a:solidFill>
+              <a:latin typeface="宋体" panose="02010600030101010101" pitchFamily="2" charset="-122"/>
+              <a:ea typeface="宋体" panose="02010600030101010101" pitchFamily="2" charset="-122"/>
+            </a:endParaRPr>
+          </a:p>
+        </p:txBody>
+      </p:sp>
+      <p:sp>
+        <p:nvSpPr>
+          <p:cNvPr id="92" name="文本框 91">
+            <a:extLst>
+              <a:ext uri="{FF2B5EF4-FFF2-40B4-BE49-F238E27FC236}">
+                <a16:creationId xmlns:a16="http://schemas.microsoft.com/office/drawing/2014/main" id="{1672FB45-60D7-4869-9D88-F084F14CF62F}"/>
+              </a:ext>
+            </a:extLst>
+          </p:cNvPr>
+          <p:cNvSpPr txBox="1"/>
+          <p:nvPr/>
+        </p:nvSpPr>
+        <p:spPr>
+          <a:xfrm>
+            <a:off x="140663" y="972798"/>
+            <a:ext cx="476888" cy="400110"/>
+          </a:xfrm>
+          <a:prstGeom prst="rect">
+            <a:avLst/>
+          </a:prstGeom>
+          <a:noFill/>
+        </p:spPr>
+        <p:txBody>
+          <a:bodyPr wrap="square" rtlCol="0">
+            <a:spAutoFit/>
+          </a:bodyPr>
+          <a:lstStyle/>
+          <a:p>
+            <a:r>
+              <a:rPr lang="en-US" altLang="zh-CN" sz="2000" b="1" dirty="0">
+                <a:solidFill>
+                  <a:schemeClr val="bg1"/>
+                </a:solidFill>
+                <a:latin typeface="宋体" panose="02010600030101010101" pitchFamily="2" charset="-122"/>
+                <a:ea typeface="宋体" panose="02010600030101010101" pitchFamily="2" charset="-122"/>
+              </a:rPr>
+              <a:t>76</a:t>
+            </a:r>
+            <a:endParaRPr lang="zh-CN" altLang="en-US" sz="2000" b="1" dirty="0">
+              <a:solidFill>
+                <a:schemeClr val="bg1"/>
+              </a:solidFill>
+              <a:latin typeface="宋体" panose="02010600030101010101" pitchFamily="2" charset="-122"/>
+              <a:ea typeface="宋体" panose="02010600030101010101" pitchFamily="2" charset="-122"/>
+            </a:endParaRPr>
+          </a:p>
+        </p:txBody>
+      </p:sp>
+      <p:sp>
+        <p:nvSpPr>
+          <p:cNvPr id="93" name="文本框 92">
+            <a:extLst>
+              <a:ext uri="{FF2B5EF4-FFF2-40B4-BE49-F238E27FC236}">
+                <a16:creationId xmlns:a16="http://schemas.microsoft.com/office/drawing/2014/main" id="{0541EE98-5848-493F-895C-C9CD33218E2E}"/>
+              </a:ext>
+            </a:extLst>
+          </p:cNvPr>
+          <p:cNvSpPr txBox="1"/>
+          <p:nvPr/>
+        </p:nvSpPr>
+        <p:spPr>
+          <a:xfrm>
+            <a:off x="322319" y="271862"/>
+            <a:ext cx="476888" cy="400110"/>
+          </a:xfrm>
+          <a:prstGeom prst="rect">
+            <a:avLst/>
+          </a:prstGeom>
+          <a:noFill/>
+        </p:spPr>
+        <p:txBody>
+          <a:bodyPr wrap="square" rtlCol="0">
+            <a:spAutoFit/>
+          </a:bodyPr>
+          <a:lstStyle/>
+          <a:p>
+            <a:r>
+              <a:rPr lang="en-US" altLang="zh-CN" sz="2000" b="1" dirty="0">
+                <a:solidFill>
+                  <a:schemeClr val="bg1"/>
+                </a:solidFill>
+                <a:latin typeface="宋体" panose="02010600030101010101" pitchFamily="2" charset="-122"/>
+                <a:ea typeface="宋体" panose="02010600030101010101" pitchFamily="2" charset="-122"/>
+              </a:rPr>
+              <a:t>77</a:t>
+            </a:r>
+            <a:endParaRPr lang="zh-CN" altLang="en-US" sz="2000" b="1" dirty="0">
+              <a:solidFill>
+                <a:schemeClr val="bg1"/>
+              </a:solidFill>
+              <a:latin typeface="宋体" panose="02010600030101010101" pitchFamily="2" charset="-122"/>
+              <a:ea typeface="宋体" panose="02010600030101010101" pitchFamily="2" charset="-122"/>
+            </a:endParaRPr>
+          </a:p>
+        </p:txBody>
+      </p:sp>
+      <p:sp>
+        <p:nvSpPr>
+          <p:cNvPr id="94" name="文本框 93">
+            <a:extLst>
+              <a:ext uri="{FF2B5EF4-FFF2-40B4-BE49-F238E27FC236}">
+                <a16:creationId xmlns:a16="http://schemas.microsoft.com/office/drawing/2014/main" id="{B13C9443-9864-4F1C-A0BD-D19CBFBEC91B}"/>
+              </a:ext>
+            </a:extLst>
+          </p:cNvPr>
+          <p:cNvSpPr txBox="1"/>
+          <p:nvPr/>
+        </p:nvSpPr>
+        <p:spPr>
+          <a:xfrm>
+            <a:off x="4894319" y="4477867"/>
+            <a:ext cx="476888" cy="400110"/>
+          </a:xfrm>
+          <a:prstGeom prst="rect">
+            <a:avLst/>
+          </a:prstGeom>
+          <a:noFill/>
+        </p:spPr>
+        <p:txBody>
+          <a:bodyPr wrap="square" rtlCol="0">
+            <a:spAutoFit/>
+          </a:bodyPr>
+          <a:lstStyle/>
+          <a:p>
+            <a:r>
+              <a:rPr lang="en-US" altLang="zh-CN" sz="2000" b="1" dirty="0">
+                <a:solidFill>
+                  <a:schemeClr val="bg1"/>
+                </a:solidFill>
+                <a:latin typeface="宋体" panose="02010600030101010101" pitchFamily="2" charset="-122"/>
+                <a:ea typeface="宋体" panose="02010600030101010101" pitchFamily="2" charset="-122"/>
+              </a:rPr>
+              <a:t>78</a:t>
+            </a:r>
+            <a:endParaRPr lang="zh-CN" altLang="en-US" sz="2000" b="1" dirty="0">
+              <a:solidFill>
+                <a:schemeClr val="bg1"/>
+              </a:solidFill>
+              <a:latin typeface="宋体" panose="02010600030101010101" pitchFamily="2" charset="-122"/>
+              <a:ea typeface="宋体" panose="02010600030101010101" pitchFamily="2" charset="-122"/>
+            </a:endParaRPr>
+          </a:p>
+        </p:txBody>
+      </p:sp>
+      <p:sp>
+        <p:nvSpPr>
+          <p:cNvPr id="95" name="文本框 94">
+            <a:extLst>
+              <a:ext uri="{FF2B5EF4-FFF2-40B4-BE49-F238E27FC236}">
+                <a16:creationId xmlns:a16="http://schemas.microsoft.com/office/drawing/2014/main" id="{E1AB95F3-174E-4CF3-8CDB-E1890ED7D955}"/>
+              </a:ext>
+            </a:extLst>
+          </p:cNvPr>
+          <p:cNvSpPr txBox="1"/>
+          <p:nvPr/>
+        </p:nvSpPr>
+        <p:spPr>
+          <a:xfrm>
+            <a:off x="3870381" y="4877977"/>
+            <a:ext cx="476888" cy="400110"/>
+          </a:xfrm>
+          <a:prstGeom prst="rect">
+            <a:avLst/>
+          </a:prstGeom>
+          <a:noFill/>
+        </p:spPr>
+        <p:txBody>
+          <a:bodyPr wrap="square" rtlCol="0">
+            <a:spAutoFit/>
+          </a:bodyPr>
+          <a:lstStyle/>
+          <a:p>
+            <a:r>
+              <a:rPr lang="en-US" altLang="zh-CN" sz="2000" b="1" dirty="0">
+                <a:solidFill>
+                  <a:schemeClr val="bg1"/>
+                </a:solidFill>
+                <a:latin typeface="宋体" panose="02010600030101010101" pitchFamily="2" charset="-122"/>
+                <a:ea typeface="宋体" panose="02010600030101010101" pitchFamily="2" charset="-122"/>
+              </a:rPr>
+              <a:t>79</a:t>
+            </a:r>
+            <a:endParaRPr lang="zh-CN" altLang="en-US" sz="2000" b="1" dirty="0">
+              <a:solidFill>
+                <a:schemeClr val="bg1"/>
+              </a:solidFill>
+              <a:latin typeface="宋体" panose="02010600030101010101" pitchFamily="2" charset="-122"/>
+              <a:ea typeface="宋体" panose="02010600030101010101" pitchFamily="2" charset="-122"/>
+            </a:endParaRPr>
+          </a:p>
+        </p:txBody>
+      </p:sp>
+      <p:sp>
+        <p:nvSpPr>
+          <p:cNvPr id="96" name="文本框 95">
+            <a:extLst>
+              <a:ext uri="{FF2B5EF4-FFF2-40B4-BE49-F238E27FC236}">
+                <a16:creationId xmlns:a16="http://schemas.microsoft.com/office/drawing/2014/main" id="{85002B16-0A1D-49CE-A18F-7AA8705C1A83}"/>
+              </a:ext>
+            </a:extLst>
+          </p:cNvPr>
+          <p:cNvSpPr txBox="1"/>
+          <p:nvPr/>
+        </p:nvSpPr>
+        <p:spPr>
+          <a:xfrm>
+            <a:off x="5332864" y="4816065"/>
+            <a:ext cx="476888" cy="400110"/>
+          </a:xfrm>
+          <a:prstGeom prst="rect">
+            <a:avLst/>
+          </a:prstGeom>
+          <a:noFill/>
+        </p:spPr>
+        <p:txBody>
+          <a:bodyPr wrap="square" rtlCol="0">
+            <a:spAutoFit/>
+          </a:bodyPr>
+          <a:lstStyle/>
+          <a:p>
+            <a:r>
+              <a:rPr lang="en-US" altLang="zh-CN" sz="2000" b="1" dirty="0">
+                <a:solidFill>
+                  <a:schemeClr val="bg1"/>
+                </a:solidFill>
+                <a:latin typeface="宋体" panose="02010600030101010101" pitchFamily="2" charset="-122"/>
+                <a:ea typeface="宋体" panose="02010600030101010101" pitchFamily="2" charset="-122"/>
+              </a:rPr>
+              <a:t>80</a:t>
+            </a:r>
+            <a:endParaRPr lang="zh-CN" altLang="en-US" sz="2000" b="1" dirty="0">
+              <a:solidFill>
+                <a:schemeClr val="bg1"/>
+              </a:solidFill>
+              <a:latin typeface="宋体" panose="02010600030101010101" pitchFamily="2" charset="-122"/>
+              <a:ea typeface="宋体" panose="02010600030101010101" pitchFamily="2" charset="-122"/>
+            </a:endParaRPr>
+          </a:p>
+        </p:txBody>
+      </p:sp>
+      <p:sp>
+        <p:nvSpPr>
+          <p:cNvPr id="97" name="文本框 96">
+            <a:extLst>
+              <a:ext uri="{FF2B5EF4-FFF2-40B4-BE49-F238E27FC236}">
+                <a16:creationId xmlns:a16="http://schemas.microsoft.com/office/drawing/2014/main" id="{F2933619-E7D8-4F41-BADD-23A39F5CF807}"/>
+              </a:ext>
+            </a:extLst>
+          </p:cNvPr>
+          <p:cNvSpPr txBox="1"/>
+          <p:nvPr/>
+        </p:nvSpPr>
+        <p:spPr>
+          <a:xfrm>
+            <a:off x="4585152" y="5330415"/>
+            <a:ext cx="476888" cy="400110"/>
+          </a:xfrm>
+          <a:prstGeom prst="rect">
+            <a:avLst/>
+          </a:prstGeom>
+          <a:noFill/>
+        </p:spPr>
+        <p:txBody>
+          <a:bodyPr wrap="square" rtlCol="0">
+            <a:spAutoFit/>
+          </a:bodyPr>
+          <a:lstStyle/>
+          <a:p>
+            <a:r>
+              <a:rPr lang="en-US" altLang="zh-CN" sz="2000" b="1" dirty="0">
+                <a:solidFill>
+                  <a:schemeClr val="bg1"/>
+                </a:solidFill>
+                <a:latin typeface="宋体" panose="02010600030101010101" pitchFamily="2" charset="-122"/>
+                <a:ea typeface="宋体" panose="02010600030101010101" pitchFamily="2" charset="-122"/>
+              </a:rPr>
+              <a:t>81</a:t>
+            </a:r>
+            <a:endParaRPr lang="zh-CN" altLang="en-US" sz="2000" b="1" dirty="0">
+              <a:solidFill>
+                <a:schemeClr val="bg1"/>
+              </a:solidFill>
+              <a:latin typeface="宋体" panose="02010600030101010101" pitchFamily="2" charset="-122"/>
+              <a:ea typeface="宋体" panose="02010600030101010101" pitchFamily="2" charset="-122"/>
+            </a:endParaRPr>
+          </a:p>
+        </p:txBody>
+      </p:sp>
+      <p:sp>
+        <p:nvSpPr>
+          <p:cNvPr id="98" name="文本框 97">
+            <a:extLst>
+              <a:ext uri="{FF2B5EF4-FFF2-40B4-BE49-F238E27FC236}">
+                <a16:creationId xmlns:a16="http://schemas.microsoft.com/office/drawing/2014/main" id="{1F44933A-9202-4C03-848A-0E540D0A79EA}"/>
+              </a:ext>
+            </a:extLst>
+          </p:cNvPr>
+          <p:cNvSpPr txBox="1"/>
+          <p:nvPr/>
+        </p:nvSpPr>
+        <p:spPr>
+          <a:xfrm>
+            <a:off x="5251902" y="6030503"/>
+            <a:ext cx="476888" cy="400110"/>
+          </a:xfrm>
+          <a:prstGeom prst="rect">
+            <a:avLst/>
+          </a:prstGeom>
+          <a:noFill/>
+        </p:spPr>
+        <p:txBody>
+          <a:bodyPr wrap="square" rtlCol="0">
+            <a:spAutoFit/>
+          </a:bodyPr>
+          <a:lstStyle/>
+          <a:p>
+            <a:r>
+              <a:rPr lang="en-US" altLang="zh-CN" sz="2000" b="1" dirty="0">
+                <a:solidFill>
+                  <a:schemeClr val="bg1"/>
+                </a:solidFill>
+                <a:latin typeface="宋体" panose="02010600030101010101" pitchFamily="2" charset="-122"/>
+                <a:ea typeface="宋体" panose="02010600030101010101" pitchFamily="2" charset="-122"/>
+              </a:rPr>
+              <a:t>82</a:t>
+            </a:r>
+            <a:endParaRPr lang="zh-CN" altLang="en-US" sz="2000" b="1" dirty="0">
+              <a:solidFill>
+                <a:schemeClr val="bg1"/>
+              </a:solidFill>
+              <a:latin typeface="宋体" panose="02010600030101010101" pitchFamily="2" charset="-122"/>
+              <a:ea typeface="宋体" panose="02010600030101010101" pitchFamily="2" charset="-122"/>
+            </a:endParaRPr>
+          </a:p>
+        </p:txBody>
+      </p:sp>
+      <p:sp>
+        <p:nvSpPr>
+          <p:cNvPr id="99" name="文本框 98">
+            <a:extLst>
+              <a:ext uri="{FF2B5EF4-FFF2-40B4-BE49-F238E27FC236}">
+                <a16:creationId xmlns:a16="http://schemas.microsoft.com/office/drawing/2014/main" id="{70202CDC-EC2A-41B6-9477-CD36ACDE8B2B}"/>
+              </a:ext>
+            </a:extLst>
+          </p:cNvPr>
+          <p:cNvSpPr txBox="1"/>
+          <p:nvPr/>
+        </p:nvSpPr>
+        <p:spPr>
+          <a:xfrm>
+            <a:off x="4595943" y="6030503"/>
+            <a:ext cx="476888" cy="400110"/>
+          </a:xfrm>
+          <a:prstGeom prst="rect">
+            <a:avLst/>
+          </a:prstGeom>
+          <a:noFill/>
+        </p:spPr>
+        <p:txBody>
+          <a:bodyPr wrap="square" rtlCol="0">
+            <a:spAutoFit/>
+          </a:bodyPr>
+          <a:lstStyle/>
+          <a:p>
+            <a:r>
+              <a:rPr lang="en-US" altLang="zh-CN" sz="2000" b="1" dirty="0">
+                <a:solidFill>
+                  <a:schemeClr val="bg1"/>
+                </a:solidFill>
+                <a:latin typeface="宋体" panose="02010600030101010101" pitchFamily="2" charset="-122"/>
+                <a:ea typeface="宋体" panose="02010600030101010101" pitchFamily="2" charset="-122"/>
+              </a:rPr>
+              <a:t>83</a:t>
+            </a:r>
+            <a:endParaRPr lang="zh-CN" altLang="en-US" sz="2000" b="1" dirty="0">
+              <a:solidFill>
+                <a:schemeClr val="bg1"/>
+              </a:solidFill>
+              <a:latin typeface="宋体" panose="02010600030101010101" pitchFamily="2" charset="-122"/>
+              <a:ea typeface="宋体" panose="02010600030101010101" pitchFamily="2" charset="-122"/>
+            </a:endParaRPr>
+          </a:p>
+        </p:txBody>
+      </p:sp>
+      <p:sp>
+        <p:nvSpPr>
+          <p:cNvPr id="100" name="文本框 99">
+            <a:extLst>
+              <a:ext uri="{FF2B5EF4-FFF2-40B4-BE49-F238E27FC236}">
+                <a16:creationId xmlns:a16="http://schemas.microsoft.com/office/drawing/2014/main" id="{03178865-3BE0-4402-A544-757B3662FB30}"/>
+              </a:ext>
+            </a:extLst>
+          </p:cNvPr>
+          <p:cNvSpPr txBox="1"/>
+          <p:nvPr/>
+        </p:nvSpPr>
+        <p:spPr>
+          <a:xfrm>
+            <a:off x="4054820" y="5730525"/>
+            <a:ext cx="476888" cy="400110"/>
+          </a:xfrm>
+          <a:prstGeom prst="rect">
+            <a:avLst/>
+          </a:prstGeom>
+          <a:noFill/>
+        </p:spPr>
+        <p:txBody>
+          <a:bodyPr wrap="square" rtlCol="0">
+            <a:spAutoFit/>
+          </a:bodyPr>
+          <a:lstStyle/>
+          <a:p>
+            <a:r>
+              <a:rPr lang="en-US" altLang="zh-CN" sz="2000" b="1" dirty="0">
+                <a:solidFill>
+                  <a:schemeClr val="bg1"/>
+                </a:solidFill>
+                <a:latin typeface="宋体" panose="02010600030101010101" pitchFamily="2" charset="-122"/>
+                <a:ea typeface="宋体" panose="02010600030101010101" pitchFamily="2" charset="-122"/>
+              </a:rPr>
+              <a:t>84</a:t>
+            </a:r>
+            <a:endParaRPr lang="zh-CN" altLang="en-US" sz="2000" b="1" dirty="0">
+              <a:solidFill>
+                <a:schemeClr val="bg1"/>
+              </a:solidFill>
+              <a:latin typeface="宋体" panose="02010600030101010101" pitchFamily="2" charset="-122"/>
+              <a:ea typeface="宋体" panose="02010600030101010101" pitchFamily="2" charset="-122"/>
+            </a:endParaRPr>
+          </a:p>
+        </p:txBody>
+      </p:sp>
+      <p:sp>
+        <p:nvSpPr>
+          <p:cNvPr id="101" name="文本框 100">
+            <a:extLst>
+              <a:ext uri="{FF2B5EF4-FFF2-40B4-BE49-F238E27FC236}">
+                <a16:creationId xmlns:a16="http://schemas.microsoft.com/office/drawing/2014/main" id="{6239FA6F-1CF3-4F5C-A61F-931440C6C38E}"/>
+              </a:ext>
+            </a:extLst>
+          </p:cNvPr>
+          <p:cNvSpPr txBox="1"/>
+          <p:nvPr/>
+        </p:nvSpPr>
+        <p:spPr>
+          <a:xfrm>
+            <a:off x="4086938" y="6207984"/>
+            <a:ext cx="476888" cy="400110"/>
+          </a:xfrm>
+          <a:prstGeom prst="rect">
+            <a:avLst/>
+          </a:prstGeom>
+          <a:noFill/>
+        </p:spPr>
+        <p:txBody>
+          <a:bodyPr wrap="square" rtlCol="0">
+            <a:spAutoFit/>
+          </a:bodyPr>
+          <a:lstStyle/>
+          <a:p>
+            <a:r>
+              <a:rPr lang="en-US" altLang="zh-CN" sz="2000" b="1" dirty="0">
+                <a:solidFill>
+                  <a:schemeClr val="bg1"/>
+                </a:solidFill>
+                <a:latin typeface="宋体" panose="02010600030101010101" pitchFamily="2" charset="-122"/>
+                <a:ea typeface="宋体" panose="02010600030101010101" pitchFamily="2" charset="-122"/>
+              </a:rPr>
+              <a:t>85</a:t>
+            </a:r>
+            <a:endParaRPr lang="zh-CN" altLang="en-US" sz="2000" b="1" dirty="0">
+              <a:solidFill>
+                <a:schemeClr val="bg1"/>
+              </a:solidFill>
+              <a:latin typeface="宋体" panose="02010600030101010101" pitchFamily="2" charset="-122"/>
+              <a:ea typeface="宋体" panose="02010600030101010101" pitchFamily="2" charset="-122"/>
+            </a:endParaRPr>
+          </a:p>
+        </p:txBody>
+      </p:sp>
+      <p:sp>
+        <p:nvSpPr>
+          <p:cNvPr id="102" name="文本框 101">
+            <a:extLst>
+              <a:ext uri="{FF2B5EF4-FFF2-40B4-BE49-F238E27FC236}">
+                <a16:creationId xmlns:a16="http://schemas.microsoft.com/office/drawing/2014/main" id="{B2C33EB1-8E7C-4B32-A044-8EC89085FC7F}"/>
+              </a:ext>
+            </a:extLst>
+          </p:cNvPr>
+          <p:cNvSpPr txBox="1"/>
+          <p:nvPr/>
+        </p:nvSpPr>
+        <p:spPr>
+          <a:xfrm>
+            <a:off x="3816376" y="1390847"/>
+            <a:ext cx="476888" cy="400110"/>
+          </a:xfrm>
+          <a:prstGeom prst="rect">
+            <a:avLst/>
+          </a:prstGeom>
+          <a:noFill/>
+        </p:spPr>
+        <p:txBody>
+          <a:bodyPr wrap="square" rtlCol="0">
+            <a:spAutoFit/>
+          </a:bodyPr>
+          <a:lstStyle/>
+          <a:p>
+            <a:r>
+              <a:rPr lang="en-US" altLang="zh-CN" sz="2000" b="1" dirty="0">
+                <a:solidFill>
+                  <a:schemeClr val="bg1"/>
+                </a:solidFill>
+                <a:latin typeface="宋体" panose="02010600030101010101" pitchFamily="2" charset="-122"/>
+                <a:ea typeface="宋体" panose="02010600030101010101" pitchFamily="2" charset="-122"/>
+              </a:rPr>
+              <a:t>87</a:t>
+            </a:r>
+            <a:endParaRPr lang="zh-CN" altLang="en-US" sz="2000" b="1" dirty="0">
+              <a:solidFill>
+                <a:schemeClr val="bg1"/>
+              </a:solidFill>
+              <a:latin typeface="宋体" panose="02010600030101010101" pitchFamily="2" charset="-122"/>
+              <a:ea typeface="宋体" panose="02010600030101010101" pitchFamily="2" charset="-122"/>
+            </a:endParaRPr>
+          </a:p>
+        </p:txBody>
+      </p:sp>
+      <p:sp>
+        <p:nvSpPr>
+          <p:cNvPr id="103" name="文本框 102">
+            <a:extLst>
+              <a:ext uri="{FF2B5EF4-FFF2-40B4-BE49-F238E27FC236}">
+                <a16:creationId xmlns:a16="http://schemas.microsoft.com/office/drawing/2014/main" id="{16415A1D-8885-4A40-B1F4-A86BDE161876}"/>
+              </a:ext>
+            </a:extLst>
+          </p:cNvPr>
+          <p:cNvSpPr txBox="1"/>
+          <p:nvPr/>
+        </p:nvSpPr>
+        <p:spPr>
+          <a:xfrm>
+            <a:off x="3343357" y="488872"/>
+            <a:ext cx="476888" cy="400110"/>
+          </a:xfrm>
+          <a:prstGeom prst="rect">
+            <a:avLst/>
+          </a:prstGeom>
+          <a:noFill/>
+        </p:spPr>
+        <p:txBody>
+          <a:bodyPr wrap="square" rtlCol="0">
+            <a:spAutoFit/>
+          </a:bodyPr>
+          <a:lstStyle/>
+          <a:p>
+            <a:r>
+              <a:rPr lang="en-US" altLang="zh-CN" sz="2000" b="1" dirty="0">
+                <a:solidFill>
+                  <a:schemeClr val="bg1"/>
+                </a:solidFill>
+                <a:latin typeface="宋体" panose="02010600030101010101" pitchFamily="2" charset="-122"/>
+                <a:ea typeface="宋体" panose="02010600030101010101" pitchFamily="2" charset="-122"/>
+              </a:rPr>
+              <a:t>86</a:t>
+            </a:r>
+            <a:endParaRPr lang="zh-CN" altLang="en-US" sz="2000" b="1" dirty="0">
+              <a:solidFill>
+                <a:schemeClr val="bg1"/>
+              </a:solidFill>
+              <a:latin typeface="宋体" panose="02010600030101010101" pitchFamily="2" charset="-122"/>
+              <a:ea typeface="宋体" panose="02010600030101010101" pitchFamily="2" charset="-122"/>
+            </a:endParaRPr>
+          </a:p>
+        </p:txBody>
+      </p:sp>
+      <p:pic>
+        <p:nvPicPr>
+          <p:cNvPr id="104" name="图片 103">
+            <a:extLst>
+              <a:ext uri="{FF2B5EF4-FFF2-40B4-BE49-F238E27FC236}">
+                <a16:creationId xmlns:a16="http://schemas.microsoft.com/office/drawing/2014/main" id="{86F635EB-7C52-4031-AACC-160B70E15961}"/>
+              </a:ext>
+            </a:extLst>
+          </p:cNvPr>
+          <p:cNvPicPr/>
+          <p:nvPr/>
+        </p:nvPicPr>
+        <p:blipFill>
+          <a:blip r:embed="rId3"/>
+          <a:srcRect/>
+          <a:stretch>
+            <a:fillRect/>
+          </a:stretch>
+        </p:blipFill>
+        <p:spPr bwMode="auto">
+          <a:xfrm>
+            <a:off x="7743984" y="6016"/>
+            <a:ext cx="3819525" cy="571500"/>
+          </a:xfrm>
+          <a:prstGeom prst="rect">
+            <a:avLst/>
+          </a:prstGeom>
+          <a:noFill/>
+          <a:ln w="9525">
+            <a:noFill/>
+            <a:miter lim="800000"/>
+            <a:headEnd/>
+            <a:tailEnd/>
+          </a:ln>
+        </p:spPr>
+      </p:pic>
+      <p:pic>
+        <p:nvPicPr>
+          <p:cNvPr id="105" name="图片 104">
+            <a:extLst>
+              <a:ext uri="{FF2B5EF4-FFF2-40B4-BE49-F238E27FC236}">
+                <a16:creationId xmlns:a16="http://schemas.microsoft.com/office/drawing/2014/main" id="{47B7A6F3-BCB1-4AF9-BF53-69A7494E5E72}"/>
+              </a:ext>
+            </a:extLst>
+          </p:cNvPr>
+          <p:cNvPicPr/>
+          <p:nvPr/>
+        </p:nvPicPr>
+        <p:blipFill>
+          <a:blip r:embed="rId4"/>
+          <a:srcRect/>
+          <a:stretch>
+            <a:fillRect/>
+          </a:stretch>
+        </p:blipFill>
+        <p:spPr bwMode="auto">
+          <a:xfrm>
+            <a:off x="7743984" y="595276"/>
+            <a:ext cx="3800475" cy="457200"/>
+          </a:xfrm>
+          <a:prstGeom prst="rect">
+            <a:avLst/>
+          </a:prstGeom>
+          <a:noFill/>
+          <a:ln w="9525">
+            <a:noFill/>
+            <a:miter lim="800000"/>
+            <a:headEnd/>
+            <a:tailEnd/>
+          </a:ln>
+        </p:spPr>
+      </p:pic>
+      <p:pic>
+        <p:nvPicPr>
+          <p:cNvPr id="106" name="图片 105">
+            <a:extLst>
+              <a:ext uri="{FF2B5EF4-FFF2-40B4-BE49-F238E27FC236}">
+                <a16:creationId xmlns:a16="http://schemas.microsoft.com/office/drawing/2014/main" id="{5C1B72A1-968C-47D1-BC7F-8DD7EB02D2D2}"/>
+              </a:ext>
+            </a:extLst>
+          </p:cNvPr>
+          <p:cNvPicPr/>
+          <p:nvPr/>
+        </p:nvPicPr>
+        <p:blipFill>
+          <a:blip r:embed="rId5"/>
+          <a:srcRect/>
+          <a:stretch>
+            <a:fillRect/>
+          </a:stretch>
+        </p:blipFill>
+        <p:spPr bwMode="auto">
+          <a:xfrm>
+            <a:off x="7743984" y="1070236"/>
+            <a:ext cx="3810000" cy="476250"/>
+          </a:xfrm>
+          <a:prstGeom prst="rect">
+            <a:avLst/>
+          </a:prstGeom>
+          <a:noFill/>
+          <a:ln w="9525">
+            <a:noFill/>
+            <a:miter lim="800000"/>
+            <a:headEnd/>
+            <a:tailEnd/>
+          </a:ln>
+        </p:spPr>
+      </p:pic>
+      <p:pic>
+        <p:nvPicPr>
+          <p:cNvPr id="111" name="图片 110">
+            <a:extLst>
+              <a:ext uri="{FF2B5EF4-FFF2-40B4-BE49-F238E27FC236}">
+                <a16:creationId xmlns:a16="http://schemas.microsoft.com/office/drawing/2014/main" id="{51A6F160-DAE6-49A6-A2AD-11ED2E5568DB}"/>
+              </a:ext>
+            </a:extLst>
+          </p:cNvPr>
+          <p:cNvPicPr/>
+          <p:nvPr/>
+        </p:nvPicPr>
+        <p:blipFill>
+          <a:blip r:embed="rId6"/>
+          <a:srcRect/>
+          <a:stretch>
+            <a:fillRect/>
+          </a:stretch>
+        </p:blipFill>
+        <p:spPr bwMode="auto">
+          <a:xfrm>
+            <a:off x="7734459" y="1564246"/>
+            <a:ext cx="3810000" cy="400050"/>
+          </a:xfrm>
+          <a:prstGeom prst="rect">
+            <a:avLst/>
+          </a:prstGeom>
+          <a:noFill/>
+          <a:ln w="9525">
+            <a:noFill/>
+            <a:miter lim="800000"/>
+            <a:headEnd/>
+            <a:tailEnd/>
+          </a:ln>
+        </p:spPr>
+      </p:pic>
+    </p:spTree>
+    <p:extLst>
+      <p:ext uri="{BB962C8B-B14F-4D97-AF65-F5344CB8AC3E}">
+        <p14:creationId xmlns:p14="http://schemas.microsoft.com/office/powerpoint/2010/main" val="1456763592"/>
       </p:ext>
     </p:extLst>
   </p:cSld>
